--- a/10GBASE-T Coding and Modulation.pptx
+++ b/10GBASE-T Coding and Modulation.pptx
@@ -5,12 +5,26 @@
     <p:sldMasterId id="2147483648" r:id="rId1"/>
   </p:sldMasterIdLst>
   <p:notesMasterIdLst>
-    <p:notesMasterId r:id="rId5"/>
+    <p:notesMasterId r:id="rId19"/>
   </p:notesMasterIdLst>
   <p:sldIdLst>
     <p:sldId id="256" r:id="rId2"/>
-    <p:sldId id="257" r:id="rId3"/>
-    <p:sldId id="258" r:id="rId4"/>
+    <p:sldId id="265" r:id="rId3"/>
+    <p:sldId id="257" r:id="rId4"/>
+    <p:sldId id="258" r:id="rId5"/>
+    <p:sldId id="262" r:id="rId6"/>
+    <p:sldId id="261" r:id="rId7"/>
+    <p:sldId id="260" r:id="rId8"/>
+    <p:sldId id="264" r:id="rId9"/>
+    <p:sldId id="263" r:id="rId10"/>
+    <p:sldId id="268" r:id="rId11"/>
+    <p:sldId id="272" r:id="rId12"/>
+    <p:sldId id="267" r:id="rId13"/>
+    <p:sldId id="266" r:id="rId14"/>
+    <p:sldId id="269" r:id="rId15"/>
+    <p:sldId id="270" r:id="rId16"/>
+    <p:sldId id="271" r:id="rId17"/>
+    <p:sldId id="259" r:id="rId18"/>
   </p:sldIdLst>
   <p:sldSz cx="12192000" cy="6858000"/>
   <p:notesSz cx="6858000" cy="9144000"/>
@@ -109,6 +123,11 @@
       </a:defRPr>
     </a:lvl9pPr>
   </p:defaultTextStyle>
+  <p:extLst>
+    <p:ext uri="{EFAFB233-063F-42B5-8137-9DF3F51BA10A}">
+      <p15:sldGuideLst xmlns:p15="http://schemas.microsoft.com/office/powerpoint/2012/main"/>
+    </p:ext>
+  </p:extLst>
 </p:presentation>
 </file>
 
@@ -194,7 +213,7 @@
           <a:p>
             <a:fld id="{47065FF7-5921-4A91-9AA7-60611EBE2FB6}" type="datetimeFigureOut">
               <a:rPr lang="zh-TW" altLang="en-US" smtClean="0"/>
-              <a:t>2023/12/24</a:t>
+              <a:t>2023/12/25</a:t>
             </a:fld>
             <a:endParaRPr lang="zh-TW" altLang="en-US"/>
           </a:p>
@@ -621,7 +640,7 @@
           <a:p>
             <a:fld id="{DA34DFCE-7CD6-4B05-9EDF-72DF36BEF249}" type="datetime1">
               <a:rPr lang="zh-TW" altLang="en-US" smtClean="0"/>
-              <a:t>2023/12/24</a:t>
+              <a:t>2023/12/25</a:t>
             </a:fld>
             <a:endParaRPr lang="zh-TW" altLang="en-US"/>
           </a:p>
@@ -834,7 +853,7 @@
           <a:p>
             <a:fld id="{24F4915E-FC8B-4DB6-9FB8-D6BA8432D0A3}" type="datetime1">
               <a:rPr lang="zh-TW" altLang="en-US" smtClean="0"/>
-              <a:t>2023/12/24</a:t>
+              <a:t>2023/12/25</a:t>
             </a:fld>
             <a:endParaRPr lang="zh-TW" altLang="en-US"/>
           </a:p>
@@ -1042,7 +1061,7 @@
           <a:p>
             <a:fld id="{382237EE-833A-49C8-9960-6A8D1FC4F5E0}" type="datetime1">
               <a:rPr lang="zh-TW" altLang="en-US" smtClean="0"/>
-              <a:t>2023/12/24</a:t>
+              <a:t>2023/12/25</a:t>
             </a:fld>
             <a:endParaRPr lang="zh-TW" altLang="en-US"/>
           </a:p>
@@ -1285,7 +1304,7 @@
           <a:p>
             <a:fld id="{DF33FE24-372B-404B-98DA-E308D0F0F0A7}" type="datetime1">
               <a:rPr lang="zh-TW" altLang="en-US" smtClean="0"/>
-              <a:t>2023/12/24</a:t>
+              <a:t>2023/12/25</a:t>
             </a:fld>
             <a:endParaRPr lang="zh-TW" altLang="en-US"/>
           </a:p>
@@ -1575,7 +1594,7 @@
           <a:p>
             <a:fld id="{669BA6EB-4856-4734-9DDD-EE43F2BEC50A}" type="datetime1">
               <a:rPr lang="zh-TW" altLang="en-US" smtClean="0"/>
-              <a:t>2023/12/24</a:t>
+              <a:t>2023/12/25</a:t>
             </a:fld>
             <a:endParaRPr lang="zh-TW" altLang="en-US"/>
           </a:p>
@@ -1840,7 +1859,7 @@
           <a:p>
             <a:fld id="{EC525E76-0C3B-422F-9278-27D3A086228E}" type="datetime1">
               <a:rPr lang="zh-TW" altLang="en-US" smtClean="0"/>
-              <a:t>2023/12/24</a:t>
+              <a:t>2023/12/25</a:t>
             </a:fld>
             <a:endParaRPr lang="zh-TW" altLang="en-US"/>
           </a:p>
@@ -2252,7 +2271,7 @@
           <a:p>
             <a:fld id="{ECDDA100-2CCE-4C6F-AD7C-39F9E1B5354A}" type="datetime1">
               <a:rPr lang="zh-TW" altLang="en-US" smtClean="0"/>
-              <a:t>2023/12/24</a:t>
+              <a:t>2023/12/25</a:t>
             </a:fld>
             <a:endParaRPr lang="zh-TW" altLang="en-US"/>
           </a:p>
@@ -2393,7 +2412,7 @@
           <a:p>
             <a:fld id="{17A49947-95D2-4D43-8FDE-52D5AE6C5151}" type="datetime1">
               <a:rPr lang="zh-TW" altLang="en-US" smtClean="0"/>
-              <a:t>2023/12/24</a:t>
+              <a:t>2023/12/25</a:t>
             </a:fld>
             <a:endParaRPr lang="zh-TW" altLang="en-US"/>
           </a:p>
@@ -2506,7 +2525,7 @@
           <a:p>
             <a:fld id="{383A8FEF-472B-4F08-941C-6C6F8D509DE4}" type="datetime1">
               <a:rPr lang="zh-TW" altLang="en-US" smtClean="0"/>
-              <a:t>2023/12/24</a:t>
+              <a:t>2023/12/25</a:t>
             </a:fld>
             <a:endParaRPr lang="zh-TW" altLang="en-US"/>
           </a:p>
@@ -2817,7 +2836,7 @@
           <a:p>
             <a:fld id="{8F2856B9-B6D9-47D8-8FB0-958B5841D8CC}" type="datetime1">
               <a:rPr lang="zh-TW" altLang="en-US" smtClean="0"/>
-              <a:t>2023/12/24</a:t>
+              <a:t>2023/12/25</a:t>
             </a:fld>
             <a:endParaRPr lang="zh-TW" altLang="en-US"/>
           </a:p>
@@ -3105,7 +3124,7 @@
           <a:p>
             <a:fld id="{463CDE23-90BD-4EA1-B845-410AE78E9711}" type="datetime1">
               <a:rPr lang="zh-TW" altLang="en-US" smtClean="0"/>
-              <a:t>2023/12/24</a:t>
+              <a:t>2023/12/25</a:t>
             </a:fld>
             <a:endParaRPr lang="zh-TW" altLang="en-US"/>
           </a:p>
@@ -3346,7 +3365,7 @@
           <a:p>
             <a:fld id="{EA404C43-6266-4AA4-ABF1-D50C08B393E0}" type="datetime1">
               <a:rPr lang="zh-TW" altLang="en-US" smtClean="0"/>
-              <a:t>2023/12/24</a:t>
+              <a:t>2023/12/25</a:t>
             </a:fld>
             <a:endParaRPr lang="zh-TW" altLang="en-US"/>
           </a:p>
@@ -3823,7 +3842,7 @@
           <a:bodyPr/>
           <a:lstStyle/>
           <a:p>
-            <a:endParaRPr lang="zh-TW" altLang="en-US"/>
+            <a:endParaRPr lang="zh-TW" altLang="en-US" dirty="0"/>
           </a:p>
         </p:txBody>
       </p:sp>
@@ -3831,6 +3850,1168 @@
     <p:extLst>
       <p:ext uri="{BB962C8B-B14F-4D97-AF65-F5344CB8AC3E}">
         <p14:creationId xmlns:p14="http://schemas.microsoft.com/office/powerpoint/2010/main" val="1666878494"/>
+      </p:ext>
+    </p:extLst>
+  </p:cSld>
+  <p:clrMapOvr>
+    <a:masterClrMapping/>
+  </p:clrMapOvr>
+</p:sld>
+</file>
+
+<file path=ppt/slides/slide10.xml><?xml version="1.0" encoding="utf-8"?>
+<p:sld xmlns:a="http://schemas.openxmlformats.org/drawingml/2006/main" xmlns:r="http://schemas.openxmlformats.org/officeDocument/2006/relationships" xmlns:p="http://schemas.openxmlformats.org/presentationml/2006/main">
+  <p:cSld>
+    <p:spTree>
+      <p:nvGrpSpPr>
+        <p:cNvPr id="1" name=""/>
+        <p:cNvGrpSpPr/>
+        <p:nvPr/>
+      </p:nvGrpSpPr>
+      <p:grpSpPr>
+        <a:xfrm>
+          <a:off x="0" y="0"/>
+          <a:ext cx="0" cy="0"/>
+          <a:chOff x="0" y="0"/>
+          <a:chExt cx="0" cy="0"/>
+        </a:xfrm>
+      </p:grpSpPr>
+      <p:sp>
+        <p:nvSpPr>
+          <p:cNvPr id="2" name="標題 1">
+            <a:extLst>
+              <a:ext uri="{FF2B5EF4-FFF2-40B4-BE49-F238E27FC236}">
+                <a16:creationId xmlns:a16="http://schemas.microsoft.com/office/drawing/2014/main" id="{8D42FACD-D13D-42C2-BA72-551C4ECF0E81}"/>
+              </a:ext>
+            </a:extLst>
+          </p:cNvPr>
+          <p:cNvSpPr>
+            <a:spLocks noGrp="1"/>
+          </p:cNvSpPr>
+          <p:nvPr>
+            <p:ph type="title"/>
+          </p:nvPr>
+        </p:nvSpPr>
+        <p:spPr/>
+        <p:txBody>
+          <a:bodyPr/>
+          <a:lstStyle/>
+          <a:p>
+            <a:r>
+              <a:rPr lang="en-US" altLang="zh-TW" sz="4400" dirty="0"/>
+              <a:t>128-DSQ mapping e</a:t>
+            </a:r>
+            <a:r>
+              <a:rPr lang="en-US" altLang="zh-TW" dirty="0"/>
+              <a:t>xample:</a:t>
+            </a:r>
+            <a:endParaRPr lang="zh-TW" altLang="en-US" dirty="0"/>
+          </a:p>
+        </p:txBody>
+      </p:sp>
+      <p:pic>
+        <p:nvPicPr>
+          <p:cNvPr id="6" name="內容版面配置區 5">
+            <a:extLst>
+              <a:ext uri="{FF2B5EF4-FFF2-40B4-BE49-F238E27FC236}">
+                <a16:creationId xmlns:a16="http://schemas.microsoft.com/office/drawing/2014/main" id="{3758CFC6-6BFE-4A4C-99FF-46955E0C099B}"/>
+              </a:ext>
+            </a:extLst>
+          </p:cNvPr>
+          <p:cNvPicPr>
+            <a:picLocks noGrp="1" noChangeAspect="1"/>
+          </p:cNvPicPr>
+          <p:nvPr>
+            <p:ph idx="1"/>
+          </p:nvPr>
+        </p:nvPicPr>
+        <p:blipFill rotWithShape="1">
+          <a:blip r:embed="rId2">
+            <a:extLst>
+              <a:ext uri="{28A0092B-C50C-407E-A947-70E740481C1C}">
+                <a14:useLocalDpi xmlns:a14="http://schemas.microsoft.com/office/drawing/2010/main" val="0"/>
+              </a:ext>
+            </a:extLst>
+          </a:blip>
+          <a:srcRect t="1997" b="22974"/>
+          <a:stretch/>
+        </p:blipFill>
+        <p:spPr>
+          <a:xfrm>
+            <a:off x="3478472" y="1487374"/>
+            <a:ext cx="5235056" cy="5072290"/>
+          </a:xfrm>
+        </p:spPr>
+      </p:pic>
+      <p:sp>
+        <p:nvSpPr>
+          <p:cNvPr id="4" name="投影片編號版面配置區 3">
+            <a:extLst>
+              <a:ext uri="{FF2B5EF4-FFF2-40B4-BE49-F238E27FC236}">
+                <a16:creationId xmlns:a16="http://schemas.microsoft.com/office/drawing/2014/main" id="{094EA17E-76CC-4B76-AD70-4C23AB26E968}"/>
+              </a:ext>
+            </a:extLst>
+          </p:cNvPr>
+          <p:cNvSpPr>
+            <a:spLocks noGrp="1"/>
+          </p:cNvSpPr>
+          <p:nvPr>
+            <p:ph type="sldNum" sz="quarter" idx="12"/>
+          </p:nvPr>
+        </p:nvSpPr>
+        <p:spPr/>
+        <p:txBody>
+          <a:bodyPr/>
+          <a:lstStyle/>
+          <a:p>
+            <a:fld id="{5357535F-E6DD-4F6C-B8A3-03278B2FADD3}" type="slidenum">
+              <a:rPr lang="zh-TW" altLang="en-US" smtClean="0"/>
+              <a:pPr/>
+              <a:t>10</a:t>
+            </a:fld>
+            <a:endParaRPr lang="zh-TW" altLang="en-US" dirty="0"/>
+          </a:p>
+        </p:txBody>
+      </p:sp>
+    </p:spTree>
+    <p:extLst>
+      <p:ext uri="{BB962C8B-B14F-4D97-AF65-F5344CB8AC3E}">
+        <p14:creationId xmlns:p14="http://schemas.microsoft.com/office/powerpoint/2010/main" val="2553729174"/>
+      </p:ext>
+    </p:extLst>
+  </p:cSld>
+  <p:clrMapOvr>
+    <a:masterClrMapping/>
+  </p:clrMapOvr>
+</p:sld>
+</file>
+
+<file path=ppt/slides/slide11.xml><?xml version="1.0" encoding="utf-8"?>
+<p:sld xmlns:a="http://schemas.openxmlformats.org/drawingml/2006/main" xmlns:r="http://schemas.openxmlformats.org/officeDocument/2006/relationships" xmlns:p="http://schemas.openxmlformats.org/presentationml/2006/main">
+  <p:cSld>
+    <p:spTree>
+      <p:nvGrpSpPr>
+        <p:cNvPr id="1" name=""/>
+        <p:cNvGrpSpPr/>
+        <p:nvPr/>
+      </p:nvGrpSpPr>
+      <p:grpSpPr>
+        <a:xfrm>
+          <a:off x="0" y="0"/>
+          <a:ext cx="0" cy="0"/>
+          <a:chOff x="0" y="0"/>
+          <a:chExt cx="0" cy="0"/>
+        </a:xfrm>
+      </p:grpSpPr>
+      <p:sp>
+        <p:nvSpPr>
+          <p:cNvPr id="2" name="標題 1">
+            <a:extLst>
+              <a:ext uri="{FF2B5EF4-FFF2-40B4-BE49-F238E27FC236}">
+                <a16:creationId xmlns:a16="http://schemas.microsoft.com/office/drawing/2014/main" id="{DF3BDE35-ACFC-4273-B169-E0D2CB602877}"/>
+              </a:ext>
+            </a:extLst>
+          </p:cNvPr>
+          <p:cNvSpPr>
+            <a:spLocks noGrp="1"/>
+          </p:cNvSpPr>
+          <p:nvPr>
+            <p:ph type="title"/>
+          </p:nvPr>
+        </p:nvSpPr>
+        <p:spPr/>
+        <p:txBody>
+          <a:bodyPr/>
+          <a:lstStyle/>
+          <a:p>
+            <a:r>
+              <a:rPr lang="en-US" altLang="zh-TW" dirty="0" err="1"/>
+              <a:t>Matlab</a:t>
+            </a:r>
+            <a:r>
+              <a:rPr lang="en-US" altLang="zh-TW" dirty="0"/>
+              <a:t> simulation of </a:t>
+            </a:r>
+            <a:r>
+              <a:rPr lang="en-US" altLang="zh-TW" sz="4400" dirty="0"/>
+              <a:t>128-DSQ mapping</a:t>
+            </a:r>
+            <a:endParaRPr lang="zh-TW" altLang="en-US" dirty="0"/>
+          </a:p>
+        </p:txBody>
+      </p:sp>
+      <p:sp>
+        <p:nvSpPr>
+          <p:cNvPr id="3" name="內容版面配置區 2">
+            <a:extLst>
+              <a:ext uri="{FF2B5EF4-FFF2-40B4-BE49-F238E27FC236}">
+                <a16:creationId xmlns:a16="http://schemas.microsoft.com/office/drawing/2014/main" id="{50DCF01B-C538-457F-B8A4-3286A8699302}"/>
+              </a:ext>
+            </a:extLst>
+          </p:cNvPr>
+          <p:cNvSpPr>
+            <a:spLocks noGrp="1"/>
+          </p:cNvSpPr>
+          <p:nvPr>
+            <p:ph idx="1"/>
+          </p:nvPr>
+        </p:nvSpPr>
+        <p:spPr/>
+        <p:txBody>
+          <a:bodyPr/>
+          <a:lstStyle/>
+          <a:p>
+            <a:endParaRPr lang="zh-TW" altLang="en-US" dirty="0"/>
+          </a:p>
+        </p:txBody>
+      </p:sp>
+      <p:sp>
+        <p:nvSpPr>
+          <p:cNvPr id="4" name="投影片編號版面配置區 3">
+            <a:extLst>
+              <a:ext uri="{FF2B5EF4-FFF2-40B4-BE49-F238E27FC236}">
+                <a16:creationId xmlns:a16="http://schemas.microsoft.com/office/drawing/2014/main" id="{28D9C95E-784F-405A-AF17-A9CA7B589F2E}"/>
+              </a:ext>
+            </a:extLst>
+          </p:cNvPr>
+          <p:cNvSpPr>
+            <a:spLocks noGrp="1"/>
+          </p:cNvSpPr>
+          <p:nvPr>
+            <p:ph type="sldNum" sz="quarter" idx="12"/>
+          </p:nvPr>
+        </p:nvSpPr>
+        <p:spPr/>
+        <p:txBody>
+          <a:bodyPr/>
+          <a:lstStyle/>
+          <a:p>
+            <a:fld id="{5357535F-E6DD-4F6C-B8A3-03278B2FADD3}" type="slidenum">
+              <a:rPr lang="zh-TW" altLang="en-US" smtClean="0"/>
+              <a:pPr/>
+              <a:t>11</a:t>
+            </a:fld>
+            <a:endParaRPr lang="zh-TW" altLang="en-US" dirty="0"/>
+          </a:p>
+        </p:txBody>
+      </p:sp>
+      <p:pic>
+        <p:nvPicPr>
+          <p:cNvPr id="7" name="圖片 6">
+            <a:extLst>
+              <a:ext uri="{FF2B5EF4-FFF2-40B4-BE49-F238E27FC236}">
+                <a16:creationId xmlns:a16="http://schemas.microsoft.com/office/drawing/2014/main" id="{E8EAD6BE-BE2B-45F2-9E4F-736DC6B55DF5}"/>
+              </a:ext>
+            </a:extLst>
+          </p:cNvPr>
+          <p:cNvPicPr>
+            <a:picLocks noChangeAspect="1"/>
+          </p:cNvPicPr>
+          <p:nvPr/>
+        </p:nvPicPr>
+        <p:blipFill>
+          <a:blip r:embed="rId2"/>
+          <a:stretch>
+            <a:fillRect/>
+          </a:stretch>
+        </p:blipFill>
+        <p:spPr>
+          <a:xfrm>
+            <a:off x="838200" y="2207073"/>
+            <a:ext cx="6223320" cy="3435527"/>
+          </a:xfrm>
+          <a:prstGeom prst="rect">
+            <a:avLst/>
+          </a:prstGeom>
+        </p:spPr>
+      </p:pic>
+      <p:pic>
+        <p:nvPicPr>
+          <p:cNvPr id="10" name="圖片 9">
+            <a:extLst>
+              <a:ext uri="{FF2B5EF4-FFF2-40B4-BE49-F238E27FC236}">
+                <a16:creationId xmlns:a16="http://schemas.microsoft.com/office/drawing/2014/main" id="{6B2FFDB5-7DD1-437A-B104-9937774DC4F9}"/>
+              </a:ext>
+            </a:extLst>
+          </p:cNvPr>
+          <p:cNvPicPr>
+            <a:picLocks noChangeAspect="1"/>
+          </p:cNvPicPr>
+          <p:nvPr/>
+        </p:nvPicPr>
+        <p:blipFill>
+          <a:blip r:embed="rId3"/>
+          <a:stretch>
+            <a:fillRect/>
+          </a:stretch>
+        </p:blipFill>
+        <p:spPr>
+          <a:xfrm>
+            <a:off x="7061520" y="2560553"/>
+            <a:ext cx="4584936" cy="2419474"/>
+          </a:xfrm>
+          <a:prstGeom prst="rect">
+            <a:avLst/>
+          </a:prstGeom>
+        </p:spPr>
+      </p:pic>
+    </p:spTree>
+    <p:extLst>
+      <p:ext uri="{BB962C8B-B14F-4D97-AF65-F5344CB8AC3E}">
+        <p14:creationId xmlns:p14="http://schemas.microsoft.com/office/powerpoint/2010/main" val="11367615"/>
+      </p:ext>
+    </p:extLst>
+  </p:cSld>
+  <p:clrMapOvr>
+    <a:masterClrMapping/>
+  </p:clrMapOvr>
+</p:sld>
+</file>
+
+<file path=ppt/slides/slide12.xml><?xml version="1.0" encoding="utf-8"?>
+<p:sld xmlns:a="http://schemas.openxmlformats.org/drawingml/2006/main" xmlns:r="http://schemas.openxmlformats.org/officeDocument/2006/relationships" xmlns:p="http://schemas.openxmlformats.org/presentationml/2006/main">
+  <p:cSld>
+    <p:spTree>
+      <p:nvGrpSpPr>
+        <p:cNvPr id="1" name=""/>
+        <p:cNvGrpSpPr/>
+        <p:nvPr/>
+      </p:nvGrpSpPr>
+      <p:grpSpPr>
+        <a:xfrm>
+          <a:off x="0" y="0"/>
+          <a:ext cx="0" cy="0"/>
+          <a:chOff x="0" y="0"/>
+          <a:chExt cx="0" cy="0"/>
+        </a:xfrm>
+      </p:grpSpPr>
+      <p:sp>
+        <p:nvSpPr>
+          <p:cNvPr id="2" name="標題 1">
+            <a:extLst>
+              <a:ext uri="{FF2B5EF4-FFF2-40B4-BE49-F238E27FC236}">
+                <a16:creationId xmlns:a16="http://schemas.microsoft.com/office/drawing/2014/main" id="{CDB448E3-0070-4CC6-995F-833836A89A6D}"/>
+              </a:ext>
+            </a:extLst>
+          </p:cNvPr>
+          <p:cNvSpPr>
+            <a:spLocks noGrp="1"/>
+          </p:cNvSpPr>
+          <p:nvPr>
+            <p:ph type="title"/>
+          </p:nvPr>
+        </p:nvSpPr>
+        <p:spPr/>
+        <p:txBody>
+          <a:bodyPr/>
+          <a:lstStyle/>
+          <a:p>
+            <a:r>
+              <a:rPr lang="en-US" altLang="zh-TW" dirty="0"/>
+              <a:t>128-DSQ bit mapping: implementation</a:t>
+            </a:r>
+            <a:endParaRPr lang="zh-TW" altLang="en-US" dirty="0"/>
+          </a:p>
+        </p:txBody>
+      </p:sp>
+      <p:sp>
+        <p:nvSpPr>
+          <p:cNvPr id="3" name="內容版面配置區 2">
+            <a:extLst>
+              <a:ext uri="{FF2B5EF4-FFF2-40B4-BE49-F238E27FC236}">
+                <a16:creationId xmlns:a16="http://schemas.microsoft.com/office/drawing/2014/main" id="{8E807E22-8483-4FC9-B146-9B88CBACB0A0}"/>
+              </a:ext>
+            </a:extLst>
+          </p:cNvPr>
+          <p:cNvSpPr>
+            <a:spLocks noGrp="1"/>
+          </p:cNvSpPr>
+          <p:nvPr>
+            <p:ph idx="1"/>
+          </p:nvPr>
+        </p:nvSpPr>
+        <p:spPr/>
+        <p:txBody>
+          <a:bodyPr/>
+          <a:lstStyle/>
+          <a:p>
+            <a:endParaRPr lang="zh-TW" altLang="en-US"/>
+          </a:p>
+        </p:txBody>
+      </p:sp>
+      <p:sp>
+        <p:nvSpPr>
+          <p:cNvPr id="4" name="投影片編號版面配置區 3">
+            <a:extLst>
+              <a:ext uri="{FF2B5EF4-FFF2-40B4-BE49-F238E27FC236}">
+                <a16:creationId xmlns:a16="http://schemas.microsoft.com/office/drawing/2014/main" id="{3715D46B-7CFC-4524-899E-7971E704BD3B}"/>
+              </a:ext>
+            </a:extLst>
+          </p:cNvPr>
+          <p:cNvSpPr>
+            <a:spLocks noGrp="1"/>
+          </p:cNvSpPr>
+          <p:nvPr>
+            <p:ph type="sldNum" sz="quarter" idx="12"/>
+          </p:nvPr>
+        </p:nvSpPr>
+        <p:spPr/>
+        <p:txBody>
+          <a:bodyPr/>
+          <a:lstStyle/>
+          <a:p>
+            <a:fld id="{5357535F-E6DD-4F6C-B8A3-03278B2FADD3}" type="slidenum">
+              <a:rPr lang="zh-TW" altLang="en-US" smtClean="0"/>
+              <a:pPr/>
+              <a:t>12</a:t>
+            </a:fld>
+            <a:endParaRPr lang="zh-TW" altLang="en-US" dirty="0"/>
+          </a:p>
+        </p:txBody>
+      </p:sp>
+      <p:pic>
+        <p:nvPicPr>
+          <p:cNvPr id="6" name="圖片 5">
+            <a:extLst>
+              <a:ext uri="{FF2B5EF4-FFF2-40B4-BE49-F238E27FC236}">
+                <a16:creationId xmlns:a16="http://schemas.microsoft.com/office/drawing/2014/main" id="{7867EA2E-2696-48BC-B2E0-37D4D0690FF6}"/>
+              </a:ext>
+            </a:extLst>
+          </p:cNvPr>
+          <p:cNvPicPr>
+            <a:picLocks noChangeAspect="1"/>
+          </p:cNvPicPr>
+          <p:nvPr/>
+        </p:nvPicPr>
+        <p:blipFill>
+          <a:blip r:embed="rId2"/>
+          <a:stretch>
+            <a:fillRect/>
+          </a:stretch>
+        </p:blipFill>
+        <p:spPr>
+          <a:xfrm>
+            <a:off x="2279454" y="1899336"/>
+            <a:ext cx="7633092" cy="4203916"/>
+          </a:xfrm>
+          <a:prstGeom prst="rect">
+            <a:avLst/>
+          </a:prstGeom>
+        </p:spPr>
+      </p:pic>
+    </p:spTree>
+    <p:extLst>
+      <p:ext uri="{BB962C8B-B14F-4D97-AF65-F5344CB8AC3E}">
+        <p14:creationId xmlns:p14="http://schemas.microsoft.com/office/powerpoint/2010/main" val="320858303"/>
+      </p:ext>
+    </p:extLst>
+  </p:cSld>
+  <p:clrMapOvr>
+    <a:masterClrMapping/>
+  </p:clrMapOvr>
+</p:sld>
+</file>
+
+<file path=ppt/slides/slide13.xml><?xml version="1.0" encoding="utf-8"?>
+<p:sld xmlns:a="http://schemas.openxmlformats.org/drawingml/2006/main" xmlns:r="http://schemas.openxmlformats.org/officeDocument/2006/relationships" xmlns:p="http://schemas.openxmlformats.org/presentationml/2006/main">
+  <p:cSld>
+    <p:spTree>
+      <p:nvGrpSpPr>
+        <p:cNvPr id="1" name=""/>
+        <p:cNvGrpSpPr/>
+        <p:nvPr/>
+      </p:nvGrpSpPr>
+      <p:grpSpPr>
+        <a:xfrm>
+          <a:off x="0" y="0"/>
+          <a:ext cx="0" cy="0"/>
+          <a:chOff x="0" y="0"/>
+          <a:chExt cx="0" cy="0"/>
+        </a:xfrm>
+      </p:grpSpPr>
+      <p:sp>
+        <p:nvSpPr>
+          <p:cNvPr id="2" name="標題 1">
+            <a:extLst>
+              <a:ext uri="{FF2B5EF4-FFF2-40B4-BE49-F238E27FC236}">
+                <a16:creationId xmlns:a16="http://schemas.microsoft.com/office/drawing/2014/main" id="{A81E4EE6-2CF9-02A0-D8A4-0963D79B2C85}"/>
+              </a:ext>
+            </a:extLst>
+          </p:cNvPr>
+          <p:cNvSpPr>
+            <a:spLocks noGrp="1"/>
+          </p:cNvSpPr>
+          <p:nvPr>
+            <p:ph type="ctrTitle"/>
+          </p:nvPr>
+        </p:nvSpPr>
+        <p:spPr>
+          <a:xfrm>
+            <a:off x="1064833" y="3055167"/>
+            <a:ext cx="10062333" cy="747666"/>
+          </a:xfrm>
+        </p:spPr>
+        <p:txBody>
+          <a:bodyPr>
+            <a:normAutofit/>
+          </a:bodyPr>
+          <a:lstStyle/>
+          <a:p>
+            <a:r>
+              <a:rPr lang="en-US" altLang="zh-TW" sz="4500" dirty="0"/>
+              <a:t>128-DSQ soft-</a:t>
+            </a:r>
+            <a:r>
+              <a:rPr lang="en-US" altLang="zh-TW" sz="4500" dirty="0" err="1"/>
+              <a:t>demapping</a:t>
+            </a:r>
+            <a:endParaRPr lang="zh-TW" altLang="en-US" sz="4500" dirty="0"/>
+          </a:p>
+        </p:txBody>
+      </p:sp>
+    </p:spTree>
+    <p:extLst>
+      <p:ext uri="{BB962C8B-B14F-4D97-AF65-F5344CB8AC3E}">
+        <p14:creationId xmlns:p14="http://schemas.microsoft.com/office/powerpoint/2010/main" val="3025853106"/>
+      </p:ext>
+    </p:extLst>
+  </p:cSld>
+  <p:clrMapOvr>
+    <a:masterClrMapping/>
+  </p:clrMapOvr>
+</p:sld>
+</file>
+
+<file path=ppt/slides/slide14.xml><?xml version="1.0" encoding="utf-8"?>
+<p:sld xmlns:a="http://schemas.openxmlformats.org/drawingml/2006/main" xmlns:r="http://schemas.openxmlformats.org/officeDocument/2006/relationships" xmlns:p="http://schemas.openxmlformats.org/presentationml/2006/main">
+  <p:cSld>
+    <p:spTree>
+      <p:nvGrpSpPr>
+        <p:cNvPr id="1" name=""/>
+        <p:cNvGrpSpPr/>
+        <p:nvPr/>
+      </p:nvGrpSpPr>
+      <p:grpSpPr>
+        <a:xfrm>
+          <a:off x="0" y="0"/>
+          <a:ext cx="0" cy="0"/>
+          <a:chOff x="0" y="0"/>
+          <a:chExt cx="0" cy="0"/>
+        </a:xfrm>
+      </p:grpSpPr>
+      <p:sp>
+        <p:nvSpPr>
+          <p:cNvPr id="2" name="標題 1">
+            <a:extLst>
+              <a:ext uri="{FF2B5EF4-FFF2-40B4-BE49-F238E27FC236}">
+                <a16:creationId xmlns:a16="http://schemas.microsoft.com/office/drawing/2014/main" id="{B1C1F29C-4F19-4885-9EC4-CBCF59649070}"/>
+              </a:ext>
+            </a:extLst>
+          </p:cNvPr>
+          <p:cNvSpPr>
+            <a:spLocks noGrp="1"/>
+          </p:cNvSpPr>
+          <p:nvPr>
+            <p:ph type="title"/>
+          </p:nvPr>
+        </p:nvSpPr>
+        <p:spPr/>
+        <p:txBody>
+          <a:bodyPr/>
+          <a:lstStyle/>
+          <a:p>
+            <a:r>
+              <a:rPr lang="en-US" altLang="zh-TW" dirty="0"/>
+              <a:t>128-DSQ soft </a:t>
+            </a:r>
+            <a:r>
+              <a:rPr lang="en-US" altLang="zh-TW" dirty="0" err="1"/>
+              <a:t>demapping</a:t>
+            </a:r>
+            <a:r>
+              <a:rPr lang="en-US" altLang="zh-TW" dirty="0"/>
+              <a:t>: 4 coded bits</a:t>
+            </a:r>
+            <a:endParaRPr lang="zh-TW" altLang="en-US" dirty="0"/>
+          </a:p>
+        </p:txBody>
+      </p:sp>
+      <p:sp>
+        <p:nvSpPr>
+          <p:cNvPr id="3" name="內容版面配置區 2">
+            <a:extLst>
+              <a:ext uri="{FF2B5EF4-FFF2-40B4-BE49-F238E27FC236}">
+                <a16:creationId xmlns:a16="http://schemas.microsoft.com/office/drawing/2014/main" id="{4D0CFCB5-DE02-4266-87E3-EDDF5683AE8B}"/>
+              </a:ext>
+            </a:extLst>
+          </p:cNvPr>
+          <p:cNvSpPr>
+            <a:spLocks noGrp="1"/>
+          </p:cNvSpPr>
+          <p:nvPr>
+            <p:ph idx="1"/>
+          </p:nvPr>
+        </p:nvSpPr>
+        <p:spPr/>
+        <p:txBody>
+          <a:bodyPr/>
+          <a:lstStyle/>
+          <a:p>
+            <a:endParaRPr lang="zh-TW" altLang="en-US"/>
+          </a:p>
+        </p:txBody>
+      </p:sp>
+      <p:sp>
+        <p:nvSpPr>
+          <p:cNvPr id="4" name="投影片編號版面配置區 3">
+            <a:extLst>
+              <a:ext uri="{FF2B5EF4-FFF2-40B4-BE49-F238E27FC236}">
+                <a16:creationId xmlns:a16="http://schemas.microsoft.com/office/drawing/2014/main" id="{0E04B51F-BF66-405C-917D-A2FCCBE097F0}"/>
+              </a:ext>
+            </a:extLst>
+          </p:cNvPr>
+          <p:cNvSpPr>
+            <a:spLocks noGrp="1"/>
+          </p:cNvSpPr>
+          <p:nvPr>
+            <p:ph type="sldNum" sz="quarter" idx="12"/>
+          </p:nvPr>
+        </p:nvSpPr>
+        <p:spPr/>
+        <p:txBody>
+          <a:bodyPr/>
+          <a:lstStyle/>
+          <a:p>
+            <a:fld id="{5357535F-E6DD-4F6C-B8A3-03278B2FADD3}" type="slidenum">
+              <a:rPr lang="zh-TW" altLang="en-US" smtClean="0"/>
+              <a:pPr/>
+              <a:t>14</a:t>
+            </a:fld>
+            <a:endParaRPr lang="zh-TW" altLang="en-US" dirty="0"/>
+          </a:p>
+        </p:txBody>
+      </p:sp>
+      <p:pic>
+        <p:nvPicPr>
+          <p:cNvPr id="6" name="圖片 5">
+            <a:extLst>
+              <a:ext uri="{FF2B5EF4-FFF2-40B4-BE49-F238E27FC236}">
+                <a16:creationId xmlns:a16="http://schemas.microsoft.com/office/drawing/2014/main" id="{152B7C64-CE9E-4D5D-8168-B8B4A2ABBA17}"/>
+              </a:ext>
+            </a:extLst>
+          </p:cNvPr>
+          <p:cNvPicPr>
+            <a:picLocks noChangeAspect="1"/>
+          </p:cNvPicPr>
+          <p:nvPr/>
+        </p:nvPicPr>
+        <p:blipFill>
+          <a:blip r:embed="rId2"/>
+          <a:stretch>
+            <a:fillRect/>
+          </a:stretch>
+        </p:blipFill>
+        <p:spPr>
+          <a:xfrm>
+            <a:off x="2647773" y="2118422"/>
+            <a:ext cx="6896454" cy="3765744"/>
+          </a:xfrm>
+          <a:prstGeom prst="rect">
+            <a:avLst/>
+          </a:prstGeom>
+        </p:spPr>
+      </p:pic>
+    </p:spTree>
+    <p:extLst>
+      <p:ext uri="{BB962C8B-B14F-4D97-AF65-F5344CB8AC3E}">
+        <p14:creationId xmlns:p14="http://schemas.microsoft.com/office/powerpoint/2010/main" val="1271911538"/>
+      </p:ext>
+    </p:extLst>
+  </p:cSld>
+  <p:clrMapOvr>
+    <a:masterClrMapping/>
+  </p:clrMapOvr>
+</p:sld>
+</file>
+
+<file path=ppt/slides/slide15.xml><?xml version="1.0" encoding="utf-8"?>
+<p:sld xmlns:a="http://schemas.openxmlformats.org/drawingml/2006/main" xmlns:r="http://schemas.openxmlformats.org/officeDocument/2006/relationships" xmlns:p="http://schemas.openxmlformats.org/presentationml/2006/main">
+  <p:cSld>
+    <p:spTree>
+      <p:nvGrpSpPr>
+        <p:cNvPr id="1" name=""/>
+        <p:cNvGrpSpPr/>
+        <p:nvPr/>
+      </p:nvGrpSpPr>
+      <p:grpSpPr>
+        <a:xfrm>
+          <a:off x="0" y="0"/>
+          <a:ext cx="0" cy="0"/>
+          <a:chOff x="0" y="0"/>
+          <a:chExt cx="0" cy="0"/>
+        </a:xfrm>
+      </p:grpSpPr>
+      <p:sp>
+        <p:nvSpPr>
+          <p:cNvPr id="2" name="標題 1">
+            <a:extLst>
+              <a:ext uri="{FF2B5EF4-FFF2-40B4-BE49-F238E27FC236}">
+                <a16:creationId xmlns:a16="http://schemas.microsoft.com/office/drawing/2014/main" id="{6690AC41-BAB4-4F98-AE93-0A8C7719AFE9}"/>
+              </a:ext>
+            </a:extLst>
+          </p:cNvPr>
+          <p:cNvSpPr>
+            <a:spLocks noGrp="1"/>
+          </p:cNvSpPr>
+          <p:nvPr>
+            <p:ph type="title"/>
+          </p:nvPr>
+        </p:nvSpPr>
+        <p:spPr/>
+        <p:txBody>
+          <a:bodyPr/>
+          <a:lstStyle/>
+          <a:p>
+            <a:r>
+              <a:rPr lang="en-US" altLang="zh-TW" dirty="0"/>
+              <a:t>The function </a:t>
+            </a:r>
+            <a:r>
+              <a:rPr lang="en-US" altLang="zh-TW" dirty="0" err="1"/>
+              <a:t>llrb</a:t>
+            </a:r>
+            <a:r>
+              <a:rPr lang="en-US" altLang="zh-TW" dirty="0"/>
+              <a:t>(x)</a:t>
+            </a:r>
+            <a:endParaRPr lang="zh-TW" altLang="en-US" dirty="0"/>
+          </a:p>
+        </p:txBody>
+      </p:sp>
+      <p:sp>
+        <p:nvSpPr>
+          <p:cNvPr id="3" name="內容版面配置區 2">
+            <a:extLst>
+              <a:ext uri="{FF2B5EF4-FFF2-40B4-BE49-F238E27FC236}">
+                <a16:creationId xmlns:a16="http://schemas.microsoft.com/office/drawing/2014/main" id="{0A975AA8-1CC8-41B8-99D5-B08338588EC3}"/>
+              </a:ext>
+            </a:extLst>
+          </p:cNvPr>
+          <p:cNvSpPr>
+            <a:spLocks noGrp="1"/>
+          </p:cNvSpPr>
+          <p:nvPr>
+            <p:ph idx="1"/>
+          </p:nvPr>
+        </p:nvSpPr>
+        <p:spPr/>
+        <p:txBody>
+          <a:bodyPr/>
+          <a:lstStyle/>
+          <a:p>
+            <a:r>
+              <a:rPr lang="en-US" altLang="zh-TW" dirty="0"/>
+              <a:t>Log-likelihood ratio</a:t>
+            </a:r>
+          </a:p>
+          <a:p>
+            <a:endParaRPr lang="en-US" altLang="zh-TW" dirty="0"/>
+          </a:p>
+          <a:p>
+            <a:r>
+              <a:rPr lang="en-US" altLang="zh-TW" dirty="0"/>
+              <a:t>Complex AWGN channel</a:t>
+            </a:r>
+            <a:endParaRPr lang="zh-TW" altLang="en-US" dirty="0"/>
+          </a:p>
+        </p:txBody>
+      </p:sp>
+      <p:sp>
+        <p:nvSpPr>
+          <p:cNvPr id="4" name="投影片編號版面配置區 3">
+            <a:extLst>
+              <a:ext uri="{FF2B5EF4-FFF2-40B4-BE49-F238E27FC236}">
+                <a16:creationId xmlns:a16="http://schemas.microsoft.com/office/drawing/2014/main" id="{17E30BC9-1A10-486E-AB00-368EEEE6846E}"/>
+              </a:ext>
+            </a:extLst>
+          </p:cNvPr>
+          <p:cNvSpPr>
+            <a:spLocks noGrp="1"/>
+          </p:cNvSpPr>
+          <p:nvPr>
+            <p:ph type="sldNum" sz="quarter" idx="12"/>
+          </p:nvPr>
+        </p:nvSpPr>
+        <p:spPr/>
+        <p:txBody>
+          <a:bodyPr/>
+          <a:lstStyle/>
+          <a:p>
+            <a:fld id="{5357535F-E6DD-4F6C-B8A3-03278B2FADD3}" type="slidenum">
+              <a:rPr lang="zh-TW" altLang="en-US" smtClean="0"/>
+              <a:pPr/>
+              <a:t>15</a:t>
+            </a:fld>
+            <a:endParaRPr lang="zh-TW" altLang="en-US" dirty="0"/>
+          </a:p>
+        </p:txBody>
+      </p:sp>
+    </p:spTree>
+    <p:extLst>
+      <p:ext uri="{BB962C8B-B14F-4D97-AF65-F5344CB8AC3E}">
+        <p14:creationId xmlns:p14="http://schemas.microsoft.com/office/powerpoint/2010/main" val="1734696135"/>
+      </p:ext>
+    </p:extLst>
+  </p:cSld>
+  <p:clrMapOvr>
+    <a:masterClrMapping/>
+  </p:clrMapOvr>
+</p:sld>
+</file>
+
+<file path=ppt/slides/slide16.xml><?xml version="1.0" encoding="utf-8"?>
+<p:sld xmlns:a="http://schemas.openxmlformats.org/drawingml/2006/main" xmlns:r="http://schemas.openxmlformats.org/officeDocument/2006/relationships" xmlns:p="http://schemas.openxmlformats.org/presentationml/2006/main">
+  <p:cSld>
+    <p:spTree>
+      <p:nvGrpSpPr>
+        <p:cNvPr id="1" name=""/>
+        <p:cNvGrpSpPr/>
+        <p:nvPr/>
+      </p:nvGrpSpPr>
+      <p:grpSpPr>
+        <a:xfrm>
+          <a:off x="0" y="0"/>
+          <a:ext cx="0" cy="0"/>
+          <a:chOff x="0" y="0"/>
+          <a:chExt cx="0" cy="0"/>
+        </a:xfrm>
+      </p:grpSpPr>
+      <p:sp>
+        <p:nvSpPr>
+          <p:cNvPr id="2" name="標題 1">
+            <a:extLst>
+              <a:ext uri="{FF2B5EF4-FFF2-40B4-BE49-F238E27FC236}">
+                <a16:creationId xmlns:a16="http://schemas.microsoft.com/office/drawing/2014/main" id="{DF3BDE35-ACFC-4273-B169-E0D2CB602877}"/>
+              </a:ext>
+            </a:extLst>
+          </p:cNvPr>
+          <p:cNvSpPr>
+            <a:spLocks noGrp="1"/>
+          </p:cNvSpPr>
+          <p:nvPr>
+            <p:ph type="title"/>
+          </p:nvPr>
+        </p:nvSpPr>
+        <p:spPr/>
+        <p:txBody>
+          <a:bodyPr/>
+          <a:lstStyle/>
+          <a:p>
+            <a:r>
+              <a:rPr lang="en-US" altLang="zh-TW" dirty="0" err="1"/>
+              <a:t>Matlab</a:t>
+            </a:r>
+            <a:r>
+              <a:rPr lang="en-US" altLang="zh-TW" dirty="0"/>
+              <a:t> simulation of function </a:t>
+            </a:r>
+            <a:r>
+              <a:rPr lang="en-US" altLang="zh-TW" dirty="0" err="1"/>
+              <a:t>llrb</a:t>
+            </a:r>
+            <a:r>
+              <a:rPr lang="en-US" altLang="zh-TW" dirty="0"/>
+              <a:t>(x)</a:t>
+            </a:r>
+            <a:endParaRPr lang="zh-TW" altLang="en-US" dirty="0"/>
+          </a:p>
+        </p:txBody>
+      </p:sp>
+      <p:sp>
+        <p:nvSpPr>
+          <p:cNvPr id="3" name="內容版面配置區 2">
+            <a:extLst>
+              <a:ext uri="{FF2B5EF4-FFF2-40B4-BE49-F238E27FC236}">
+                <a16:creationId xmlns:a16="http://schemas.microsoft.com/office/drawing/2014/main" id="{50DCF01B-C538-457F-B8A4-3286A8699302}"/>
+              </a:ext>
+            </a:extLst>
+          </p:cNvPr>
+          <p:cNvSpPr>
+            <a:spLocks noGrp="1"/>
+          </p:cNvSpPr>
+          <p:nvPr>
+            <p:ph idx="1"/>
+          </p:nvPr>
+        </p:nvSpPr>
+        <p:spPr/>
+        <p:txBody>
+          <a:bodyPr/>
+          <a:lstStyle/>
+          <a:p>
+            <a:endParaRPr lang="zh-TW" altLang="en-US"/>
+          </a:p>
+        </p:txBody>
+      </p:sp>
+      <p:sp>
+        <p:nvSpPr>
+          <p:cNvPr id="4" name="投影片編號版面配置區 3">
+            <a:extLst>
+              <a:ext uri="{FF2B5EF4-FFF2-40B4-BE49-F238E27FC236}">
+                <a16:creationId xmlns:a16="http://schemas.microsoft.com/office/drawing/2014/main" id="{28D9C95E-784F-405A-AF17-A9CA7B589F2E}"/>
+              </a:ext>
+            </a:extLst>
+          </p:cNvPr>
+          <p:cNvSpPr>
+            <a:spLocks noGrp="1"/>
+          </p:cNvSpPr>
+          <p:nvPr>
+            <p:ph type="sldNum" sz="quarter" idx="12"/>
+          </p:nvPr>
+        </p:nvSpPr>
+        <p:spPr/>
+        <p:txBody>
+          <a:bodyPr/>
+          <a:lstStyle/>
+          <a:p>
+            <a:fld id="{5357535F-E6DD-4F6C-B8A3-03278B2FADD3}" type="slidenum">
+              <a:rPr lang="zh-TW" altLang="en-US" smtClean="0"/>
+              <a:pPr/>
+              <a:t>16</a:t>
+            </a:fld>
+            <a:endParaRPr lang="zh-TW" altLang="en-US" dirty="0"/>
+          </a:p>
+        </p:txBody>
+      </p:sp>
+      <p:pic>
+        <p:nvPicPr>
+          <p:cNvPr id="6" name="圖片 5">
+            <a:extLst>
+              <a:ext uri="{FF2B5EF4-FFF2-40B4-BE49-F238E27FC236}">
+                <a16:creationId xmlns:a16="http://schemas.microsoft.com/office/drawing/2014/main" id="{99E63ADD-3B2F-44BA-85D4-40D9CC1D3A65}"/>
+              </a:ext>
+            </a:extLst>
+          </p:cNvPr>
+          <p:cNvPicPr>
+            <a:picLocks noChangeAspect="1"/>
+          </p:cNvPicPr>
+          <p:nvPr/>
+        </p:nvPicPr>
+        <p:blipFill>
+          <a:blip r:embed="rId2"/>
+          <a:stretch>
+            <a:fillRect/>
+          </a:stretch>
+        </p:blipFill>
+        <p:spPr>
+          <a:xfrm>
+            <a:off x="4197252" y="1825625"/>
+            <a:ext cx="3797495" cy="1378021"/>
+          </a:xfrm>
+          <a:prstGeom prst="rect">
+            <a:avLst/>
+          </a:prstGeom>
+        </p:spPr>
+      </p:pic>
+      <p:pic>
+        <p:nvPicPr>
+          <p:cNvPr id="8" name="圖片 7">
+            <a:extLst>
+              <a:ext uri="{FF2B5EF4-FFF2-40B4-BE49-F238E27FC236}">
+                <a16:creationId xmlns:a16="http://schemas.microsoft.com/office/drawing/2014/main" id="{D2B67D57-ADE5-4DFB-90B6-17D1AD0AD031}"/>
+              </a:ext>
+            </a:extLst>
+          </p:cNvPr>
+          <p:cNvPicPr>
+            <a:picLocks noChangeAspect="1"/>
+          </p:cNvPicPr>
+          <p:nvPr/>
+        </p:nvPicPr>
+        <p:blipFill>
+          <a:blip r:embed="rId3"/>
+          <a:stretch>
+            <a:fillRect/>
+          </a:stretch>
+        </p:blipFill>
+        <p:spPr>
+          <a:xfrm>
+            <a:off x="2581093" y="3383033"/>
+            <a:ext cx="7029811" cy="2724290"/>
+          </a:xfrm>
+          <a:prstGeom prst="rect">
+            <a:avLst/>
+          </a:prstGeom>
+        </p:spPr>
+      </p:pic>
+    </p:spTree>
+    <p:extLst>
+      <p:ext uri="{BB962C8B-B14F-4D97-AF65-F5344CB8AC3E}">
+        <p14:creationId xmlns:p14="http://schemas.microsoft.com/office/powerpoint/2010/main" val="4255222437"/>
+      </p:ext>
+    </p:extLst>
+  </p:cSld>
+  <p:clrMapOvr>
+    <a:masterClrMapping/>
+  </p:clrMapOvr>
+</p:sld>
+</file>
+
+<file path=ppt/slides/slide17.xml><?xml version="1.0" encoding="utf-8"?>
+<p:sld xmlns:a="http://schemas.openxmlformats.org/drawingml/2006/main" xmlns:r="http://schemas.openxmlformats.org/officeDocument/2006/relationships" xmlns:p="http://schemas.openxmlformats.org/presentationml/2006/main">
+  <p:cSld>
+    <p:spTree>
+      <p:nvGrpSpPr>
+        <p:cNvPr id="1" name=""/>
+        <p:cNvGrpSpPr/>
+        <p:nvPr/>
+      </p:nvGrpSpPr>
+      <p:grpSpPr>
+        <a:xfrm>
+          <a:off x="0" y="0"/>
+          <a:ext cx="0" cy="0"/>
+          <a:chOff x="0" y="0"/>
+          <a:chExt cx="0" cy="0"/>
+        </a:xfrm>
+      </p:grpSpPr>
+      <p:sp>
+        <p:nvSpPr>
+          <p:cNvPr id="2" name="標題 1">
+            <a:extLst>
+              <a:ext uri="{FF2B5EF4-FFF2-40B4-BE49-F238E27FC236}">
+                <a16:creationId xmlns:a16="http://schemas.microsoft.com/office/drawing/2014/main" id="{30C4EE85-DDBB-4833-B366-5DBA3C8D23F1}"/>
+              </a:ext>
+            </a:extLst>
+          </p:cNvPr>
+          <p:cNvSpPr>
+            <a:spLocks noGrp="1"/>
+          </p:cNvSpPr>
+          <p:nvPr>
+            <p:ph type="title"/>
+          </p:nvPr>
+        </p:nvSpPr>
+        <p:spPr/>
+        <p:txBody>
+          <a:bodyPr/>
+          <a:lstStyle/>
+          <a:p>
+            <a:r>
+              <a:rPr lang="en-US" altLang="zh-TW" dirty="0"/>
+              <a:t>Citations</a:t>
+            </a:r>
+            <a:endParaRPr lang="zh-TW" altLang="en-US" dirty="0"/>
+          </a:p>
+        </p:txBody>
+      </p:sp>
+      <p:sp>
+        <p:nvSpPr>
+          <p:cNvPr id="3" name="內容版面配置區 2">
+            <a:extLst>
+              <a:ext uri="{FF2B5EF4-FFF2-40B4-BE49-F238E27FC236}">
+                <a16:creationId xmlns:a16="http://schemas.microsoft.com/office/drawing/2014/main" id="{CCB02FA2-03DC-41BB-8178-82FC274CE214}"/>
+              </a:ext>
+            </a:extLst>
+          </p:cNvPr>
+          <p:cNvSpPr>
+            <a:spLocks noGrp="1"/>
+          </p:cNvSpPr>
+          <p:nvPr>
+            <p:ph idx="1"/>
+          </p:nvPr>
+        </p:nvSpPr>
+        <p:spPr/>
+        <p:txBody>
+          <a:bodyPr/>
+          <a:lstStyle/>
+          <a:p>
+            <a:r>
+              <a:rPr lang="en-US" altLang="zh-TW" sz="2400" dirty="0"/>
+              <a:t>10GBASE-T Coding and Modulation: 128-DSQ + LDPC:</a:t>
+            </a:r>
+            <a:r>
+              <a:rPr lang="zh-TW" altLang="en-US" sz="2400" dirty="0"/>
+              <a:t> </a:t>
+            </a:r>
+            <a:r>
+              <a:rPr lang="en-US" altLang="zh-TW" sz="2400" b="0" i="0" dirty="0">
+                <a:effectLst/>
+                <a:cs typeface="Times New Roman" panose="02020603050405020304" pitchFamily="18" charset="0"/>
+                <a:hlinkClick r:id="rId2"/>
+              </a:rPr>
+              <a:t>https://www.ieee802.org/3/an/public/sep04/ungerboeck_2_0904.pdf</a:t>
+            </a:r>
+            <a:endParaRPr lang="en-US" altLang="zh-TW" sz="2400" b="0" i="0" dirty="0">
+              <a:effectLst/>
+              <a:cs typeface="Times New Roman" panose="02020603050405020304" pitchFamily="18" charset="0"/>
+            </a:endParaRPr>
+          </a:p>
+          <a:p>
+            <a:pPr marL="0" indent="0">
+              <a:buNone/>
+            </a:pPr>
+            <a:endParaRPr lang="en-US" altLang="zh-TW" sz="2400" b="0" i="0" dirty="0">
+              <a:effectLst/>
+              <a:cs typeface="Times New Roman" panose="02020603050405020304" pitchFamily="18" charset="0"/>
+            </a:endParaRPr>
+          </a:p>
+          <a:p>
+            <a:r>
+              <a:rPr lang="en-US" altLang="zh-TW" sz="2400" b="0" i="0" dirty="0">
+                <a:effectLst/>
+                <a:cs typeface="Times New Roman" panose="02020603050405020304" pitchFamily="18" charset="0"/>
+              </a:rPr>
+              <a:t>LDPC (Low Density Parity Check) coded 128 DSQ (Double Square QAM) constellation modulation and associated labeling: </a:t>
+            </a:r>
+            <a:r>
+              <a:rPr lang="en-US" altLang="zh-TW" sz="2400" dirty="0">
+                <a:cs typeface="Times New Roman" panose="02020603050405020304" pitchFamily="18" charset="0"/>
+                <a:hlinkClick r:id="rId3"/>
+              </a:rPr>
+              <a:t>https://patents.google.com/patent/US20060045197</a:t>
+            </a:r>
+            <a:endParaRPr lang="en-US" altLang="zh-TW" sz="2400" dirty="0">
+              <a:cs typeface="Times New Roman" panose="02020603050405020304" pitchFamily="18" charset="0"/>
+            </a:endParaRPr>
+          </a:p>
+          <a:p>
+            <a:endParaRPr lang="zh-TW" altLang="en-US" dirty="0">
+              <a:cs typeface="Times New Roman" panose="02020603050405020304" pitchFamily="18" charset="0"/>
+            </a:endParaRPr>
+          </a:p>
+        </p:txBody>
+      </p:sp>
+      <p:sp>
+        <p:nvSpPr>
+          <p:cNvPr id="4" name="投影片編號版面配置區 3">
+            <a:extLst>
+              <a:ext uri="{FF2B5EF4-FFF2-40B4-BE49-F238E27FC236}">
+                <a16:creationId xmlns:a16="http://schemas.microsoft.com/office/drawing/2014/main" id="{99D399CF-C9F2-4DC8-8F59-76D1DBF4809D}"/>
+              </a:ext>
+            </a:extLst>
+          </p:cNvPr>
+          <p:cNvSpPr>
+            <a:spLocks noGrp="1"/>
+          </p:cNvSpPr>
+          <p:nvPr>
+            <p:ph type="sldNum" sz="quarter" idx="12"/>
+          </p:nvPr>
+        </p:nvSpPr>
+        <p:spPr/>
+        <p:txBody>
+          <a:bodyPr/>
+          <a:lstStyle/>
+          <a:p>
+            <a:fld id="{5357535F-E6DD-4F6C-B8A3-03278B2FADD3}" type="slidenum">
+              <a:rPr lang="zh-TW" altLang="en-US" smtClean="0"/>
+              <a:pPr/>
+              <a:t>17</a:t>
+            </a:fld>
+            <a:endParaRPr lang="zh-TW" altLang="en-US" dirty="0"/>
+          </a:p>
+        </p:txBody>
+      </p:sp>
+    </p:spTree>
+    <p:extLst>
+      <p:ext uri="{BB962C8B-B14F-4D97-AF65-F5344CB8AC3E}">
+        <p14:creationId xmlns:p14="http://schemas.microsoft.com/office/powerpoint/2010/main" val="3565123752"/>
       </p:ext>
     </p:extLst>
   </p:cSld>
@@ -3862,7 +5043,7 @@
           <p:cNvPr id="2" name="標題 1">
             <a:extLst>
               <a:ext uri="{FF2B5EF4-FFF2-40B4-BE49-F238E27FC236}">
-                <a16:creationId xmlns:a16="http://schemas.microsoft.com/office/drawing/2014/main" id="{E9B2EC48-10DE-3D4D-9C9D-7AE29C50CB98}"/>
+                <a16:creationId xmlns:a16="http://schemas.microsoft.com/office/drawing/2014/main" id="{B9CC4EB3-DD9E-4753-8711-E396C03D1F26}"/>
               </a:ext>
             </a:extLst>
           </p:cNvPr>
@@ -3880,7 +5061,7 @@
           <a:p>
             <a:r>
               <a:rPr lang="en-US" altLang="zh-TW" dirty="0"/>
-              <a:t>Precoding system and definition of SNR</a:t>
+              <a:t>Abstract</a:t>
             </a:r>
             <a:endParaRPr lang="zh-TW" altLang="en-US" dirty="0"/>
           </a:p>
@@ -3891,7 +5072,7 @@
           <p:cNvPr id="3" name="內容版面配置區 2">
             <a:extLst>
               <a:ext uri="{FF2B5EF4-FFF2-40B4-BE49-F238E27FC236}">
-                <a16:creationId xmlns:a16="http://schemas.microsoft.com/office/drawing/2014/main" id="{CC58CC05-F75A-EEB1-B097-1DA8A606C8BC}"/>
+                <a16:creationId xmlns:a16="http://schemas.microsoft.com/office/drawing/2014/main" id="{70BA1126-51B8-4708-8F16-2CA0364452D3}"/>
               </a:ext>
             </a:extLst>
           </p:cNvPr>
@@ -3907,7 +5088,50 @@
           <a:bodyPr/>
           <a:lstStyle/>
           <a:p>
-            <a:endParaRPr lang="zh-TW" altLang="en-US"/>
+            <a:r>
+              <a:rPr lang="en-US" altLang="zh-TW" dirty="0"/>
+              <a:t>128-DSQ+LDPC coding</a:t>
+            </a:r>
+          </a:p>
+          <a:p>
+            <a:pPr lvl="1"/>
+            <a:r>
+              <a:rPr lang="en-US" altLang="zh-TW" dirty="0"/>
+              <a:t>Two variants</a:t>
+            </a:r>
+          </a:p>
+          <a:p>
+            <a:pPr lvl="1"/>
+            <a:endParaRPr lang="en-US" altLang="zh-TW" dirty="0"/>
+          </a:p>
+          <a:p>
+            <a:r>
+              <a:rPr lang="en-US" altLang="zh-TW" dirty="0"/>
+              <a:t>128-DSQ symbol mapping, soft-</a:t>
+            </a:r>
+            <a:r>
+              <a:rPr lang="en-US" altLang="zh-TW" dirty="0" err="1"/>
+              <a:t>demapping</a:t>
+            </a:r>
+            <a:endParaRPr lang="en-US" altLang="zh-TW" dirty="0"/>
+          </a:p>
+          <a:p>
+            <a:endParaRPr lang="en-US" altLang="zh-TW" dirty="0"/>
+          </a:p>
+          <a:p>
+            <a:r>
+              <a:rPr lang="en-US" altLang="zh-TW" dirty="0"/>
+              <a:t>Performance result</a:t>
+            </a:r>
+          </a:p>
+          <a:p>
+            <a:endParaRPr lang="en-US" altLang="zh-TW" dirty="0"/>
+          </a:p>
+          <a:p>
+            <a:endParaRPr lang="en-US" altLang="zh-TW" dirty="0"/>
+          </a:p>
+          <a:p>
+            <a:endParaRPr lang="en-US" altLang="zh-TW" dirty="0"/>
           </a:p>
         </p:txBody>
       </p:sp>
@@ -3916,7 +5140,7 @@
           <p:cNvPr id="4" name="投影片編號版面配置區 3">
             <a:extLst>
               <a:ext uri="{FF2B5EF4-FFF2-40B4-BE49-F238E27FC236}">
-                <a16:creationId xmlns:a16="http://schemas.microsoft.com/office/drawing/2014/main" id="{FDEC5EDE-4B06-A1FF-098D-15E9B82263F5}"/>
+                <a16:creationId xmlns:a16="http://schemas.microsoft.com/office/drawing/2014/main" id="{5ACE4350-3680-4B23-B43D-3EA49D460ACC}"/>
               </a:ext>
             </a:extLst>
           </p:cNvPr>
@@ -3944,7 +5168,7 @@
     </p:spTree>
     <p:extLst>
       <p:ext uri="{BB962C8B-B14F-4D97-AF65-F5344CB8AC3E}">
-        <p14:creationId xmlns:p14="http://schemas.microsoft.com/office/powerpoint/2010/main" val="3631174005"/>
+        <p14:creationId xmlns:p14="http://schemas.microsoft.com/office/powerpoint/2010/main" val="2318518205"/>
       </p:ext>
     </p:extLst>
   </p:cSld>
@@ -3976,7 +5200,7 @@
           <p:cNvPr id="2" name="標題 1">
             <a:extLst>
               <a:ext uri="{FF2B5EF4-FFF2-40B4-BE49-F238E27FC236}">
-                <a16:creationId xmlns:a16="http://schemas.microsoft.com/office/drawing/2014/main" id="{2D900373-9924-6E69-DDEB-B06BF85A289F}"/>
+                <a16:creationId xmlns:a16="http://schemas.microsoft.com/office/drawing/2014/main" id="{E9B2EC48-10DE-3D4D-9C9D-7AE29C50CB98}"/>
               </a:ext>
             </a:extLst>
           </p:cNvPr>
@@ -3989,6 +5213,3334 @@
         </p:nvSpPr>
         <p:spPr/>
         <p:txBody>
+          <a:bodyPr/>
+          <a:lstStyle/>
+          <a:p>
+            <a:r>
+              <a:rPr lang="en-US" altLang="zh-TW" dirty="0"/>
+              <a:t>Precoding system and definition of SNR</a:t>
+            </a:r>
+            <a:endParaRPr lang="zh-TW" altLang="en-US" dirty="0"/>
+          </a:p>
+        </p:txBody>
+      </p:sp>
+      <p:sp>
+        <p:nvSpPr>
+          <p:cNvPr id="4" name="投影片編號版面配置區 3">
+            <a:extLst>
+              <a:ext uri="{FF2B5EF4-FFF2-40B4-BE49-F238E27FC236}">
+                <a16:creationId xmlns:a16="http://schemas.microsoft.com/office/drawing/2014/main" id="{FDEC5EDE-4B06-A1FF-098D-15E9B82263F5}"/>
+              </a:ext>
+            </a:extLst>
+          </p:cNvPr>
+          <p:cNvSpPr>
+            <a:spLocks noGrp="1"/>
+          </p:cNvSpPr>
+          <p:nvPr>
+            <p:ph type="sldNum" sz="quarter" idx="12"/>
+          </p:nvPr>
+        </p:nvSpPr>
+        <p:spPr/>
+        <p:txBody>
+          <a:bodyPr/>
+          <a:lstStyle/>
+          <a:p>
+            <a:fld id="{5357535F-E6DD-4F6C-B8A3-03278B2FADD3}" type="slidenum">
+              <a:rPr lang="zh-TW" altLang="en-US" smtClean="0"/>
+              <a:pPr/>
+              <a:t>3</a:t>
+            </a:fld>
+            <a:endParaRPr lang="zh-TW" altLang="en-US" dirty="0"/>
+          </a:p>
+        </p:txBody>
+      </p:sp>
+      <p:sp>
+        <p:nvSpPr>
+          <p:cNvPr id="7" name="矩形 6">
+            <a:extLst>
+              <a:ext uri="{FF2B5EF4-FFF2-40B4-BE49-F238E27FC236}">
+                <a16:creationId xmlns:a16="http://schemas.microsoft.com/office/drawing/2014/main" id="{7F2ADC55-4BD2-4AB8-88C3-9137A1784970}"/>
+              </a:ext>
+            </a:extLst>
+          </p:cNvPr>
+          <p:cNvSpPr/>
+          <p:nvPr/>
+        </p:nvSpPr>
+        <p:spPr>
+          <a:xfrm>
+            <a:off x="1558298" y="2698887"/>
+            <a:ext cx="1350953" cy="926198"/>
+          </a:xfrm>
+          <a:prstGeom prst="rect">
+            <a:avLst/>
+          </a:prstGeom>
+          <a:solidFill>
+            <a:schemeClr val="accent1">
+              <a:lumMod val="40000"/>
+              <a:lumOff val="60000"/>
+            </a:schemeClr>
+          </a:solidFill>
+        </p:spPr>
+        <p:style>
+          <a:lnRef idx="2">
+            <a:schemeClr val="accent5">
+              <a:shade val="50000"/>
+            </a:schemeClr>
+          </a:lnRef>
+          <a:fillRef idx="1">
+            <a:schemeClr val="accent5"/>
+          </a:fillRef>
+          <a:effectRef idx="0">
+            <a:schemeClr val="accent5"/>
+          </a:effectRef>
+          <a:fontRef idx="minor">
+            <a:schemeClr val="lt1"/>
+          </a:fontRef>
+        </p:style>
+        <p:txBody>
+          <a:bodyPr rtlCol="0" anchor="ctr"/>
+          <a:lstStyle/>
+          <a:p>
+            <a:pPr algn="ctr"/>
+            <a:r>
+              <a:rPr lang="en-US" altLang="zh-TW" dirty="0">
+                <a:solidFill>
+                  <a:schemeClr val="tx1"/>
+                </a:solidFill>
+              </a:rPr>
+              <a:t>Encoding and symbol mapping</a:t>
+            </a:r>
+            <a:endParaRPr lang="zh-TW" altLang="en-US" dirty="0">
+              <a:solidFill>
+                <a:schemeClr val="tx1"/>
+              </a:solidFill>
+            </a:endParaRPr>
+          </a:p>
+        </p:txBody>
+      </p:sp>
+      <p:cxnSp>
+        <p:nvCxnSpPr>
+          <p:cNvPr id="9" name="直線單箭頭接點 8">
+            <a:extLst>
+              <a:ext uri="{FF2B5EF4-FFF2-40B4-BE49-F238E27FC236}">
+                <a16:creationId xmlns:a16="http://schemas.microsoft.com/office/drawing/2014/main" id="{9CE44E70-79F7-4735-B8C9-3DFDE13097BA}"/>
+              </a:ext>
+            </a:extLst>
+          </p:cNvPr>
+          <p:cNvCxnSpPr>
+            <a:endCxn id="7" idx="1"/>
+          </p:cNvCxnSpPr>
+          <p:nvPr/>
+        </p:nvCxnSpPr>
+        <p:spPr>
+          <a:xfrm>
+            <a:off x="478716" y="3161986"/>
+            <a:ext cx="1079582" cy="0"/>
+          </a:xfrm>
+          <a:prstGeom prst="straightConnector1">
+            <a:avLst/>
+          </a:prstGeom>
+          <a:ln w="25400">
+            <a:solidFill>
+              <a:schemeClr val="tx1"/>
+            </a:solidFill>
+            <a:tailEnd type="triangle"/>
+          </a:ln>
+        </p:spPr>
+        <p:style>
+          <a:lnRef idx="1">
+            <a:schemeClr val="accent1"/>
+          </a:lnRef>
+          <a:fillRef idx="0">
+            <a:schemeClr val="accent1"/>
+          </a:fillRef>
+          <a:effectRef idx="0">
+            <a:schemeClr val="accent1"/>
+          </a:effectRef>
+          <a:fontRef idx="minor">
+            <a:schemeClr val="tx1"/>
+          </a:fontRef>
+        </p:style>
+      </p:cxnSp>
+      <p:sp>
+        <p:nvSpPr>
+          <p:cNvPr id="10" name="文字方塊 9">
+            <a:extLst>
+              <a:ext uri="{FF2B5EF4-FFF2-40B4-BE49-F238E27FC236}">
+                <a16:creationId xmlns:a16="http://schemas.microsoft.com/office/drawing/2014/main" id="{673EDA8F-EB65-40CD-B2DE-152518140B61}"/>
+              </a:ext>
+            </a:extLst>
+          </p:cNvPr>
+          <p:cNvSpPr txBox="1"/>
+          <p:nvPr/>
+        </p:nvSpPr>
+        <p:spPr>
+          <a:xfrm>
+            <a:off x="537956" y="2745771"/>
+            <a:ext cx="961103" cy="369332"/>
+          </a:xfrm>
+          <a:prstGeom prst="rect">
+            <a:avLst/>
+          </a:prstGeom>
+          <a:noFill/>
+        </p:spPr>
+        <p:txBody>
+          <a:bodyPr wrap="square" rtlCol="0">
+            <a:spAutoFit/>
+          </a:bodyPr>
+          <a:lstStyle/>
+          <a:p>
+            <a:r>
+              <a:rPr lang="en-US" altLang="zh-TW" dirty="0"/>
+              <a:t>Info bits</a:t>
+            </a:r>
+            <a:endParaRPr lang="zh-TW" altLang="en-US" dirty="0"/>
+          </a:p>
+        </p:txBody>
+      </p:sp>
+      <mc:AlternateContent xmlns:mc="http://schemas.openxmlformats.org/markup-compatibility/2006">
+        <mc:Choice xmlns:a14="http://schemas.microsoft.com/office/drawing/2010/main" Requires="a14">
+          <p:sp>
+            <p:nvSpPr>
+              <p:cNvPr id="12" name="流程圖: 接點 11">
+                <a:extLst>
+                  <a:ext uri="{FF2B5EF4-FFF2-40B4-BE49-F238E27FC236}">
+                    <a16:creationId xmlns:a16="http://schemas.microsoft.com/office/drawing/2014/main" id="{7DEE2EE2-5F9D-44E4-8385-8274779AC5F2}"/>
+                  </a:ext>
+                </a:extLst>
+              </p:cNvPr>
+              <p:cNvSpPr/>
+              <p:nvPr/>
+            </p:nvSpPr>
+            <p:spPr>
+              <a:xfrm>
+                <a:off x="3586716" y="2892342"/>
+                <a:ext cx="531628" cy="539287"/>
+              </a:xfrm>
+              <a:prstGeom prst="flowChartConnector">
+                <a:avLst/>
+              </a:prstGeom>
+              <a:solidFill>
+                <a:schemeClr val="accent1">
+                  <a:lumMod val="40000"/>
+                  <a:lumOff val="60000"/>
+                </a:schemeClr>
+              </a:solidFill>
+            </p:spPr>
+            <p:style>
+              <a:lnRef idx="2">
+                <a:schemeClr val="accent1">
+                  <a:shade val="50000"/>
+                </a:schemeClr>
+              </a:lnRef>
+              <a:fillRef idx="1">
+                <a:schemeClr val="accent1"/>
+              </a:fillRef>
+              <a:effectRef idx="0">
+                <a:schemeClr val="accent1"/>
+              </a:effectRef>
+              <a:fontRef idx="minor">
+                <a:schemeClr val="lt1"/>
+              </a:fontRef>
+            </p:style>
+            <p:txBody>
+              <a:bodyPr rtlCol="0" anchor="ctr"/>
+              <a:lstStyle/>
+              <a:p>
+                <a:pPr algn="ctr"/>
+                <a14:m>
+                  <m:oMathPara xmlns:m="http://schemas.openxmlformats.org/officeDocument/2006/math">
+                    <m:oMathParaPr>
+                      <m:jc m:val="centerGroup"/>
+                    </m:oMathParaPr>
+                    <m:oMath xmlns:m="http://schemas.openxmlformats.org/officeDocument/2006/math">
+                      <m:r>
+                        <m:rPr>
+                          <m:sty m:val="p"/>
+                        </m:rPr>
+                        <a:rPr lang="el-GR" altLang="zh-TW" i="1" smtClean="0">
+                          <a:solidFill>
+                            <a:schemeClr val="tx1"/>
+                          </a:solidFill>
+                          <a:latin typeface="Cambria Math" panose="02040503050406030204" pitchFamily="18" charset="0"/>
+                          <a:ea typeface="Cambria Math" panose="02040503050406030204" pitchFamily="18" charset="0"/>
+                        </a:rPr>
+                        <m:t>Σ</m:t>
+                      </m:r>
+                    </m:oMath>
+                  </m:oMathPara>
+                </a14:m>
+                <a:endParaRPr lang="zh-TW" altLang="en-US" dirty="0">
+                  <a:solidFill>
+                    <a:schemeClr val="tx1"/>
+                  </a:solidFill>
+                </a:endParaRPr>
+              </a:p>
+            </p:txBody>
+          </p:sp>
+        </mc:Choice>
+        <mc:Fallback>
+          <p:sp>
+            <p:nvSpPr>
+              <p:cNvPr id="12" name="流程圖: 接點 11">
+                <a:extLst>
+                  <a:ext uri="{FF2B5EF4-FFF2-40B4-BE49-F238E27FC236}">
+                    <a16:creationId xmlns:a16="http://schemas.microsoft.com/office/drawing/2014/main" id="{7DEE2EE2-5F9D-44E4-8385-8274779AC5F2}"/>
+                  </a:ext>
+                </a:extLst>
+              </p:cNvPr>
+              <p:cNvSpPr>
+                <a:spLocks noRot="1" noChangeAspect="1" noMove="1" noResize="1" noEditPoints="1" noAdjustHandles="1" noChangeArrowheads="1" noChangeShapeType="1" noTextEdit="1"/>
+              </p:cNvSpPr>
+              <p:nvPr/>
+            </p:nvSpPr>
+            <p:spPr>
+              <a:xfrm>
+                <a:off x="3586716" y="2892342"/>
+                <a:ext cx="531628" cy="539287"/>
+              </a:xfrm>
+              <a:prstGeom prst="flowChartConnector">
+                <a:avLst/>
+              </a:prstGeom>
+              <a:blipFill>
+                <a:blip r:embed="rId2"/>
+                <a:stretch>
+                  <a:fillRect/>
+                </a:stretch>
+              </a:blipFill>
+            </p:spPr>
+            <p:txBody>
+              <a:bodyPr/>
+              <a:lstStyle/>
+              <a:p>
+                <a:r>
+                  <a:rPr lang="zh-TW" altLang="en-US">
+                    <a:noFill/>
+                  </a:rPr>
+                  <a:t> </a:t>
+                </a:r>
+              </a:p>
+            </p:txBody>
+          </p:sp>
+        </mc:Fallback>
+      </mc:AlternateContent>
+      <p:cxnSp>
+        <p:nvCxnSpPr>
+          <p:cNvPr id="13" name="直線單箭頭接點 12">
+            <a:extLst>
+              <a:ext uri="{FF2B5EF4-FFF2-40B4-BE49-F238E27FC236}">
+                <a16:creationId xmlns:a16="http://schemas.microsoft.com/office/drawing/2014/main" id="{2BA2E133-B1C9-4F02-9554-AB2AD192B016}"/>
+              </a:ext>
+            </a:extLst>
+          </p:cNvPr>
+          <p:cNvCxnSpPr>
+            <a:cxnSpLocks/>
+            <a:stCxn id="7" idx="3"/>
+            <a:endCxn id="12" idx="2"/>
+          </p:cNvCxnSpPr>
+          <p:nvPr/>
+        </p:nvCxnSpPr>
+        <p:spPr>
+          <a:xfrm>
+            <a:off x="2909251" y="3161986"/>
+            <a:ext cx="677465" cy="0"/>
+          </a:xfrm>
+          <a:prstGeom prst="straightConnector1">
+            <a:avLst/>
+          </a:prstGeom>
+          <a:ln w="25400">
+            <a:solidFill>
+              <a:schemeClr val="tx1"/>
+            </a:solidFill>
+            <a:tailEnd type="triangle"/>
+          </a:ln>
+        </p:spPr>
+        <p:style>
+          <a:lnRef idx="1">
+            <a:schemeClr val="accent1"/>
+          </a:lnRef>
+          <a:fillRef idx="0">
+            <a:schemeClr val="accent1"/>
+          </a:fillRef>
+          <a:effectRef idx="0">
+            <a:schemeClr val="accent1"/>
+          </a:effectRef>
+          <a:fontRef idx="minor">
+            <a:schemeClr val="tx1"/>
+          </a:fontRef>
+        </p:style>
+      </p:cxnSp>
+      <p:cxnSp>
+        <p:nvCxnSpPr>
+          <p:cNvPr id="16" name="直線單箭頭接點 15">
+            <a:extLst>
+              <a:ext uri="{FF2B5EF4-FFF2-40B4-BE49-F238E27FC236}">
+                <a16:creationId xmlns:a16="http://schemas.microsoft.com/office/drawing/2014/main" id="{DD5D2F5F-63AF-4B4E-B2D8-4D73714BA9EE}"/>
+              </a:ext>
+            </a:extLst>
+          </p:cNvPr>
+          <p:cNvCxnSpPr>
+            <a:cxnSpLocks/>
+            <a:endCxn id="12" idx="0"/>
+          </p:cNvCxnSpPr>
+          <p:nvPr/>
+        </p:nvCxnSpPr>
+        <p:spPr>
+          <a:xfrm>
+            <a:off x="3852530" y="2558902"/>
+            <a:ext cx="0" cy="333440"/>
+          </a:xfrm>
+          <a:prstGeom prst="straightConnector1">
+            <a:avLst/>
+          </a:prstGeom>
+          <a:ln w="25400">
+            <a:solidFill>
+              <a:schemeClr val="tx1"/>
+            </a:solidFill>
+            <a:tailEnd type="triangle"/>
+          </a:ln>
+        </p:spPr>
+        <p:style>
+          <a:lnRef idx="1">
+            <a:schemeClr val="accent1"/>
+          </a:lnRef>
+          <a:fillRef idx="0">
+            <a:schemeClr val="accent1"/>
+          </a:fillRef>
+          <a:effectRef idx="0">
+            <a:schemeClr val="accent1"/>
+          </a:effectRef>
+          <a:fontRef idx="minor">
+            <a:schemeClr val="tx1"/>
+          </a:fontRef>
+        </p:style>
+      </p:cxnSp>
+      <mc:AlternateContent xmlns:mc="http://schemas.openxmlformats.org/markup-compatibility/2006">
+        <mc:Choice xmlns:a14="http://schemas.microsoft.com/office/drawing/2010/main" Requires="a14">
+          <p:sp>
+            <p:nvSpPr>
+              <p:cNvPr id="19" name="文字方塊 18">
+                <a:extLst>
+                  <a:ext uri="{FF2B5EF4-FFF2-40B4-BE49-F238E27FC236}">
+                    <a16:creationId xmlns:a16="http://schemas.microsoft.com/office/drawing/2014/main" id="{9C697DB3-5BA2-4A21-B02C-CD36F8E2A39A}"/>
+                  </a:ext>
+                </a:extLst>
+              </p:cNvPr>
+              <p:cNvSpPr txBox="1"/>
+              <p:nvPr/>
+            </p:nvSpPr>
+            <p:spPr>
+              <a:xfrm>
+                <a:off x="3309226" y="2195698"/>
+                <a:ext cx="1086608" cy="369332"/>
+              </a:xfrm>
+              <a:prstGeom prst="rect">
+                <a:avLst/>
+              </a:prstGeom>
+              <a:noFill/>
+            </p:spPr>
+            <p:txBody>
+              <a:bodyPr wrap="square" rtlCol="0">
+                <a:spAutoFit/>
+              </a:bodyPr>
+              <a:lstStyle/>
+              <a:p>
+                <a14:m>
+                  <m:oMathPara xmlns:m="http://schemas.openxmlformats.org/officeDocument/2006/math">
+                    <m:oMathParaPr>
+                      <m:jc m:val="centerGroup"/>
+                    </m:oMathParaPr>
+                    <m:oMath xmlns:m="http://schemas.openxmlformats.org/officeDocument/2006/math">
+                      <m:r>
+                        <a:rPr lang="en-US" altLang="zh-TW" b="0" i="1" smtClean="0">
+                          <a:latin typeface="Cambria Math" panose="02040503050406030204" pitchFamily="18" charset="0"/>
+                        </a:rPr>
+                        <m:t>2</m:t>
+                      </m:r>
+                      <m:r>
+                        <m:rPr>
+                          <m:nor/>
+                        </m:rPr>
+                        <a:rPr lang="en-US" altLang="zh-TW" b="0" i="0" smtClean="0">
+                          <a:latin typeface="Cambria Math" panose="02040503050406030204" pitchFamily="18" charset="0"/>
+                        </a:rPr>
+                        <m:t>M</m:t>
+                      </m:r>
+                      <m:r>
+                        <a:rPr lang="en-US" altLang="zh-TW" b="0" i="1" smtClean="0">
+                          <a:latin typeface="Cambria Math" panose="02040503050406030204" pitchFamily="18" charset="0"/>
+                          <a:ea typeface="Cambria Math" panose="02040503050406030204" pitchFamily="18" charset="0"/>
+                        </a:rPr>
+                        <m:t>×</m:t>
+                      </m:r>
+                      <m:sSub>
+                        <m:sSubPr>
+                          <m:ctrlPr>
+                            <a:rPr lang="en-US" altLang="zh-TW" b="0" i="1" smtClean="0">
+                              <a:latin typeface="Cambria Math" panose="02040503050406030204" pitchFamily="18" charset="0"/>
+                              <a:ea typeface="Cambria Math" panose="02040503050406030204" pitchFamily="18" charset="0"/>
+                            </a:rPr>
+                          </m:ctrlPr>
+                        </m:sSubPr>
+                        <m:e>
+                          <m:r>
+                            <m:rPr>
+                              <m:nor/>
+                            </m:rPr>
+                            <a:rPr lang="en-US" altLang="zh-TW" b="0" i="0" smtClean="0">
+                              <a:latin typeface="Cambria Math" panose="02040503050406030204" pitchFamily="18" charset="0"/>
+                              <a:ea typeface="Cambria Math" panose="02040503050406030204" pitchFamily="18" charset="0"/>
+                            </a:rPr>
+                            <m:t>k</m:t>
+                          </m:r>
+                        </m:e>
+                        <m:sub>
+                          <m:r>
+                            <a:rPr lang="en-US" altLang="zh-TW" b="0" i="1" smtClean="0">
+                              <a:latin typeface="Cambria Math" panose="02040503050406030204" pitchFamily="18" charset="0"/>
+                              <a:ea typeface="Cambria Math" panose="02040503050406030204" pitchFamily="18" charset="0"/>
+                            </a:rPr>
+                            <m:t>𝑛</m:t>
+                          </m:r>
+                        </m:sub>
+                      </m:sSub>
+                    </m:oMath>
+                  </m:oMathPara>
+                </a14:m>
+                <a:endParaRPr lang="zh-TW" altLang="en-US" dirty="0"/>
+              </a:p>
+            </p:txBody>
+          </p:sp>
+        </mc:Choice>
+        <mc:Fallback>
+          <p:sp>
+            <p:nvSpPr>
+              <p:cNvPr id="19" name="文字方塊 18">
+                <a:extLst>
+                  <a:ext uri="{FF2B5EF4-FFF2-40B4-BE49-F238E27FC236}">
+                    <a16:creationId xmlns:a16="http://schemas.microsoft.com/office/drawing/2014/main" id="{9C697DB3-5BA2-4A21-B02C-CD36F8E2A39A}"/>
+                  </a:ext>
+                </a:extLst>
+              </p:cNvPr>
+              <p:cNvSpPr txBox="1">
+                <a:spLocks noRot="1" noChangeAspect="1" noMove="1" noResize="1" noEditPoints="1" noAdjustHandles="1" noChangeArrowheads="1" noChangeShapeType="1" noTextEdit="1"/>
+              </p:cNvSpPr>
+              <p:nvPr/>
+            </p:nvSpPr>
+            <p:spPr>
+              <a:xfrm>
+                <a:off x="3309226" y="2195698"/>
+                <a:ext cx="1086608" cy="369332"/>
+              </a:xfrm>
+              <a:prstGeom prst="rect">
+                <a:avLst/>
+              </a:prstGeom>
+              <a:blipFill>
+                <a:blip r:embed="rId3"/>
+                <a:stretch>
+                  <a:fillRect/>
+                </a:stretch>
+              </a:blipFill>
+            </p:spPr>
+            <p:txBody>
+              <a:bodyPr/>
+              <a:lstStyle/>
+              <a:p>
+                <a:r>
+                  <a:rPr lang="zh-TW" altLang="en-US">
+                    <a:noFill/>
+                  </a:rPr>
+                  <a:t> </a:t>
+                </a:r>
+              </a:p>
+            </p:txBody>
+          </p:sp>
+        </mc:Fallback>
+      </mc:AlternateContent>
+      <p:cxnSp>
+        <p:nvCxnSpPr>
+          <p:cNvPr id="20" name="直線單箭頭接點 19">
+            <a:extLst>
+              <a:ext uri="{FF2B5EF4-FFF2-40B4-BE49-F238E27FC236}">
+                <a16:creationId xmlns:a16="http://schemas.microsoft.com/office/drawing/2014/main" id="{EF1E446A-9DE8-421D-87BF-51C6C70C5B59}"/>
+              </a:ext>
+            </a:extLst>
+          </p:cNvPr>
+          <p:cNvCxnSpPr>
+            <a:cxnSpLocks/>
+            <a:stCxn id="12" idx="6"/>
+          </p:cNvCxnSpPr>
+          <p:nvPr/>
+        </p:nvCxnSpPr>
+        <p:spPr>
+          <a:xfrm>
+            <a:off x="4118344" y="3161986"/>
+            <a:ext cx="1056168" cy="0"/>
+          </a:xfrm>
+          <a:prstGeom prst="straightConnector1">
+            <a:avLst/>
+          </a:prstGeom>
+          <a:ln w="25400">
+            <a:solidFill>
+              <a:schemeClr val="tx1"/>
+            </a:solidFill>
+            <a:tailEnd type="triangle"/>
+          </a:ln>
+        </p:spPr>
+        <p:style>
+          <a:lnRef idx="1">
+            <a:schemeClr val="accent1"/>
+          </a:lnRef>
+          <a:fillRef idx="0">
+            <a:schemeClr val="accent1"/>
+          </a:fillRef>
+          <a:effectRef idx="0">
+            <a:schemeClr val="accent1"/>
+          </a:effectRef>
+          <a:fontRef idx="minor">
+            <a:schemeClr val="tx1"/>
+          </a:fontRef>
+        </p:style>
+      </p:cxnSp>
+      <p:sp>
+        <p:nvSpPr>
+          <p:cNvPr id="24" name="矩形 23">
+            <a:extLst>
+              <a:ext uri="{FF2B5EF4-FFF2-40B4-BE49-F238E27FC236}">
+                <a16:creationId xmlns:a16="http://schemas.microsoft.com/office/drawing/2014/main" id="{6BD098E8-FEB2-41E0-B35C-C4627387F9D5}"/>
+              </a:ext>
+            </a:extLst>
+          </p:cNvPr>
+          <p:cNvSpPr/>
+          <p:nvPr/>
+        </p:nvSpPr>
+        <p:spPr>
+          <a:xfrm>
+            <a:off x="5174512" y="2698886"/>
+            <a:ext cx="1892594" cy="926198"/>
+          </a:xfrm>
+          <a:prstGeom prst="rect">
+            <a:avLst/>
+          </a:prstGeom>
+          <a:solidFill>
+            <a:schemeClr val="accent1">
+              <a:lumMod val="40000"/>
+              <a:lumOff val="60000"/>
+            </a:schemeClr>
+          </a:solidFill>
+        </p:spPr>
+        <p:style>
+          <a:lnRef idx="2">
+            <a:schemeClr val="accent5">
+              <a:shade val="50000"/>
+            </a:schemeClr>
+          </a:lnRef>
+          <a:fillRef idx="1">
+            <a:schemeClr val="accent5"/>
+          </a:fillRef>
+          <a:effectRef idx="0">
+            <a:schemeClr val="accent5"/>
+          </a:effectRef>
+          <a:fontRef idx="minor">
+            <a:schemeClr val="lt1"/>
+          </a:fontRef>
+        </p:style>
+        <p:txBody>
+          <a:bodyPr rtlCol="0" anchor="ctr"/>
+          <a:lstStyle/>
+          <a:p>
+            <a:pPr algn="ctr"/>
+            <a:r>
+              <a:rPr lang="en-US" altLang="zh-TW" dirty="0">
+                <a:solidFill>
+                  <a:schemeClr val="tx1"/>
+                </a:solidFill>
+              </a:rPr>
+              <a:t>DAC, TX filter, Channel, RX filter, ADC</a:t>
+            </a:r>
+            <a:endParaRPr lang="zh-TW" altLang="en-US" dirty="0">
+              <a:solidFill>
+                <a:schemeClr val="tx1"/>
+              </a:solidFill>
+            </a:endParaRPr>
+          </a:p>
+        </p:txBody>
+      </p:sp>
+      <p:sp>
+        <p:nvSpPr>
+          <p:cNvPr id="25" name="矩形 24">
+            <a:extLst>
+              <a:ext uri="{FF2B5EF4-FFF2-40B4-BE49-F238E27FC236}">
+                <a16:creationId xmlns:a16="http://schemas.microsoft.com/office/drawing/2014/main" id="{0A3C83DC-A70C-4448-A87E-DE4C2AB3EA0D}"/>
+              </a:ext>
+            </a:extLst>
+          </p:cNvPr>
+          <p:cNvSpPr/>
+          <p:nvPr/>
+        </p:nvSpPr>
+        <p:spPr>
+          <a:xfrm>
+            <a:off x="7542029" y="2698886"/>
+            <a:ext cx="1068572" cy="926198"/>
+          </a:xfrm>
+          <a:prstGeom prst="rect">
+            <a:avLst/>
+          </a:prstGeom>
+          <a:solidFill>
+            <a:schemeClr val="accent1">
+              <a:lumMod val="40000"/>
+              <a:lumOff val="60000"/>
+            </a:schemeClr>
+          </a:solidFill>
+        </p:spPr>
+        <p:style>
+          <a:lnRef idx="2">
+            <a:schemeClr val="accent5">
+              <a:shade val="50000"/>
+            </a:schemeClr>
+          </a:lnRef>
+          <a:fillRef idx="1">
+            <a:schemeClr val="accent5"/>
+          </a:fillRef>
+          <a:effectRef idx="0">
+            <a:schemeClr val="accent5"/>
+          </a:effectRef>
+          <a:fontRef idx="minor">
+            <a:schemeClr val="lt1"/>
+          </a:fontRef>
+        </p:style>
+        <p:txBody>
+          <a:bodyPr rtlCol="0" anchor="ctr"/>
+          <a:lstStyle/>
+          <a:p>
+            <a:pPr algn="ctr"/>
+            <a:r>
+              <a:rPr lang="en-US" altLang="zh-TW" dirty="0">
+                <a:solidFill>
+                  <a:schemeClr val="tx1"/>
+                </a:solidFill>
+              </a:rPr>
+              <a:t>FF equalizer</a:t>
+            </a:r>
+            <a:endParaRPr lang="zh-TW" altLang="en-US" dirty="0">
+              <a:solidFill>
+                <a:schemeClr val="tx1"/>
+              </a:solidFill>
+            </a:endParaRPr>
+          </a:p>
+        </p:txBody>
+      </p:sp>
+      <p:cxnSp>
+        <p:nvCxnSpPr>
+          <p:cNvPr id="26" name="直線單箭頭接點 25">
+            <a:extLst>
+              <a:ext uri="{FF2B5EF4-FFF2-40B4-BE49-F238E27FC236}">
+                <a16:creationId xmlns:a16="http://schemas.microsoft.com/office/drawing/2014/main" id="{ADD35765-22ED-4EEA-85A8-7451AE58A48D}"/>
+              </a:ext>
+            </a:extLst>
+          </p:cNvPr>
+          <p:cNvCxnSpPr>
+            <a:cxnSpLocks/>
+            <a:stCxn id="24" idx="3"/>
+          </p:cNvCxnSpPr>
+          <p:nvPr/>
+        </p:nvCxnSpPr>
+        <p:spPr>
+          <a:xfrm>
+            <a:off x="7067106" y="3161985"/>
+            <a:ext cx="474922" cy="0"/>
+          </a:xfrm>
+          <a:prstGeom prst="straightConnector1">
+            <a:avLst/>
+          </a:prstGeom>
+          <a:ln w="25400">
+            <a:solidFill>
+              <a:schemeClr val="tx1"/>
+            </a:solidFill>
+            <a:tailEnd type="triangle"/>
+          </a:ln>
+        </p:spPr>
+        <p:style>
+          <a:lnRef idx="1">
+            <a:schemeClr val="accent1"/>
+          </a:lnRef>
+          <a:fillRef idx="0">
+            <a:schemeClr val="accent1"/>
+          </a:fillRef>
+          <a:effectRef idx="0">
+            <a:schemeClr val="accent1"/>
+          </a:effectRef>
+          <a:fontRef idx="minor">
+            <a:schemeClr val="tx1"/>
+          </a:fontRef>
+        </p:style>
+      </p:cxnSp>
+      <p:cxnSp>
+        <p:nvCxnSpPr>
+          <p:cNvPr id="35" name="直線單箭頭接點 34">
+            <a:extLst>
+              <a:ext uri="{FF2B5EF4-FFF2-40B4-BE49-F238E27FC236}">
+                <a16:creationId xmlns:a16="http://schemas.microsoft.com/office/drawing/2014/main" id="{6D5C5E83-F292-47A1-88A1-C3A0B20C61F5}"/>
+              </a:ext>
+            </a:extLst>
+          </p:cNvPr>
+          <p:cNvCxnSpPr>
+            <a:cxnSpLocks/>
+            <a:stCxn id="25" idx="3"/>
+          </p:cNvCxnSpPr>
+          <p:nvPr/>
+        </p:nvCxnSpPr>
+        <p:spPr>
+          <a:xfrm>
+            <a:off x="8610601" y="3161985"/>
+            <a:ext cx="455427" cy="0"/>
+          </a:xfrm>
+          <a:prstGeom prst="straightConnector1">
+            <a:avLst/>
+          </a:prstGeom>
+          <a:ln w="25400">
+            <a:solidFill>
+              <a:schemeClr val="tx1"/>
+            </a:solidFill>
+            <a:tailEnd type="triangle"/>
+          </a:ln>
+        </p:spPr>
+        <p:style>
+          <a:lnRef idx="1">
+            <a:schemeClr val="accent1"/>
+          </a:lnRef>
+          <a:fillRef idx="0">
+            <a:schemeClr val="accent1"/>
+          </a:fillRef>
+          <a:effectRef idx="0">
+            <a:schemeClr val="accent1"/>
+          </a:effectRef>
+          <a:fontRef idx="minor">
+            <a:schemeClr val="tx1"/>
+          </a:fontRef>
+        </p:style>
+      </p:cxnSp>
+      <p:sp>
+        <p:nvSpPr>
+          <p:cNvPr id="40" name="矩形 39">
+            <a:extLst>
+              <a:ext uri="{FF2B5EF4-FFF2-40B4-BE49-F238E27FC236}">
+                <a16:creationId xmlns:a16="http://schemas.microsoft.com/office/drawing/2014/main" id="{342FE9BF-BAA9-456A-87CC-90D2E7BD44ED}"/>
+              </a:ext>
+            </a:extLst>
+          </p:cNvPr>
+          <p:cNvSpPr/>
+          <p:nvPr/>
+        </p:nvSpPr>
+        <p:spPr>
+          <a:xfrm>
+            <a:off x="9066027" y="2697555"/>
+            <a:ext cx="1567674" cy="926198"/>
+          </a:xfrm>
+          <a:prstGeom prst="rect">
+            <a:avLst/>
+          </a:prstGeom>
+          <a:solidFill>
+            <a:schemeClr val="accent1">
+              <a:lumMod val="40000"/>
+              <a:lumOff val="60000"/>
+            </a:schemeClr>
+          </a:solidFill>
+        </p:spPr>
+        <p:style>
+          <a:lnRef idx="2">
+            <a:schemeClr val="accent5">
+              <a:shade val="50000"/>
+            </a:schemeClr>
+          </a:lnRef>
+          <a:fillRef idx="1">
+            <a:schemeClr val="accent5"/>
+          </a:fillRef>
+          <a:effectRef idx="0">
+            <a:schemeClr val="accent5"/>
+          </a:effectRef>
+          <a:fontRef idx="minor">
+            <a:schemeClr val="lt1"/>
+          </a:fontRef>
+        </p:style>
+        <p:txBody>
+          <a:bodyPr rtlCol="0" anchor="ctr"/>
+          <a:lstStyle/>
+          <a:p>
+            <a:pPr algn="ctr"/>
+            <a:r>
+              <a:rPr lang="en-US" altLang="zh-TW" dirty="0">
+                <a:solidFill>
+                  <a:schemeClr val="tx1"/>
+                </a:solidFill>
+              </a:rPr>
+              <a:t>Soft- </a:t>
+            </a:r>
+            <a:r>
+              <a:rPr lang="en-US" altLang="zh-TW" dirty="0" err="1">
+                <a:solidFill>
+                  <a:schemeClr val="tx1"/>
+                </a:solidFill>
+              </a:rPr>
+              <a:t>demapping</a:t>
+            </a:r>
+            <a:r>
+              <a:rPr lang="en-US" altLang="zh-TW" dirty="0">
+                <a:solidFill>
+                  <a:schemeClr val="tx1"/>
+                </a:solidFill>
+              </a:rPr>
+              <a:t> and decoding</a:t>
+            </a:r>
+            <a:endParaRPr lang="zh-TW" altLang="en-US" dirty="0">
+              <a:solidFill>
+                <a:schemeClr val="tx1"/>
+              </a:solidFill>
+            </a:endParaRPr>
+          </a:p>
+        </p:txBody>
+      </p:sp>
+      <p:cxnSp>
+        <p:nvCxnSpPr>
+          <p:cNvPr id="41" name="直線單箭頭接點 40">
+            <a:extLst>
+              <a:ext uri="{FF2B5EF4-FFF2-40B4-BE49-F238E27FC236}">
+                <a16:creationId xmlns:a16="http://schemas.microsoft.com/office/drawing/2014/main" id="{2F9CBA2B-E060-4D9D-9F70-62FEA9FBF5A8}"/>
+              </a:ext>
+            </a:extLst>
+          </p:cNvPr>
+          <p:cNvCxnSpPr>
+            <a:cxnSpLocks/>
+          </p:cNvCxnSpPr>
+          <p:nvPr/>
+        </p:nvCxnSpPr>
+        <p:spPr>
+          <a:xfrm>
+            <a:off x="10633701" y="3161985"/>
+            <a:ext cx="1267676" cy="0"/>
+          </a:xfrm>
+          <a:prstGeom prst="straightConnector1">
+            <a:avLst/>
+          </a:prstGeom>
+          <a:ln w="25400">
+            <a:solidFill>
+              <a:schemeClr val="tx1"/>
+            </a:solidFill>
+            <a:tailEnd type="triangle"/>
+          </a:ln>
+        </p:spPr>
+        <p:style>
+          <a:lnRef idx="1">
+            <a:schemeClr val="accent1"/>
+          </a:lnRef>
+          <a:fillRef idx="0">
+            <a:schemeClr val="accent1"/>
+          </a:fillRef>
+          <a:effectRef idx="0">
+            <a:schemeClr val="accent1"/>
+          </a:effectRef>
+          <a:fontRef idx="minor">
+            <a:schemeClr val="tx1"/>
+          </a:fontRef>
+        </p:style>
+      </p:cxnSp>
+      <p:sp>
+        <p:nvSpPr>
+          <p:cNvPr id="43" name="文字方塊 42">
+            <a:extLst>
+              <a:ext uri="{FF2B5EF4-FFF2-40B4-BE49-F238E27FC236}">
+                <a16:creationId xmlns:a16="http://schemas.microsoft.com/office/drawing/2014/main" id="{CE016920-EB0A-4920-B56D-BC62F1477130}"/>
+              </a:ext>
+            </a:extLst>
+          </p:cNvPr>
+          <p:cNvSpPr txBox="1"/>
+          <p:nvPr/>
+        </p:nvSpPr>
+        <p:spPr>
+          <a:xfrm>
+            <a:off x="10786987" y="2725622"/>
+            <a:ext cx="961103" cy="369332"/>
+          </a:xfrm>
+          <a:prstGeom prst="rect">
+            <a:avLst/>
+          </a:prstGeom>
+          <a:noFill/>
+        </p:spPr>
+        <p:txBody>
+          <a:bodyPr wrap="square" rtlCol="0">
+            <a:spAutoFit/>
+          </a:bodyPr>
+          <a:lstStyle/>
+          <a:p>
+            <a:r>
+              <a:rPr lang="en-US" altLang="zh-TW" dirty="0"/>
+              <a:t>Info bits</a:t>
+            </a:r>
+            <a:endParaRPr lang="zh-TW" altLang="en-US" dirty="0"/>
+          </a:p>
+        </p:txBody>
+      </p:sp>
+      <p:sp>
+        <p:nvSpPr>
+          <p:cNvPr id="45" name="矩形 44">
+            <a:extLst>
+              <a:ext uri="{FF2B5EF4-FFF2-40B4-BE49-F238E27FC236}">
+                <a16:creationId xmlns:a16="http://schemas.microsoft.com/office/drawing/2014/main" id="{98A4E21C-7A2C-4C76-BD2A-3476C5F83579}"/>
+              </a:ext>
+            </a:extLst>
+          </p:cNvPr>
+          <p:cNvSpPr/>
+          <p:nvPr/>
+        </p:nvSpPr>
+        <p:spPr>
+          <a:xfrm>
+            <a:off x="3695066" y="4037659"/>
+            <a:ext cx="791082" cy="427965"/>
+          </a:xfrm>
+          <a:prstGeom prst="rect">
+            <a:avLst/>
+          </a:prstGeom>
+          <a:solidFill>
+            <a:schemeClr val="accent1">
+              <a:lumMod val="40000"/>
+              <a:lumOff val="60000"/>
+            </a:schemeClr>
+          </a:solidFill>
+        </p:spPr>
+        <p:style>
+          <a:lnRef idx="2">
+            <a:schemeClr val="accent5">
+              <a:shade val="50000"/>
+            </a:schemeClr>
+          </a:lnRef>
+          <a:fillRef idx="1">
+            <a:schemeClr val="accent5"/>
+          </a:fillRef>
+          <a:effectRef idx="0">
+            <a:schemeClr val="accent5"/>
+          </a:effectRef>
+          <a:fontRef idx="minor">
+            <a:schemeClr val="lt1"/>
+          </a:fontRef>
+        </p:style>
+        <p:txBody>
+          <a:bodyPr rtlCol="0" anchor="ctr"/>
+          <a:lstStyle/>
+          <a:p>
+            <a:pPr algn="ctr"/>
+            <a:r>
+              <a:rPr lang="en-US" altLang="zh-TW" dirty="0">
+                <a:solidFill>
+                  <a:schemeClr val="tx1"/>
+                </a:solidFill>
+              </a:rPr>
+              <a:t>h(D)-1</a:t>
+            </a:r>
+            <a:endParaRPr lang="zh-TW" altLang="en-US" dirty="0">
+              <a:solidFill>
+                <a:schemeClr val="tx1"/>
+              </a:solidFill>
+            </a:endParaRPr>
+          </a:p>
+        </p:txBody>
+      </p:sp>
+      <p:cxnSp>
+        <p:nvCxnSpPr>
+          <p:cNvPr id="47" name="接點: 肘形 46">
+            <a:extLst>
+              <a:ext uri="{FF2B5EF4-FFF2-40B4-BE49-F238E27FC236}">
+                <a16:creationId xmlns:a16="http://schemas.microsoft.com/office/drawing/2014/main" id="{512344BA-CE7A-49FA-B2CE-15FC6FADEC17}"/>
+              </a:ext>
+            </a:extLst>
+          </p:cNvPr>
+          <p:cNvCxnSpPr>
+            <a:endCxn id="45" idx="3"/>
+          </p:cNvCxnSpPr>
+          <p:nvPr/>
+        </p:nvCxnSpPr>
+        <p:spPr>
+          <a:xfrm rot="5400000">
+            <a:off x="4167080" y="3481053"/>
+            <a:ext cx="1089657" cy="451520"/>
+          </a:xfrm>
+          <a:prstGeom prst="bentConnector2">
+            <a:avLst/>
+          </a:prstGeom>
+          <a:ln w="25400">
+            <a:solidFill>
+              <a:schemeClr val="tx1"/>
+            </a:solidFill>
+            <a:tailEnd type="triangle"/>
+          </a:ln>
+        </p:spPr>
+        <p:style>
+          <a:lnRef idx="1">
+            <a:schemeClr val="accent1"/>
+          </a:lnRef>
+          <a:fillRef idx="0">
+            <a:schemeClr val="accent1"/>
+          </a:fillRef>
+          <a:effectRef idx="0">
+            <a:schemeClr val="accent1"/>
+          </a:effectRef>
+          <a:fontRef idx="minor">
+            <a:schemeClr val="tx1"/>
+          </a:fontRef>
+        </p:style>
+      </p:cxnSp>
+      <p:cxnSp>
+        <p:nvCxnSpPr>
+          <p:cNvPr id="49" name="接點: 肘形 48">
+            <a:extLst>
+              <a:ext uri="{FF2B5EF4-FFF2-40B4-BE49-F238E27FC236}">
+                <a16:creationId xmlns:a16="http://schemas.microsoft.com/office/drawing/2014/main" id="{6A692545-A4BA-4589-9F36-CEED494B94C2}"/>
+              </a:ext>
+            </a:extLst>
+          </p:cNvPr>
+          <p:cNvCxnSpPr>
+            <a:stCxn id="45" idx="1"/>
+            <a:endCxn id="12" idx="4"/>
+          </p:cNvCxnSpPr>
+          <p:nvPr/>
+        </p:nvCxnSpPr>
+        <p:spPr>
+          <a:xfrm rot="10800000" flipH="1">
+            <a:off x="3695066" y="3431630"/>
+            <a:ext cx="157464" cy="820013"/>
+          </a:xfrm>
+          <a:prstGeom prst="bentConnector4">
+            <a:avLst>
+              <a:gd name="adj1" fmla="val -145176"/>
+              <a:gd name="adj2" fmla="val 63048"/>
+            </a:avLst>
+          </a:prstGeom>
+          <a:ln w="25400">
+            <a:solidFill>
+              <a:schemeClr val="tx1"/>
+            </a:solidFill>
+            <a:tailEnd type="triangle"/>
+          </a:ln>
+        </p:spPr>
+        <p:style>
+          <a:lnRef idx="1">
+            <a:schemeClr val="accent1"/>
+          </a:lnRef>
+          <a:fillRef idx="0">
+            <a:schemeClr val="accent1"/>
+          </a:fillRef>
+          <a:effectRef idx="0">
+            <a:schemeClr val="accent1"/>
+          </a:effectRef>
+          <a:fontRef idx="minor">
+            <a:schemeClr val="tx1"/>
+          </a:fontRef>
+        </p:style>
+      </p:cxnSp>
+      <p:cxnSp>
+        <p:nvCxnSpPr>
+          <p:cNvPr id="51" name="直線單箭頭接點 50">
+            <a:extLst>
+              <a:ext uri="{FF2B5EF4-FFF2-40B4-BE49-F238E27FC236}">
+                <a16:creationId xmlns:a16="http://schemas.microsoft.com/office/drawing/2014/main" id="{D137A53F-3A3B-4CDB-81F8-EC999A59A832}"/>
+              </a:ext>
+            </a:extLst>
+          </p:cNvPr>
+          <p:cNvCxnSpPr>
+            <a:cxnSpLocks/>
+          </p:cNvCxnSpPr>
+          <p:nvPr/>
+        </p:nvCxnSpPr>
+        <p:spPr>
+          <a:xfrm flipV="1">
+            <a:off x="3133060" y="3161984"/>
+            <a:ext cx="0" cy="1629756"/>
+          </a:xfrm>
+          <a:prstGeom prst="straightConnector1">
+            <a:avLst/>
+          </a:prstGeom>
+          <a:ln w="25400">
+            <a:solidFill>
+              <a:schemeClr val="tx1"/>
+            </a:solidFill>
+            <a:prstDash val="dash"/>
+            <a:tailEnd type="triangle"/>
+          </a:ln>
+        </p:spPr>
+        <p:style>
+          <a:lnRef idx="1">
+            <a:schemeClr val="accent1"/>
+          </a:lnRef>
+          <a:fillRef idx="0">
+            <a:schemeClr val="accent1"/>
+          </a:fillRef>
+          <a:effectRef idx="0">
+            <a:schemeClr val="accent1"/>
+          </a:effectRef>
+          <a:fontRef idx="minor">
+            <a:schemeClr val="tx1"/>
+          </a:fontRef>
+        </p:style>
+      </p:cxnSp>
+      <p:sp>
+        <p:nvSpPr>
+          <p:cNvPr id="56" name="文字方塊 55">
+            <a:extLst>
+              <a:ext uri="{FF2B5EF4-FFF2-40B4-BE49-F238E27FC236}">
+                <a16:creationId xmlns:a16="http://schemas.microsoft.com/office/drawing/2014/main" id="{0B3056A4-1539-4CE3-9E8B-DBCE394CA329}"/>
+              </a:ext>
+            </a:extLst>
+          </p:cNvPr>
+          <p:cNvSpPr txBox="1"/>
+          <p:nvPr/>
+        </p:nvSpPr>
+        <p:spPr>
+          <a:xfrm>
+            <a:off x="2839621" y="4833661"/>
+            <a:ext cx="586878" cy="369332"/>
+          </a:xfrm>
+          <a:prstGeom prst="rect">
+            <a:avLst/>
+          </a:prstGeom>
+          <a:noFill/>
+        </p:spPr>
+        <p:txBody>
+          <a:bodyPr wrap="square" rtlCol="0">
+            <a:spAutoFit/>
+          </a:bodyPr>
+          <a:lstStyle/>
+          <a:p>
+            <a:r>
+              <a:rPr lang="en-US" altLang="zh-TW" dirty="0"/>
+              <a:t>a(D)</a:t>
+            </a:r>
+            <a:endParaRPr lang="zh-TW" altLang="en-US" dirty="0"/>
+          </a:p>
+        </p:txBody>
+      </p:sp>
+      <mc:AlternateContent xmlns:mc="http://schemas.openxmlformats.org/markup-compatibility/2006">
+        <mc:Choice xmlns:a14="http://schemas.microsoft.com/office/drawing/2010/main" Requires="a14">
+          <p:sp>
+            <p:nvSpPr>
+              <p:cNvPr id="57" name="文字方塊 56">
+                <a:extLst>
+                  <a:ext uri="{FF2B5EF4-FFF2-40B4-BE49-F238E27FC236}">
+                    <a16:creationId xmlns:a16="http://schemas.microsoft.com/office/drawing/2014/main" id="{C665B37D-1CD5-4D75-936A-7D650871D789}"/>
+                  </a:ext>
+                </a:extLst>
+              </p:cNvPr>
+              <p:cNvSpPr txBox="1"/>
+              <p:nvPr/>
+            </p:nvSpPr>
+            <p:spPr>
+              <a:xfrm>
+                <a:off x="2909251" y="2750731"/>
+                <a:ext cx="531628" cy="369332"/>
+              </a:xfrm>
+              <a:prstGeom prst="rect">
+                <a:avLst/>
+              </a:prstGeom>
+              <a:noFill/>
+            </p:spPr>
+            <p:txBody>
+              <a:bodyPr wrap="square" rtlCol="0">
+                <a:spAutoFit/>
+              </a:bodyPr>
+              <a:lstStyle/>
+              <a:p>
+                <a14:m>
+                  <m:oMathPara xmlns:m="http://schemas.openxmlformats.org/officeDocument/2006/math">
+                    <m:oMathParaPr>
+                      <m:jc m:val="centerGroup"/>
+                    </m:oMathParaPr>
+                    <m:oMath xmlns:m="http://schemas.openxmlformats.org/officeDocument/2006/math">
+                      <m:sSub>
+                        <m:sSubPr>
+                          <m:ctrlPr>
+                            <a:rPr lang="en-US" altLang="zh-TW" b="0" i="1" smtClean="0">
+                              <a:latin typeface="Cambria Math" panose="02040503050406030204" pitchFamily="18" charset="0"/>
+                              <a:ea typeface="Cambria Math" panose="02040503050406030204" pitchFamily="18" charset="0"/>
+                            </a:rPr>
+                          </m:ctrlPr>
+                        </m:sSubPr>
+                        <m:e>
+                          <m:r>
+                            <m:rPr>
+                              <m:nor/>
+                            </m:rPr>
+                            <a:rPr lang="en-US" altLang="zh-TW" b="0" i="0" smtClean="0">
+                              <a:latin typeface="Cambria Math" panose="02040503050406030204" pitchFamily="18" charset="0"/>
+                              <a:ea typeface="Cambria Math" panose="02040503050406030204" pitchFamily="18" charset="0"/>
+                            </a:rPr>
+                            <m:t>a</m:t>
+                          </m:r>
+                        </m:e>
+                        <m:sub>
+                          <m:r>
+                            <a:rPr lang="en-US" altLang="zh-TW" b="0" i="1" smtClean="0">
+                              <a:latin typeface="Cambria Math" panose="02040503050406030204" pitchFamily="18" charset="0"/>
+                              <a:ea typeface="Cambria Math" panose="02040503050406030204" pitchFamily="18" charset="0"/>
+                            </a:rPr>
+                            <m:t>𝑛</m:t>
+                          </m:r>
+                        </m:sub>
+                      </m:sSub>
+                    </m:oMath>
+                  </m:oMathPara>
+                </a14:m>
+                <a:endParaRPr lang="zh-TW" altLang="en-US" dirty="0"/>
+              </a:p>
+            </p:txBody>
+          </p:sp>
+        </mc:Choice>
+        <mc:Fallback>
+          <p:sp>
+            <p:nvSpPr>
+              <p:cNvPr id="57" name="文字方塊 56">
+                <a:extLst>
+                  <a:ext uri="{FF2B5EF4-FFF2-40B4-BE49-F238E27FC236}">
+                    <a16:creationId xmlns:a16="http://schemas.microsoft.com/office/drawing/2014/main" id="{C665B37D-1CD5-4D75-936A-7D650871D789}"/>
+                  </a:ext>
+                </a:extLst>
+              </p:cNvPr>
+              <p:cNvSpPr txBox="1">
+                <a:spLocks noRot="1" noChangeAspect="1" noMove="1" noResize="1" noEditPoints="1" noAdjustHandles="1" noChangeArrowheads="1" noChangeShapeType="1" noTextEdit="1"/>
+              </p:cNvSpPr>
+              <p:nvPr/>
+            </p:nvSpPr>
+            <p:spPr>
+              <a:xfrm>
+                <a:off x="2909251" y="2750731"/>
+                <a:ext cx="531628" cy="369332"/>
+              </a:xfrm>
+              <a:prstGeom prst="rect">
+                <a:avLst/>
+              </a:prstGeom>
+              <a:blipFill>
+                <a:blip r:embed="rId4"/>
+                <a:stretch>
+                  <a:fillRect/>
+                </a:stretch>
+              </a:blipFill>
+            </p:spPr>
+            <p:txBody>
+              <a:bodyPr/>
+              <a:lstStyle/>
+              <a:p>
+                <a:r>
+                  <a:rPr lang="zh-TW" altLang="en-US">
+                    <a:noFill/>
+                  </a:rPr>
+                  <a:t> </a:t>
+                </a:r>
+              </a:p>
+            </p:txBody>
+          </p:sp>
+        </mc:Fallback>
+      </mc:AlternateContent>
+      <mc:AlternateContent xmlns:mc="http://schemas.openxmlformats.org/markup-compatibility/2006">
+        <mc:Choice xmlns:a14="http://schemas.microsoft.com/office/drawing/2010/main" Requires="a14">
+          <p:sp>
+            <p:nvSpPr>
+              <p:cNvPr id="58" name="文字方塊 57">
+                <a:extLst>
+                  <a:ext uri="{FF2B5EF4-FFF2-40B4-BE49-F238E27FC236}">
+                    <a16:creationId xmlns:a16="http://schemas.microsoft.com/office/drawing/2014/main" id="{60305CEA-FEAD-45F4-83C4-A203210904B6}"/>
+                  </a:ext>
+                </a:extLst>
+              </p:cNvPr>
+              <p:cNvSpPr txBox="1"/>
+              <p:nvPr/>
+            </p:nvSpPr>
+            <p:spPr>
+              <a:xfrm>
+                <a:off x="537956" y="5152034"/>
+                <a:ext cx="2518093" cy="553998"/>
+              </a:xfrm>
+              <a:prstGeom prst="rect">
+                <a:avLst/>
+              </a:prstGeom>
+              <a:noFill/>
+            </p:spPr>
+            <p:txBody>
+              <a:bodyPr wrap="square" lIns="0" tIns="0" rIns="0" bIns="0" rtlCol="0">
+                <a:spAutoFit/>
+              </a:bodyPr>
+              <a:lstStyle/>
+              <a:p>
+                <a14:m>
+                  <m:oMathPara xmlns:m="http://schemas.openxmlformats.org/officeDocument/2006/math">
+                    <m:oMathParaPr>
+                      <m:jc m:val="centerGroup"/>
+                    </m:oMathParaPr>
+                    <m:oMath xmlns:m="http://schemas.openxmlformats.org/officeDocument/2006/math">
+                      <m:sSub>
+                        <m:sSubPr>
+                          <m:ctrlPr>
+                            <a:rPr lang="en-US" altLang="zh-TW" i="1" smtClean="0">
+                              <a:latin typeface="Cambria Math" panose="02040503050406030204" pitchFamily="18" charset="0"/>
+                              <a:ea typeface="Cambria Math" panose="02040503050406030204" pitchFamily="18" charset="0"/>
+                            </a:rPr>
+                          </m:ctrlPr>
+                        </m:sSubPr>
+                        <m:e>
+                          <m:r>
+                            <m:rPr>
+                              <m:nor/>
+                            </m:rPr>
+                            <a:rPr lang="en-US" altLang="zh-TW">
+                              <a:latin typeface="Cambria Math" panose="02040503050406030204" pitchFamily="18" charset="0"/>
+                              <a:ea typeface="Cambria Math" panose="02040503050406030204" pitchFamily="18" charset="0"/>
+                            </a:rPr>
+                            <m:t>a</m:t>
+                          </m:r>
+                        </m:e>
+                        <m:sub>
+                          <m:r>
+                            <a:rPr lang="en-US" altLang="zh-TW" i="1">
+                              <a:latin typeface="Cambria Math" panose="02040503050406030204" pitchFamily="18" charset="0"/>
+                              <a:ea typeface="Cambria Math" panose="02040503050406030204" pitchFamily="18" charset="0"/>
+                            </a:rPr>
+                            <m:t>𝑛</m:t>
+                          </m:r>
+                        </m:sub>
+                      </m:sSub>
+                      <m:r>
+                        <a:rPr lang="en-US" altLang="zh-TW">
+                          <a:latin typeface="Cambria Math" panose="02040503050406030204" pitchFamily="18" charset="0"/>
+                          <a:ea typeface="Cambria Math" panose="02040503050406030204" pitchFamily="18" charset="0"/>
+                        </a:rPr>
+                        <m:t>∈</m:t>
+                      </m:r>
+                      <m:r>
+                        <m:rPr>
+                          <m:sty m:val="p"/>
+                        </m:rPr>
+                        <a:rPr lang="en-US" altLang="zh-TW" b="0" i="0" smtClean="0">
+                          <a:latin typeface="Cambria Math" panose="02040503050406030204" pitchFamily="18" charset="0"/>
+                          <a:ea typeface="Cambria Math" panose="02040503050406030204" pitchFamily="18" charset="0"/>
+                        </a:rPr>
+                        <m:t>M</m:t>
+                      </m:r>
+                      <m:r>
+                        <a:rPr lang="en-US" altLang="zh-TW" b="0" i="0" smtClean="0">
+                          <a:latin typeface="Cambria Math" panose="02040503050406030204" pitchFamily="18" charset="0"/>
+                          <a:ea typeface="Cambria Math" panose="02040503050406030204" pitchFamily="18" charset="0"/>
+                        </a:rPr>
+                        <m:t>−</m:t>
+                      </m:r>
+                      <m:r>
+                        <m:rPr>
+                          <m:sty m:val="p"/>
+                        </m:rPr>
+                        <a:rPr lang="en-US" altLang="zh-TW" b="0" i="0" smtClean="0">
+                          <a:latin typeface="Cambria Math" panose="02040503050406030204" pitchFamily="18" charset="0"/>
+                          <a:ea typeface="Cambria Math" panose="02040503050406030204" pitchFamily="18" charset="0"/>
+                        </a:rPr>
+                        <m:t>PAM</m:t>
+                      </m:r>
+                    </m:oMath>
+                    <m:oMath xmlns:m="http://schemas.openxmlformats.org/officeDocument/2006/math">
+                      <m:r>
+                        <a:rPr lang="en-US" altLang="zh-TW" b="0" i="1" smtClean="0">
+                          <a:latin typeface="Cambria Math" panose="02040503050406030204" pitchFamily="18" charset="0"/>
+                          <a:ea typeface="Cambria Math" panose="02040503050406030204" pitchFamily="18" charset="0"/>
+                        </a:rPr>
+                        <m:t>={±1,±3,…,±(</m:t>
+                      </m:r>
+                      <m:r>
+                        <m:rPr>
+                          <m:nor/>
+                        </m:rPr>
+                        <a:rPr lang="en-US" altLang="zh-TW" b="0" i="0" smtClean="0">
+                          <a:latin typeface="Cambria Math" panose="02040503050406030204" pitchFamily="18" charset="0"/>
+                          <a:ea typeface="Cambria Math" panose="02040503050406030204" pitchFamily="18" charset="0"/>
+                        </a:rPr>
+                        <m:t>M</m:t>
+                      </m:r>
+                      <m:r>
+                        <a:rPr lang="en-US" altLang="zh-TW" b="0" i="1" smtClean="0">
+                          <a:latin typeface="Cambria Math" panose="02040503050406030204" pitchFamily="18" charset="0"/>
+                          <a:ea typeface="Cambria Math" panose="02040503050406030204" pitchFamily="18" charset="0"/>
+                        </a:rPr>
+                        <m:t>−1)}</m:t>
+                      </m:r>
+                    </m:oMath>
+                  </m:oMathPara>
+                </a14:m>
+                <a:endParaRPr lang="en-US" altLang="zh-TW" b="0" dirty="0">
+                  <a:ea typeface="Cambria Math" panose="02040503050406030204" pitchFamily="18" charset="0"/>
+                </a:endParaRPr>
+              </a:p>
+            </p:txBody>
+          </p:sp>
+        </mc:Choice>
+        <mc:Fallback>
+          <p:sp>
+            <p:nvSpPr>
+              <p:cNvPr id="58" name="文字方塊 57">
+                <a:extLst>
+                  <a:ext uri="{FF2B5EF4-FFF2-40B4-BE49-F238E27FC236}">
+                    <a16:creationId xmlns:a16="http://schemas.microsoft.com/office/drawing/2014/main" id="{60305CEA-FEAD-45F4-83C4-A203210904B6}"/>
+                  </a:ext>
+                </a:extLst>
+              </p:cNvPr>
+              <p:cNvSpPr txBox="1">
+                <a:spLocks noRot="1" noChangeAspect="1" noMove="1" noResize="1" noEditPoints="1" noAdjustHandles="1" noChangeArrowheads="1" noChangeShapeType="1" noTextEdit="1"/>
+              </p:cNvSpPr>
+              <p:nvPr/>
+            </p:nvSpPr>
+            <p:spPr>
+              <a:xfrm>
+                <a:off x="537956" y="5152034"/>
+                <a:ext cx="2518093" cy="553998"/>
+              </a:xfrm>
+              <a:prstGeom prst="rect">
+                <a:avLst/>
+              </a:prstGeom>
+              <a:blipFill>
+                <a:blip r:embed="rId5"/>
+                <a:stretch>
+                  <a:fillRect l="-484" r="-2906" b="-18681"/>
+                </a:stretch>
+              </a:blipFill>
+            </p:spPr>
+            <p:txBody>
+              <a:bodyPr/>
+              <a:lstStyle/>
+              <a:p>
+                <a:r>
+                  <a:rPr lang="zh-TW" altLang="en-US">
+                    <a:noFill/>
+                  </a:rPr>
+                  <a:t> </a:t>
+                </a:r>
+              </a:p>
+            </p:txBody>
+          </p:sp>
+        </mc:Fallback>
+      </mc:AlternateContent>
+      <p:sp>
+        <p:nvSpPr>
+          <p:cNvPr id="59" name="矩形 58">
+            <a:extLst>
+              <a:ext uri="{FF2B5EF4-FFF2-40B4-BE49-F238E27FC236}">
+                <a16:creationId xmlns:a16="http://schemas.microsoft.com/office/drawing/2014/main" id="{0B240DD0-3ABC-4047-AE40-667560E22D8B}"/>
+              </a:ext>
+            </a:extLst>
+          </p:cNvPr>
+          <p:cNvSpPr/>
+          <p:nvPr/>
+        </p:nvSpPr>
+        <p:spPr>
+          <a:xfrm>
+            <a:off x="3286347" y="2105497"/>
+            <a:ext cx="1712888" cy="2446973"/>
+          </a:xfrm>
+          <a:prstGeom prst="rect">
+            <a:avLst/>
+          </a:prstGeom>
+          <a:noFill/>
+          <a:ln w="19050">
+            <a:solidFill>
+              <a:schemeClr val="accent1"/>
+            </a:solidFill>
+          </a:ln>
+        </p:spPr>
+        <p:style>
+          <a:lnRef idx="2">
+            <a:schemeClr val="accent1">
+              <a:shade val="50000"/>
+            </a:schemeClr>
+          </a:lnRef>
+          <a:fillRef idx="1">
+            <a:schemeClr val="accent1"/>
+          </a:fillRef>
+          <a:effectRef idx="0">
+            <a:schemeClr val="accent1"/>
+          </a:effectRef>
+          <a:fontRef idx="minor">
+            <a:schemeClr val="lt1"/>
+          </a:fontRef>
+        </p:style>
+        <p:txBody>
+          <a:bodyPr rtlCol="0" anchor="ctr"/>
+          <a:lstStyle/>
+          <a:p>
+            <a:pPr algn="ctr"/>
+            <a:endParaRPr lang="zh-TW" altLang="en-US"/>
+          </a:p>
+        </p:txBody>
+      </p:sp>
+      <p:sp>
+        <p:nvSpPr>
+          <p:cNvPr id="60" name="文字方塊 59">
+            <a:extLst>
+              <a:ext uri="{FF2B5EF4-FFF2-40B4-BE49-F238E27FC236}">
+                <a16:creationId xmlns:a16="http://schemas.microsoft.com/office/drawing/2014/main" id="{03509CAE-92BC-4A18-89D5-2FA2F69B748A}"/>
+              </a:ext>
+            </a:extLst>
+          </p:cNvPr>
+          <p:cNvSpPr txBox="1"/>
+          <p:nvPr/>
+        </p:nvSpPr>
+        <p:spPr>
+          <a:xfrm>
+            <a:off x="3477495" y="1694244"/>
+            <a:ext cx="1493547" cy="369332"/>
+          </a:xfrm>
+          <a:prstGeom prst="rect">
+            <a:avLst/>
+          </a:prstGeom>
+          <a:noFill/>
+        </p:spPr>
+        <p:txBody>
+          <a:bodyPr wrap="square" rtlCol="0">
+            <a:spAutoFit/>
+          </a:bodyPr>
+          <a:lstStyle/>
+          <a:p>
+            <a:r>
+              <a:rPr lang="en-US" altLang="zh-TW" dirty="0">
+                <a:solidFill>
+                  <a:schemeClr val="accent1"/>
+                </a:solidFill>
+              </a:rPr>
+              <a:t>TH precoding</a:t>
+            </a:r>
+            <a:endParaRPr lang="zh-TW" altLang="en-US" dirty="0">
+              <a:solidFill>
+                <a:schemeClr val="accent1"/>
+              </a:solidFill>
+            </a:endParaRPr>
+          </a:p>
+        </p:txBody>
+      </p:sp>
+      <p:cxnSp>
+        <p:nvCxnSpPr>
+          <p:cNvPr id="61" name="直線單箭頭接點 60">
+            <a:extLst>
+              <a:ext uri="{FF2B5EF4-FFF2-40B4-BE49-F238E27FC236}">
+                <a16:creationId xmlns:a16="http://schemas.microsoft.com/office/drawing/2014/main" id="{696C2524-D25B-4FA4-8BA6-6D2848BACA52}"/>
+              </a:ext>
+            </a:extLst>
+          </p:cNvPr>
+          <p:cNvCxnSpPr>
+            <a:cxnSpLocks/>
+          </p:cNvCxnSpPr>
+          <p:nvPr/>
+        </p:nvCxnSpPr>
+        <p:spPr>
+          <a:xfrm flipV="1">
+            <a:off x="5088503" y="3160654"/>
+            <a:ext cx="0" cy="1629756"/>
+          </a:xfrm>
+          <a:prstGeom prst="straightConnector1">
+            <a:avLst/>
+          </a:prstGeom>
+          <a:ln w="25400">
+            <a:solidFill>
+              <a:schemeClr val="tx1"/>
+            </a:solidFill>
+            <a:prstDash val="dash"/>
+            <a:tailEnd type="triangle"/>
+          </a:ln>
+        </p:spPr>
+        <p:style>
+          <a:lnRef idx="1">
+            <a:schemeClr val="accent1"/>
+          </a:lnRef>
+          <a:fillRef idx="0">
+            <a:schemeClr val="accent1"/>
+          </a:fillRef>
+          <a:effectRef idx="0">
+            <a:schemeClr val="accent1"/>
+          </a:effectRef>
+          <a:fontRef idx="minor">
+            <a:schemeClr val="tx1"/>
+          </a:fontRef>
+        </p:style>
+      </p:cxnSp>
+      <mc:AlternateContent xmlns:mc="http://schemas.openxmlformats.org/markup-compatibility/2006">
+        <mc:Choice xmlns:a14="http://schemas.microsoft.com/office/drawing/2010/main" Requires="a14">
+          <p:sp>
+            <p:nvSpPr>
+              <p:cNvPr id="62" name="文字方塊 61">
+                <a:extLst>
+                  <a:ext uri="{FF2B5EF4-FFF2-40B4-BE49-F238E27FC236}">
+                    <a16:creationId xmlns:a16="http://schemas.microsoft.com/office/drawing/2014/main" id="{088C74D7-7941-4629-813C-B30D0A4323C2}"/>
+                  </a:ext>
+                </a:extLst>
+              </p:cNvPr>
+              <p:cNvSpPr txBox="1"/>
+              <p:nvPr/>
+            </p:nvSpPr>
+            <p:spPr>
+              <a:xfrm>
+                <a:off x="4826086" y="4835820"/>
+                <a:ext cx="531628" cy="369332"/>
+              </a:xfrm>
+              <a:prstGeom prst="rect">
+                <a:avLst/>
+              </a:prstGeom>
+              <a:noFill/>
+            </p:spPr>
+            <p:txBody>
+              <a:bodyPr wrap="square" rtlCol="0">
+                <a:spAutoFit/>
+              </a:bodyPr>
+              <a:lstStyle/>
+              <a:p>
+                <a14:m>
+                  <m:oMathPara xmlns:m="http://schemas.openxmlformats.org/officeDocument/2006/math">
+                    <m:oMathParaPr>
+                      <m:jc m:val="centerGroup"/>
+                    </m:oMathParaPr>
+                    <m:oMath xmlns:m="http://schemas.openxmlformats.org/officeDocument/2006/math">
+                      <m:sSub>
+                        <m:sSubPr>
+                          <m:ctrlPr>
+                            <a:rPr lang="en-US" altLang="zh-TW" b="0" i="1" smtClean="0">
+                              <a:latin typeface="Cambria Math" panose="02040503050406030204" pitchFamily="18" charset="0"/>
+                              <a:ea typeface="Cambria Math" panose="02040503050406030204" pitchFamily="18" charset="0"/>
+                            </a:rPr>
+                          </m:ctrlPr>
+                        </m:sSubPr>
+                        <m:e>
+                          <m:r>
+                            <m:rPr>
+                              <m:nor/>
+                            </m:rPr>
+                            <a:rPr lang="en-US" altLang="zh-TW" b="0" i="0" smtClean="0">
+                              <a:latin typeface="Cambria Math" panose="02040503050406030204" pitchFamily="18" charset="0"/>
+                              <a:ea typeface="Cambria Math" panose="02040503050406030204" pitchFamily="18" charset="0"/>
+                            </a:rPr>
+                            <m:t>x</m:t>
+                          </m:r>
+                        </m:e>
+                        <m:sub>
+                          <m:r>
+                            <a:rPr lang="en-US" altLang="zh-TW" b="0" i="1" smtClean="0">
+                              <a:latin typeface="Cambria Math" panose="02040503050406030204" pitchFamily="18" charset="0"/>
+                              <a:ea typeface="Cambria Math" panose="02040503050406030204" pitchFamily="18" charset="0"/>
+                            </a:rPr>
+                            <m:t>𝑛</m:t>
+                          </m:r>
+                        </m:sub>
+                      </m:sSub>
+                    </m:oMath>
+                  </m:oMathPara>
+                </a14:m>
+                <a:endParaRPr lang="zh-TW" altLang="en-US" dirty="0"/>
+              </a:p>
+            </p:txBody>
+          </p:sp>
+        </mc:Choice>
+        <mc:Fallback>
+          <p:sp>
+            <p:nvSpPr>
+              <p:cNvPr id="62" name="文字方塊 61">
+                <a:extLst>
+                  <a:ext uri="{FF2B5EF4-FFF2-40B4-BE49-F238E27FC236}">
+                    <a16:creationId xmlns:a16="http://schemas.microsoft.com/office/drawing/2014/main" id="{088C74D7-7941-4629-813C-B30D0A4323C2}"/>
+                  </a:ext>
+                </a:extLst>
+              </p:cNvPr>
+              <p:cNvSpPr txBox="1">
+                <a:spLocks noRot="1" noChangeAspect="1" noMove="1" noResize="1" noEditPoints="1" noAdjustHandles="1" noChangeArrowheads="1" noChangeShapeType="1" noTextEdit="1"/>
+              </p:cNvSpPr>
+              <p:nvPr/>
+            </p:nvSpPr>
+            <p:spPr>
+              <a:xfrm>
+                <a:off x="4826086" y="4835820"/>
+                <a:ext cx="531628" cy="369332"/>
+              </a:xfrm>
+              <a:prstGeom prst="rect">
+                <a:avLst/>
+              </a:prstGeom>
+              <a:blipFill>
+                <a:blip r:embed="rId6"/>
+                <a:stretch>
+                  <a:fillRect/>
+                </a:stretch>
+              </a:blipFill>
+            </p:spPr>
+            <p:txBody>
+              <a:bodyPr/>
+              <a:lstStyle/>
+              <a:p>
+                <a:r>
+                  <a:rPr lang="zh-TW" altLang="en-US">
+                    <a:noFill/>
+                  </a:rPr>
+                  <a:t> </a:t>
+                </a:r>
+              </a:p>
+            </p:txBody>
+          </p:sp>
+        </mc:Fallback>
+      </mc:AlternateContent>
+      <mc:AlternateContent xmlns:mc="http://schemas.openxmlformats.org/markup-compatibility/2006">
+        <mc:Choice xmlns:a14="http://schemas.microsoft.com/office/drawing/2010/main" Requires="a14">
+          <p:sp>
+            <p:nvSpPr>
+              <p:cNvPr id="63" name="文字方塊 62">
+                <a:extLst>
+                  <a:ext uri="{FF2B5EF4-FFF2-40B4-BE49-F238E27FC236}">
+                    <a16:creationId xmlns:a16="http://schemas.microsoft.com/office/drawing/2014/main" id="{5376B173-1C5B-4C31-A264-120A244701FC}"/>
+                  </a:ext>
+                </a:extLst>
+              </p:cNvPr>
+              <p:cNvSpPr txBox="1"/>
+              <p:nvPr/>
+            </p:nvSpPr>
+            <p:spPr>
+              <a:xfrm>
+                <a:off x="4575037" y="5167074"/>
+                <a:ext cx="2221826" cy="586699"/>
+              </a:xfrm>
+              <a:prstGeom prst="rect">
+                <a:avLst/>
+              </a:prstGeom>
+              <a:noFill/>
+            </p:spPr>
+            <p:txBody>
+              <a:bodyPr wrap="none" lIns="0" tIns="0" rIns="0" bIns="0" rtlCol="0">
+                <a:spAutoFit/>
+              </a:bodyPr>
+              <a:lstStyle/>
+              <a:p>
+                <a14:m>
+                  <m:oMathPara xmlns:m="http://schemas.openxmlformats.org/officeDocument/2006/math">
+                    <m:oMathParaPr>
+                      <m:jc m:val="centerGroup"/>
+                    </m:oMathParaPr>
+                    <m:oMath xmlns:m="http://schemas.openxmlformats.org/officeDocument/2006/math">
+                      <m:r>
+                        <m:rPr>
+                          <m:nor/>
+                        </m:rPr>
+                        <a:rPr lang="en-US" altLang="zh-TW" b="0" i="0" smtClean="0">
+                          <a:latin typeface="Cambria Math" panose="02040503050406030204" pitchFamily="18" charset="0"/>
+                        </a:rPr>
+                        <m:t>x</m:t>
+                      </m:r>
+                      <m:d>
+                        <m:dPr>
+                          <m:ctrlPr>
+                            <a:rPr lang="en-US" altLang="zh-TW" b="0" i="1" smtClean="0">
+                              <a:latin typeface="Cambria Math" panose="02040503050406030204" pitchFamily="18" charset="0"/>
+                            </a:rPr>
+                          </m:ctrlPr>
+                        </m:dPr>
+                        <m:e>
+                          <m:r>
+                            <m:rPr>
+                              <m:nor/>
+                            </m:rPr>
+                            <a:rPr lang="en-US" altLang="zh-TW" b="0" i="0" smtClean="0">
+                              <a:latin typeface="Cambria Math" panose="02040503050406030204" pitchFamily="18" charset="0"/>
+                            </a:rPr>
+                            <m:t>D</m:t>
+                          </m:r>
+                        </m:e>
+                      </m:d>
+                      <m:r>
+                        <a:rPr lang="en-US" altLang="zh-TW" b="0" i="1" smtClean="0">
+                          <a:latin typeface="Cambria Math" panose="02040503050406030204" pitchFamily="18" charset="0"/>
+                        </a:rPr>
+                        <m:t>=</m:t>
+                      </m:r>
+                      <m:f>
+                        <m:fPr>
+                          <m:ctrlPr>
+                            <a:rPr lang="en-US" altLang="zh-TW" b="0" i="1" smtClean="0">
+                              <a:latin typeface="Cambria Math" panose="02040503050406030204" pitchFamily="18" charset="0"/>
+                            </a:rPr>
+                          </m:ctrlPr>
+                        </m:fPr>
+                        <m:num>
+                          <m:r>
+                            <m:rPr>
+                              <m:nor/>
+                            </m:rPr>
+                            <a:rPr lang="en-US" altLang="zh-TW" b="0" i="0" smtClean="0">
+                              <a:latin typeface="Cambria Math" panose="02040503050406030204" pitchFamily="18" charset="0"/>
+                            </a:rPr>
+                            <m:t>a</m:t>
+                          </m:r>
+                          <m:d>
+                            <m:dPr>
+                              <m:ctrlPr>
+                                <a:rPr lang="en-US" altLang="zh-TW" b="0" i="1" smtClean="0">
+                                  <a:latin typeface="Cambria Math" panose="02040503050406030204" pitchFamily="18" charset="0"/>
+                                </a:rPr>
+                              </m:ctrlPr>
+                            </m:dPr>
+                            <m:e>
+                              <m:r>
+                                <m:rPr>
+                                  <m:nor/>
+                                </m:rPr>
+                                <a:rPr lang="en-US" altLang="zh-TW" b="0" i="0" smtClean="0">
+                                  <a:latin typeface="Cambria Math" panose="02040503050406030204" pitchFamily="18" charset="0"/>
+                                </a:rPr>
+                                <m:t>D</m:t>
+                              </m:r>
+                            </m:e>
+                          </m:d>
+                          <m:r>
+                            <m:rPr>
+                              <m:nor/>
+                            </m:rPr>
+                            <a:rPr lang="en-US" altLang="zh-TW" b="0" i="0" smtClean="0">
+                              <a:latin typeface="Cambria Math" panose="02040503050406030204" pitchFamily="18" charset="0"/>
+                            </a:rPr>
+                            <m:t>+2</m:t>
+                          </m:r>
+                          <m:r>
+                            <m:rPr>
+                              <m:nor/>
+                            </m:rPr>
+                            <a:rPr lang="en-US" altLang="zh-TW" b="0" i="0" smtClean="0">
+                              <a:latin typeface="Cambria Math" panose="02040503050406030204" pitchFamily="18" charset="0"/>
+                            </a:rPr>
+                            <m:t>Mk</m:t>
+                          </m:r>
+                          <m:r>
+                            <m:rPr>
+                              <m:nor/>
+                            </m:rPr>
+                            <a:rPr lang="en-US" altLang="zh-TW" b="0" i="0" smtClean="0">
+                              <a:latin typeface="Cambria Math" panose="02040503050406030204" pitchFamily="18" charset="0"/>
+                            </a:rPr>
+                            <m:t>(</m:t>
+                          </m:r>
+                          <m:r>
+                            <m:rPr>
+                              <m:nor/>
+                            </m:rPr>
+                            <a:rPr lang="en-US" altLang="zh-TW" b="0" i="0" smtClean="0">
+                              <a:latin typeface="Cambria Math" panose="02040503050406030204" pitchFamily="18" charset="0"/>
+                            </a:rPr>
+                            <m:t>D</m:t>
+                          </m:r>
+                          <m:r>
+                            <m:rPr>
+                              <m:nor/>
+                            </m:rPr>
+                            <a:rPr lang="en-US" altLang="zh-TW" b="0" i="0" smtClean="0">
+                              <a:latin typeface="Cambria Math" panose="02040503050406030204" pitchFamily="18" charset="0"/>
+                            </a:rPr>
+                            <m:t>)</m:t>
+                          </m:r>
+                        </m:num>
+                        <m:den>
+                          <m:r>
+                            <m:rPr>
+                              <m:nor/>
+                            </m:rPr>
+                            <a:rPr lang="en-US" altLang="zh-TW" b="0" i="0" smtClean="0">
+                              <a:latin typeface="Cambria Math" panose="02040503050406030204" pitchFamily="18" charset="0"/>
+                            </a:rPr>
+                            <m:t>h</m:t>
+                          </m:r>
+                          <m:r>
+                            <m:rPr>
+                              <m:nor/>
+                            </m:rPr>
+                            <a:rPr lang="en-US" altLang="zh-TW" b="0" i="0" smtClean="0">
+                              <a:latin typeface="Cambria Math" panose="02040503050406030204" pitchFamily="18" charset="0"/>
+                            </a:rPr>
+                            <m:t>(</m:t>
+                          </m:r>
+                          <m:r>
+                            <m:rPr>
+                              <m:nor/>
+                            </m:rPr>
+                            <a:rPr lang="en-US" altLang="zh-TW" b="0" i="0" smtClean="0">
+                              <a:latin typeface="Cambria Math" panose="02040503050406030204" pitchFamily="18" charset="0"/>
+                            </a:rPr>
+                            <m:t>D</m:t>
+                          </m:r>
+                          <m:r>
+                            <m:rPr>
+                              <m:nor/>
+                            </m:rPr>
+                            <a:rPr lang="en-US" altLang="zh-TW" b="0" i="0" smtClean="0">
+                              <a:latin typeface="Cambria Math" panose="02040503050406030204" pitchFamily="18" charset="0"/>
+                            </a:rPr>
+                            <m:t>)</m:t>
+                          </m:r>
+                        </m:den>
+                      </m:f>
+                    </m:oMath>
+                  </m:oMathPara>
+                </a14:m>
+                <a:endParaRPr lang="zh-TW" altLang="en-US" dirty="0"/>
+              </a:p>
+            </p:txBody>
+          </p:sp>
+        </mc:Choice>
+        <mc:Fallback>
+          <p:sp>
+            <p:nvSpPr>
+              <p:cNvPr id="63" name="文字方塊 62">
+                <a:extLst>
+                  <a:ext uri="{FF2B5EF4-FFF2-40B4-BE49-F238E27FC236}">
+                    <a16:creationId xmlns:a16="http://schemas.microsoft.com/office/drawing/2014/main" id="{5376B173-1C5B-4C31-A264-120A244701FC}"/>
+                  </a:ext>
+                </a:extLst>
+              </p:cNvPr>
+              <p:cNvSpPr txBox="1">
+                <a:spLocks noRot="1" noChangeAspect="1" noMove="1" noResize="1" noEditPoints="1" noAdjustHandles="1" noChangeArrowheads="1" noChangeShapeType="1" noTextEdit="1"/>
+              </p:cNvSpPr>
+              <p:nvPr/>
+            </p:nvSpPr>
+            <p:spPr>
+              <a:xfrm>
+                <a:off x="4575037" y="5167074"/>
+                <a:ext cx="2221826" cy="586699"/>
+              </a:xfrm>
+              <a:prstGeom prst="rect">
+                <a:avLst/>
+              </a:prstGeom>
+              <a:blipFill>
+                <a:blip r:embed="rId7"/>
+                <a:stretch>
+                  <a:fillRect/>
+                </a:stretch>
+              </a:blipFill>
+            </p:spPr>
+            <p:txBody>
+              <a:bodyPr/>
+              <a:lstStyle/>
+              <a:p>
+                <a:r>
+                  <a:rPr lang="zh-TW" altLang="en-US">
+                    <a:noFill/>
+                  </a:rPr>
+                  <a:t> </a:t>
+                </a:r>
+              </a:p>
+            </p:txBody>
+          </p:sp>
+        </mc:Fallback>
+      </mc:AlternateContent>
+      <p:cxnSp>
+        <p:nvCxnSpPr>
+          <p:cNvPr id="64" name="直線單箭頭接點 63">
+            <a:extLst>
+              <a:ext uri="{FF2B5EF4-FFF2-40B4-BE49-F238E27FC236}">
+                <a16:creationId xmlns:a16="http://schemas.microsoft.com/office/drawing/2014/main" id="{B7174BD2-A7FD-4D25-BF0F-85C92931601C}"/>
+              </a:ext>
+            </a:extLst>
+          </p:cNvPr>
+          <p:cNvCxnSpPr>
+            <a:cxnSpLocks/>
+          </p:cNvCxnSpPr>
+          <p:nvPr/>
+        </p:nvCxnSpPr>
+        <p:spPr>
+          <a:xfrm flipV="1">
+            <a:off x="8838314" y="3172999"/>
+            <a:ext cx="0" cy="1629756"/>
+          </a:xfrm>
+          <a:prstGeom prst="straightConnector1">
+            <a:avLst/>
+          </a:prstGeom>
+          <a:ln w="25400">
+            <a:solidFill>
+              <a:schemeClr val="tx1"/>
+            </a:solidFill>
+            <a:prstDash val="dash"/>
+            <a:tailEnd type="triangle"/>
+          </a:ln>
+        </p:spPr>
+        <p:style>
+          <a:lnRef idx="1">
+            <a:schemeClr val="accent1"/>
+          </a:lnRef>
+          <a:fillRef idx="0">
+            <a:schemeClr val="accent1"/>
+          </a:fillRef>
+          <a:effectRef idx="0">
+            <a:schemeClr val="accent1"/>
+          </a:effectRef>
+          <a:fontRef idx="minor">
+            <a:schemeClr val="tx1"/>
+          </a:fontRef>
+        </p:style>
+      </p:cxnSp>
+      <p:cxnSp>
+        <p:nvCxnSpPr>
+          <p:cNvPr id="65" name="直線單箭頭接點 64">
+            <a:extLst>
+              <a:ext uri="{FF2B5EF4-FFF2-40B4-BE49-F238E27FC236}">
+                <a16:creationId xmlns:a16="http://schemas.microsoft.com/office/drawing/2014/main" id="{FF08C8F3-1448-4017-80A5-155F326D9B54}"/>
+              </a:ext>
+            </a:extLst>
+          </p:cNvPr>
+          <p:cNvCxnSpPr>
+            <a:cxnSpLocks/>
+          </p:cNvCxnSpPr>
+          <p:nvPr/>
+        </p:nvCxnSpPr>
+        <p:spPr>
+          <a:xfrm>
+            <a:off x="5107584" y="4037659"/>
+            <a:ext cx="3730730" cy="1"/>
+          </a:xfrm>
+          <a:prstGeom prst="straightConnector1">
+            <a:avLst/>
+          </a:prstGeom>
+          <a:ln w="25400">
+            <a:solidFill>
+              <a:schemeClr val="tx1"/>
+            </a:solidFill>
+            <a:prstDash val="dash"/>
+            <a:tailEnd type="triangle"/>
+          </a:ln>
+        </p:spPr>
+        <p:style>
+          <a:lnRef idx="1">
+            <a:schemeClr val="accent1"/>
+          </a:lnRef>
+          <a:fillRef idx="0">
+            <a:schemeClr val="accent1"/>
+          </a:fillRef>
+          <a:effectRef idx="0">
+            <a:schemeClr val="accent1"/>
+          </a:effectRef>
+          <a:fontRef idx="minor">
+            <a:schemeClr val="tx1"/>
+          </a:fontRef>
+        </p:style>
+      </p:cxnSp>
+      <mc:AlternateContent xmlns:mc="http://schemas.openxmlformats.org/markup-compatibility/2006">
+        <mc:Choice xmlns:a14="http://schemas.microsoft.com/office/drawing/2010/main" Requires="a14">
+          <p:sp>
+            <p:nvSpPr>
+              <p:cNvPr id="68" name="文字方塊 67">
+                <a:extLst>
+                  <a:ext uri="{FF2B5EF4-FFF2-40B4-BE49-F238E27FC236}">
+                    <a16:creationId xmlns:a16="http://schemas.microsoft.com/office/drawing/2014/main" id="{29B6AFF0-C3C7-40E9-8734-D94E8E830B28}"/>
+                  </a:ext>
+                </a:extLst>
+              </p:cNvPr>
+              <p:cNvSpPr txBox="1"/>
+              <p:nvPr/>
+            </p:nvSpPr>
+            <p:spPr>
+              <a:xfrm>
+                <a:off x="5685950" y="4113141"/>
+                <a:ext cx="2550008" cy="344005"/>
+              </a:xfrm>
+              <a:prstGeom prst="rect">
+                <a:avLst/>
+              </a:prstGeom>
+              <a:noFill/>
+            </p:spPr>
+            <p:txBody>
+              <a:bodyPr wrap="square" lIns="0" tIns="0" rIns="0" bIns="0" rtlCol="0">
+                <a:spAutoFit/>
+              </a:bodyPr>
+              <a:lstStyle/>
+              <a:p>
+                <a14:m>
+                  <m:oMath xmlns:m="http://schemas.openxmlformats.org/officeDocument/2006/math">
+                    <m:r>
+                      <a:rPr lang="zh-TW" altLang="en-US" i="1" smtClean="0">
+                        <a:latin typeface="Cambria Math" panose="02040503050406030204" pitchFamily="18" charset="0"/>
+                      </a:rPr>
+                      <m:t>≅</m:t>
+                    </m:r>
+                    <m:r>
+                      <m:rPr>
+                        <m:nor/>
+                      </m:rPr>
+                      <a:rPr lang="en-US" altLang="zh-TW" b="0" i="0" smtClean="0">
+                        <a:latin typeface="Cambria Math" panose="02040503050406030204" pitchFamily="18" charset="0"/>
+                      </a:rPr>
+                      <m:t>h</m:t>
+                    </m:r>
+                    <m:d>
+                      <m:dPr>
+                        <m:ctrlPr>
+                          <a:rPr lang="en-US" altLang="zh-TW" b="0" i="1" smtClean="0">
+                            <a:latin typeface="Cambria Math" panose="02040503050406030204" pitchFamily="18" charset="0"/>
+                          </a:rPr>
+                        </m:ctrlPr>
+                      </m:dPr>
+                      <m:e>
+                        <m:r>
+                          <m:rPr>
+                            <m:nor/>
+                          </m:rPr>
+                          <a:rPr lang="en-US" altLang="zh-TW" b="0" i="0" smtClean="0">
+                            <a:latin typeface="Cambria Math" panose="02040503050406030204" pitchFamily="18" charset="0"/>
+                          </a:rPr>
+                          <m:t>D</m:t>
+                        </m:r>
+                      </m:e>
+                    </m:d>
+                    <m:r>
+                      <m:rPr>
+                        <m:nor/>
+                      </m:rPr>
+                      <a:rPr lang="en-US" altLang="zh-TW" b="0" i="0" smtClean="0">
+                        <a:latin typeface="Cambria Math" panose="02040503050406030204" pitchFamily="18" charset="0"/>
+                      </a:rPr>
+                      <m:t>=1+</m:t>
+                    </m:r>
+                    <m:sSub>
+                      <m:sSubPr>
+                        <m:ctrlPr>
+                          <a:rPr lang="en-US" altLang="zh-TW" b="0" i="1" smtClean="0">
+                            <a:latin typeface="Cambria Math" panose="02040503050406030204" pitchFamily="18" charset="0"/>
+                          </a:rPr>
+                        </m:ctrlPr>
+                      </m:sSubPr>
+                      <m:e>
+                        <m:r>
+                          <m:rPr>
+                            <m:nor/>
+                          </m:rPr>
+                          <a:rPr lang="en-US" altLang="zh-TW" b="0" i="0" smtClean="0">
+                            <a:latin typeface="Cambria Math" panose="02040503050406030204" pitchFamily="18" charset="0"/>
+                          </a:rPr>
+                          <m:t>h</m:t>
+                        </m:r>
+                      </m:e>
+                      <m:sub>
+                        <m:r>
+                          <m:rPr>
+                            <m:nor/>
+                          </m:rPr>
+                          <a:rPr lang="en-US" altLang="zh-TW" b="0" i="0" smtClean="0">
+                            <a:latin typeface="Cambria Math" panose="02040503050406030204" pitchFamily="18" charset="0"/>
+                          </a:rPr>
+                          <m:t>1</m:t>
+                        </m:r>
+                      </m:sub>
+                    </m:sSub>
+                    <m:r>
+                      <m:rPr>
+                        <m:nor/>
+                      </m:rPr>
+                      <a:rPr lang="en-US" altLang="zh-TW" b="0" i="0" smtClean="0">
+                        <a:latin typeface="Cambria Math" panose="02040503050406030204" pitchFamily="18" charset="0"/>
+                      </a:rPr>
+                      <m:t>D</m:t>
+                    </m:r>
+                    <m:r>
+                      <m:rPr>
+                        <m:nor/>
+                      </m:rPr>
+                      <a:rPr lang="en-US" altLang="zh-TW" b="0" i="0" smtClean="0">
+                        <a:latin typeface="Cambria Math" panose="02040503050406030204" pitchFamily="18" charset="0"/>
+                      </a:rPr>
+                      <m:t>+</m:t>
+                    </m:r>
+                    <m:sSub>
+                      <m:sSubPr>
+                        <m:ctrlPr>
+                          <a:rPr lang="en-US" altLang="zh-TW" i="1">
+                            <a:latin typeface="Cambria Math" panose="02040503050406030204" pitchFamily="18" charset="0"/>
+                          </a:rPr>
+                        </m:ctrlPr>
+                      </m:sSubPr>
+                      <m:e>
+                        <m:r>
+                          <m:rPr>
+                            <m:nor/>
+                          </m:rPr>
+                          <a:rPr lang="en-US" altLang="zh-TW" i="0">
+                            <a:latin typeface="Cambria Math" panose="02040503050406030204" pitchFamily="18" charset="0"/>
+                          </a:rPr>
+                          <m:t>h</m:t>
+                        </m:r>
+                      </m:e>
+                      <m:sub>
+                        <m:r>
+                          <m:rPr>
+                            <m:nor/>
+                          </m:rPr>
+                          <a:rPr lang="en-US" altLang="zh-TW" b="0" i="0" smtClean="0">
+                            <a:latin typeface="Cambria Math" panose="02040503050406030204" pitchFamily="18" charset="0"/>
+                          </a:rPr>
+                          <m:t>2</m:t>
+                        </m:r>
+                      </m:sub>
+                    </m:sSub>
+                    <m:sSup>
+                      <m:sSupPr>
+                        <m:ctrlPr>
+                          <a:rPr lang="en-US" altLang="zh-TW" i="1" smtClean="0">
+                            <a:latin typeface="Cambria Math" panose="02040503050406030204" pitchFamily="18" charset="0"/>
+                          </a:rPr>
+                        </m:ctrlPr>
+                      </m:sSupPr>
+                      <m:e>
+                        <m:r>
+                          <m:rPr>
+                            <m:nor/>
+                          </m:rPr>
+                          <a:rPr lang="en-US" altLang="zh-TW" b="0" i="0" smtClean="0">
+                            <a:latin typeface="Cambria Math" panose="02040503050406030204" pitchFamily="18" charset="0"/>
+                          </a:rPr>
+                          <m:t>D</m:t>
+                        </m:r>
+                      </m:e>
+                      <m:sup>
+                        <m:r>
+                          <m:rPr>
+                            <m:nor/>
+                          </m:rPr>
+                          <a:rPr lang="en-US" altLang="zh-TW" b="0" i="0" smtClean="0">
+                            <a:latin typeface="Cambria Math" panose="02040503050406030204" pitchFamily="18" charset="0"/>
+                          </a:rPr>
+                          <m:t>2</m:t>
+                        </m:r>
+                      </m:sup>
+                    </m:sSup>
+                  </m:oMath>
+                </a14:m>
+                <a:r>
+                  <a:rPr lang="en-US" altLang="zh-TW" dirty="0"/>
+                  <a:t>…</a:t>
+                </a:r>
+                <a:endParaRPr lang="zh-TW" altLang="en-US" dirty="0"/>
+              </a:p>
+            </p:txBody>
+          </p:sp>
+        </mc:Choice>
+        <mc:Fallback>
+          <p:sp>
+            <p:nvSpPr>
+              <p:cNvPr id="68" name="文字方塊 67">
+                <a:extLst>
+                  <a:ext uri="{FF2B5EF4-FFF2-40B4-BE49-F238E27FC236}">
+                    <a16:creationId xmlns:a16="http://schemas.microsoft.com/office/drawing/2014/main" id="{29B6AFF0-C3C7-40E9-8734-D94E8E830B28}"/>
+                  </a:ext>
+                </a:extLst>
+              </p:cNvPr>
+              <p:cNvSpPr txBox="1">
+                <a:spLocks noRot="1" noChangeAspect="1" noMove="1" noResize="1" noEditPoints="1" noAdjustHandles="1" noChangeArrowheads="1" noChangeShapeType="1" noTextEdit="1"/>
+              </p:cNvSpPr>
+              <p:nvPr/>
+            </p:nvSpPr>
+            <p:spPr>
+              <a:xfrm>
+                <a:off x="5685950" y="4113141"/>
+                <a:ext cx="2550008" cy="344005"/>
+              </a:xfrm>
+              <a:prstGeom prst="rect">
+                <a:avLst/>
+              </a:prstGeom>
+              <a:blipFill>
+                <a:blip r:embed="rId8"/>
+                <a:stretch>
+                  <a:fillRect l="-2392" t="-5357" r="-2153" b="-39286"/>
+                </a:stretch>
+              </a:blipFill>
+            </p:spPr>
+            <p:txBody>
+              <a:bodyPr/>
+              <a:lstStyle/>
+              <a:p>
+                <a:r>
+                  <a:rPr lang="zh-TW" altLang="en-US">
+                    <a:noFill/>
+                  </a:rPr>
+                  <a:t> </a:t>
+                </a:r>
+              </a:p>
+            </p:txBody>
+          </p:sp>
+        </mc:Fallback>
+      </mc:AlternateContent>
+      <mc:AlternateContent xmlns:mc="http://schemas.openxmlformats.org/markup-compatibility/2006">
+        <mc:Choice xmlns:a14="http://schemas.microsoft.com/office/drawing/2010/main" Requires="a14">
+          <p:sp>
+            <p:nvSpPr>
+              <p:cNvPr id="69" name="文字方塊 68">
+                <a:extLst>
+                  <a:ext uri="{FF2B5EF4-FFF2-40B4-BE49-F238E27FC236}">
+                    <a16:creationId xmlns:a16="http://schemas.microsoft.com/office/drawing/2014/main" id="{2BB95A73-F7D1-4435-A812-F24A5B09EB9D}"/>
+                  </a:ext>
+                </a:extLst>
+              </p:cNvPr>
+              <p:cNvSpPr txBox="1"/>
+              <p:nvPr/>
+            </p:nvSpPr>
+            <p:spPr>
+              <a:xfrm>
+                <a:off x="7440848" y="4875035"/>
+                <a:ext cx="2794931" cy="276999"/>
+              </a:xfrm>
+              <a:prstGeom prst="rect">
+                <a:avLst/>
+              </a:prstGeom>
+              <a:noFill/>
+            </p:spPr>
+            <p:txBody>
+              <a:bodyPr wrap="none" lIns="0" tIns="0" rIns="0" bIns="0" rtlCol="0">
+                <a:spAutoFit/>
+              </a:bodyPr>
+              <a:lstStyle/>
+              <a:p>
+                <a14:m>
+                  <m:oMathPara xmlns:m="http://schemas.openxmlformats.org/officeDocument/2006/math">
+                    <m:oMathParaPr>
+                      <m:jc m:val="centerGroup"/>
+                    </m:oMathParaPr>
+                    <m:oMath xmlns:m="http://schemas.openxmlformats.org/officeDocument/2006/math">
+                      <m:r>
+                        <m:rPr>
+                          <m:nor/>
+                        </m:rPr>
+                        <a:rPr lang="en-US" altLang="zh-TW" b="0" i="0" smtClean="0">
+                          <a:latin typeface="Cambria Math" panose="02040503050406030204" pitchFamily="18" charset="0"/>
+                        </a:rPr>
+                        <m:t>y</m:t>
+                      </m:r>
+                      <m:d>
+                        <m:dPr>
+                          <m:ctrlPr>
+                            <a:rPr lang="en-US" altLang="zh-TW" b="0" i="1" smtClean="0">
+                              <a:latin typeface="Cambria Math" panose="02040503050406030204" pitchFamily="18" charset="0"/>
+                            </a:rPr>
+                          </m:ctrlPr>
+                        </m:dPr>
+                        <m:e>
+                          <m:r>
+                            <m:rPr>
+                              <m:nor/>
+                            </m:rPr>
+                            <a:rPr lang="en-US" altLang="zh-TW" b="0" i="0" smtClean="0">
+                              <a:latin typeface="Cambria Math" panose="02040503050406030204" pitchFamily="18" charset="0"/>
+                            </a:rPr>
+                            <m:t>D</m:t>
+                          </m:r>
+                        </m:e>
+                      </m:d>
+                      <m:r>
+                        <m:rPr>
+                          <m:nor/>
+                        </m:rPr>
+                        <a:rPr lang="en-US" altLang="zh-TW" b="0" i="0" smtClean="0">
+                          <a:latin typeface="Cambria Math" panose="02040503050406030204" pitchFamily="18" charset="0"/>
+                        </a:rPr>
+                        <m:t>=</m:t>
+                      </m:r>
+                      <m:r>
+                        <m:rPr>
+                          <m:nor/>
+                        </m:rPr>
+                        <a:rPr lang="en-US" altLang="zh-TW" b="0" i="0" smtClean="0">
+                          <a:latin typeface="Cambria Math" panose="02040503050406030204" pitchFamily="18" charset="0"/>
+                        </a:rPr>
+                        <m:t>a</m:t>
+                      </m:r>
+                      <m:d>
+                        <m:dPr>
+                          <m:ctrlPr>
+                            <a:rPr lang="en-US" altLang="zh-TW" b="0" i="1" smtClean="0">
+                              <a:latin typeface="Cambria Math" panose="02040503050406030204" pitchFamily="18" charset="0"/>
+                            </a:rPr>
+                          </m:ctrlPr>
+                        </m:dPr>
+                        <m:e>
+                          <m:r>
+                            <m:rPr>
+                              <m:nor/>
+                            </m:rPr>
+                            <a:rPr lang="en-US" altLang="zh-TW" b="0" i="0" smtClean="0">
+                              <a:latin typeface="Cambria Math" panose="02040503050406030204" pitchFamily="18" charset="0"/>
+                            </a:rPr>
+                            <m:t>D</m:t>
+                          </m:r>
+                        </m:e>
+                      </m:d>
+                      <m:r>
+                        <m:rPr>
+                          <m:nor/>
+                        </m:rPr>
+                        <a:rPr lang="en-US" altLang="zh-TW" b="0" i="0" smtClean="0">
+                          <a:latin typeface="Cambria Math" panose="02040503050406030204" pitchFamily="18" charset="0"/>
+                        </a:rPr>
+                        <m:t>+2</m:t>
+                      </m:r>
+                      <m:r>
+                        <m:rPr>
+                          <m:nor/>
+                        </m:rPr>
+                        <a:rPr lang="en-US" altLang="zh-TW" b="0" i="0" smtClean="0">
+                          <a:latin typeface="Cambria Math" panose="02040503050406030204" pitchFamily="18" charset="0"/>
+                        </a:rPr>
+                        <m:t>Mk</m:t>
+                      </m:r>
+                      <m:d>
+                        <m:dPr>
+                          <m:ctrlPr>
+                            <a:rPr lang="en-US" altLang="zh-TW" b="0" i="1" smtClean="0">
+                              <a:latin typeface="Cambria Math" panose="02040503050406030204" pitchFamily="18" charset="0"/>
+                            </a:rPr>
+                          </m:ctrlPr>
+                        </m:dPr>
+                        <m:e>
+                          <m:r>
+                            <m:rPr>
+                              <m:nor/>
+                            </m:rPr>
+                            <a:rPr lang="en-US" altLang="zh-TW" b="0" i="0" smtClean="0">
+                              <a:latin typeface="Cambria Math" panose="02040503050406030204" pitchFamily="18" charset="0"/>
+                            </a:rPr>
+                            <m:t>D</m:t>
+                          </m:r>
+                        </m:e>
+                      </m:d>
+                      <m:r>
+                        <m:rPr>
+                          <m:nor/>
+                        </m:rPr>
+                        <a:rPr lang="en-US" altLang="zh-TW" b="0" i="0" smtClean="0">
+                          <a:latin typeface="Cambria Math" panose="02040503050406030204" pitchFamily="18" charset="0"/>
+                        </a:rPr>
+                        <m:t>+</m:t>
+                      </m:r>
+                      <m:r>
+                        <m:rPr>
+                          <m:nor/>
+                        </m:rPr>
+                        <a:rPr lang="en-US" altLang="zh-TW" b="0" i="0" smtClean="0">
+                          <a:latin typeface="Cambria Math" panose="02040503050406030204" pitchFamily="18" charset="0"/>
+                        </a:rPr>
+                        <m:t>w</m:t>
+                      </m:r>
+                      <m:r>
+                        <m:rPr>
+                          <m:nor/>
+                        </m:rPr>
+                        <a:rPr lang="en-US" altLang="zh-TW" b="0" i="0" smtClean="0">
+                          <a:latin typeface="Cambria Math" panose="02040503050406030204" pitchFamily="18" charset="0"/>
+                        </a:rPr>
+                        <m:t>(</m:t>
+                      </m:r>
+                      <m:r>
+                        <m:rPr>
+                          <m:nor/>
+                        </m:rPr>
+                        <a:rPr lang="en-US" altLang="zh-TW" b="0" i="0" smtClean="0">
+                          <a:latin typeface="Cambria Math" panose="02040503050406030204" pitchFamily="18" charset="0"/>
+                        </a:rPr>
+                        <m:t>D</m:t>
+                      </m:r>
+                      <m:r>
+                        <m:rPr>
+                          <m:nor/>
+                        </m:rPr>
+                        <a:rPr lang="en-US" altLang="zh-TW" b="0" i="0" smtClean="0">
+                          <a:latin typeface="Cambria Math" panose="02040503050406030204" pitchFamily="18" charset="0"/>
+                        </a:rPr>
+                        <m:t>)</m:t>
+                      </m:r>
+                    </m:oMath>
+                  </m:oMathPara>
+                </a14:m>
+                <a:endParaRPr lang="zh-TW" altLang="en-US" dirty="0"/>
+              </a:p>
+            </p:txBody>
+          </p:sp>
+        </mc:Choice>
+        <mc:Fallback>
+          <p:sp>
+            <p:nvSpPr>
+              <p:cNvPr id="69" name="文字方塊 68">
+                <a:extLst>
+                  <a:ext uri="{FF2B5EF4-FFF2-40B4-BE49-F238E27FC236}">
+                    <a16:creationId xmlns:a16="http://schemas.microsoft.com/office/drawing/2014/main" id="{2BB95A73-F7D1-4435-A812-F24A5B09EB9D}"/>
+                  </a:ext>
+                </a:extLst>
+              </p:cNvPr>
+              <p:cNvSpPr txBox="1">
+                <a:spLocks noRot="1" noChangeAspect="1" noMove="1" noResize="1" noEditPoints="1" noAdjustHandles="1" noChangeArrowheads="1" noChangeShapeType="1" noTextEdit="1"/>
+              </p:cNvSpPr>
+              <p:nvPr/>
+            </p:nvSpPr>
+            <p:spPr>
+              <a:xfrm>
+                <a:off x="7440848" y="4875035"/>
+                <a:ext cx="2794931" cy="276999"/>
+              </a:xfrm>
+              <a:prstGeom prst="rect">
+                <a:avLst/>
+              </a:prstGeom>
+              <a:blipFill>
+                <a:blip r:embed="rId9"/>
+                <a:stretch>
+                  <a:fillRect l="-1747" t="-4444" r="-2838" b="-35556"/>
+                </a:stretch>
+              </a:blipFill>
+            </p:spPr>
+            <p:txBody>
+              <a:bodyPr/>
+              <a:lstStyle/>
+              <a:p>
+                <a:r>
+                  <a:rPr lang="zh-TW" altLang="en-US">
+                    <a:noFill/>
+                  </a:rPr>
+                  <a:t> </a:t>
+                </a:r>
+              </a:p>
+            </p:txBody>
+          </p:sp>
+        </mc:Fallback>
+      </mc:AlternateContent>
+      <mc:AlternateContent xmlns:mc="http://schemas.openxmlformats.org/markup-compatibility/2006">
+        <mc:Choice xmlns:a14="http://schemas.microsoft.com/office/drawing/2010/main" Requires="a14">
+          <p:sp>
+            <p:nvSpPr>
+              <p:cNvPr id="70" name="文字方塊 69">
+                <a:extLst>
+                  <a:ext uri="{FF2B5EF4-FFF2-40B4-BE49-F238E27FC236}">
+                    <a16:creationId xmlns:a16="http://schemas.microsoft.com/office/drawing/2014/main" id="{8905451F-30E7-4079-AF0E-AC7D3B0151AF}"/>
+                  </a:ext>
+                </a:extLst>
+              </p:cNvPr>
+              <p:cNvSpPr txBox="1"/>
+              <p:nvPr/>
+            </p:nvSpPr>
+            <p:spPr>
+              <a:xfrm>
+                <a:off x="625041" y="6100397"/>
+                <a:ext cx="2661306" cy="325282"/>
+              </a:xfrm>
+              <a:prstGeom prst="rect">
+                <a:avLst/>
+              </a:prstGeom>
+              <a:noFill/>
+            </p:spPr>
+            <p:txBody>
+              <a:bodyPr wrap="none" lIns="0" tIns="0" rIns="0" bIns="0" rtlCol="0">
+                <a:spAutoFit/>
+              </a:bodyPr>
+              <a:lstStyle/>
+              <a:p>
+                <a14:m>
+                  <m:oMathPara xmlns:m="http://schemas.openxmlformats.org/officeDocument/2006/math">
+                    <m:oMathParaPr>
+                      <m:jc m:val="centerGroup"/>
+                    </m:oMathParaPr>
+                    <m:oMath xmlns:m="http://schemas.openxmlformats.org/officeDocument/2006/math">
+                      <m:r>
+                        <m:rPr>
+                          <m:nor/>
+                        </m:rPr>
+                        <a:rPr lang="en-US" altLang="zh-TW" b="0" i="0" smtClean="0">
+                          <a:latin typeface="Cambria Math" panose="02040503050406030204" pitchFamily="18" charset="0"/>
+                        </a:rPr>
+                        <m:t>-</m:t>
+                      </m:r>
+                      <m:r>
+                        <m:rPr>
+                          <m:nor/>
+                        </m:rPr>
+                        <a:rPr lang="en-US" altLang="zh-TW" b="0" i="0" smtClean="0">
+                          <a:latin typeface="Cambria Math" panose="02040503050406030204" pitchFamily="18" charset="0"/>
+                        </a:rPr>
+                        <m:t>M</m:t>
+                      </m:r>
+                      <m:r>
+                        <m:rPr>
+                          <m:nor/>
+                        </m:rPr>
+                        <a:rPr lang="en-US" altLang="zh-TW" b="0" i="0" smtClean="0">
+                          <a:latin typeface="Cambria Math" panose="02040503050406030204" pitchFamily="18" charset="0"/>
+                          <a:ea typeface="Cambria Math" panose="02040503050406030204" pitchFamily="18" charset="0"/>
+                        </a:rPr>
+                        <m:t>≤</m:t>
+                      </m:r>
+                      <m:sSub>
+                        <m:sSubPr>
+                          <m:ctrlPr>
+                            <a:rPr lang="en-US" altLang="zh-TW" i="1">
+                              <a:latin typeface="Cambria Math" panose="02040503050406030204" pitchFamily="18" charset="0"/>
+                              <a:ea typeface="Cambria Math" panose="02040503050406030204" pitchFamily="18" charset="0"/>
+                            </a:rPr>
+                          </m:ctrlPr>
+                        </m:sSubPr>
+                        <m:e>
+                          <m:r>
+                            <m:rPr>
+                              <m:nor/>
+                            </m:rPr>
+                            <a:rPr lang="en-US" altLang="zh-TW">
+                              <a:latin typeface="Cambria Math" panose="02040503050406030204" pitchFamily="18" charset="0"/>
+                              <a:ea typeface="Cambria Math" panose="02040503050406030204" pitchFamily="18" charset="0"/>
+                            </a:rPr>
+                            <m:t>x</m:t>
+                          </m:r>
+                        </m:e>
+                        <m:sub>
+                          <m:r>
+                            <m:rPr>
+                              <m:nor/>
+                            </m:rPr>
+                            <a:rPr lang="en-US" altLang="zh-TW" i="0">
+                              <a:latin typeface="Cambria Math" panose="02040503050406030204" pitchFamily="18" charset="0"/>
+                              <a:ea typeface="Cambria Math" panose="02040503050406030204" pitchFamily="18" charset="0"/>
+                            </a:rPr>
+                            <m:t>n</m:t>
+                          </m:r>
+                        </m:sub>
+                      </m:sSub>
+                      <m:r>
+                        <m:rPr>
+                          <m:nor/>
+                        </m:rPr>
+                        <a:rPr lang="en-US" altLang="zh-TW" i="0" smtClean="0">
+                          <a:latin typeface="Cambria Math" panose="02040503050406030204" pitchFamily="18" charset="0"/>
+                          <a:ea typeface="Cambria Math" panose="02040503050406030204" pitchFamily="18" charset="0"/>
+                        </a:rPr>
+                        <m:t>&lt;</m:t>
+                      </m:r>
+                      <m:r>
+                        <m:rPr>
+                          <m:nor/>
+                        </m:rPr>
+                        <a:rPr lang="en-US" altLang="zh-TW" b="0" i="0" smtClean="0">
+                          <a:latin typeface="Cambria Math" panose="02040503050406030204" pitchFamily="18" charset="0"/>
+                          <a:ea typeface="Cambria Math" panose="02040503050406030204" pitchFamily="18" charset="0"/>
+                        </a:rPr>
+                        <m:t>M</m:t>
+                      </m:r>
+                      <m:r>
+                        <m:rPr>
+                          <m:nor/>
+                        </m:rPr>
+                        <a:rPr lang="en-US" altLang="zh-TW" b="0" i="0" smtClean="0">
+                          <a:latin typeface="Cambria Math" panose="02040503050406030204" pitchFamily="18" charset="0"/>
+                          <a:ea typeface="Cambria Math" panose="02040503050406030204" pitchFamily="18" charset="0"/>
+                        </a:rPr>
+                        <m:t>: </m:t>
+                      </m:r>
+                      <m:sSub>
+                        <m:sSubPr>
+                          <m:ctrlPr>
+                            <a:rPr lang="en-US" altLang="zh-TW" b="0" i="1" smtClean="0">
+                              <a:latin typeface="Cambria Math" panose="02040503050406030204" pitchFamily="18" charset="0"/>
+                              <a:ea typeface="Cambria Math" panose="02040503050406030204" pitchFamily="18" charset="0"/>
+                            </a:rPr>
+                          </m:ctrlPr>
+                        </m:sSubPr>
+                        <m:e>
+                          <m:r>
+                            <m:rPr>
+                              <m:nor/>
+                            </m:rPr>
+                            <a:rPr lang="en-US" altLang="zh-TW" b="0" i="0" smtClean="0">
+                              <a:latin typeface="Cambria Math" panose="02040503050406030204" pitchFamily="18" charset="0"/>
+                              <a:ea typeface="Cambria Math" panose="02040503050406030204" pitchFamily="18" charset="0"/>
+                            </a:rPr>
+                            <m:t>E</m:t>
+                          </m:r>
+                        </m:e>
+                        <m:sub>
+                          <m:r>
+                            <m:rPr>
+                              <m:nor/>
+                            </m:rPr>
+                            <a:rPr lang="en-US" altLang="zh-TW" b="0" i="0" smtClean="0">
+                              <a:latin typeface="Cambria Math" panose="02040503050406030204" pitchFamily="18" charset="0"/>
+                              <a:ea typeface="Cambria Math" panose="02040503050406030204" pitchFamily="18" charset="0"/>
+                            </a:rPr>
+                            <m:t>x</m:t>
+                          </m:r>
+                        </m:sub>
+                      </m:sSub>
+                      <m:r>
+                        <m:rPr>
+                          <m:nor/>
+                        </m:rPr>
+                        <a:rPr lang="en-US" altLang="zh-TW" b="0" i="0" smtClean="0">
+                          <a:latin typeface="Cambria Math" panose="02040503050406030204" pitchFamily="18" charset="0"/>
+                          <a:ea typeface="Cambria Math" panose="02040503050406030204" pitchFamily="18" charset="0"/>
+                        </a:rPr>
+                        <m:t>=</m:t>
+                      </m:r>
+                      <m:sSup>
+                        <m:sSupPr>
+                          <m:ctrlPr>
+                            <a:rPr lang="en-US" altLang="zh-TW" b="0" i="1" smtClean="0">
+                              <a:latin typeface="Cambria Math" panose="02040503050406030204" pitchFamily="18" charset="0"/>
+                              <a:ea typeface="Cambria Math" panose="02040503050406030204" pitchFamily="18" charset="0"/>
+                            </a:rPr>
+                          </m:ctrlPr>
+                        </m:sSupPr>
+                        <m:e>
+                          <m:d>
+                            <m:dPr>
+                              <m:ctrlPr>
+                                <a:rPr lang="en-US" altLang="zh-TW" b="0" i="1" smtClean="0">
+                                  <a:latin typeface="Cambria Math" panose="02040503050406030204" pitchFamily="18" charset="0"/>
+                                  <a:ea typeface="Cambria Math" panose="02040503050406030204" pitchFamily="18" charset="0"/>
+                                </a:rPr>
+                              </m:ctrlPr>
+                            </m:dPr>
+                            <m:e>
+                              <m:r>
+                                <m:rPr>
+                                  <m:nor/>
+                                </m:rPr>
+                                <a:rPr lang="en-US" altLang="zh-TW" b="0" i="0" smtClean="0">
+                                  <a:latin typeface="Cambria Math" panose="02040503050406030204" pitchFamily="18" charset="0"/>
+                                  <a:ea typeface="Cambria Math" panose="02040503050406030204" pitchFamily="18" charset="0"/>
+                                </a:rPr>
+                                <m:t>2</m:t>
+                              </m:r>
+                              <m:r>
+                                <m:rPr>
+                                  <m:nor/>
+                                </m:rPr>
+                                <a:rPr lang="en-US" altLang="zh-TW" b="0" i="0" smtClean="0">
+                                  <a:latin typeface="Cambria Math" panose="02040503050406030204" pitchFamily="18" charset="0"/>
+                                  <a:ea typeface="Cambria Math" panose="02040503050406030204" pitchFamily="18" charset="0"/>
+                                </a:rPr>
+                                <m:t>M</m:t>
+                              </m:r>
+                            </m:e>
+                          </m:d>
+                        </m:e>
+                        <m:sup>
+                          <m:r>
+                            <m:rPr>
+                              <m:nor/>
+                            </m:rPr>
+                            <a:rPr lang="en-US" altLang="zh-TW" b="0" i="0" smtClean="0">
+                              <a:latin typeface="Cambria Math" panose="02040503050406030204" pitchFamily="18" charset="0"/>
+                              <a:ea typeface="Cambria Math" panose="02040503050406030204" pitchFamily="18" charset="0"/>
+                            </a:rPr>
+                            <m:t>2</m:t>
+                          </m:r>
+                        </m:sup>
+                      </m:sSup>
+                      <m:r>
+                        <m:rPr>
+                          <m:nor/>
+                        </m:rPr>
+                        <a:rPr lang="en-US" altLang="zh-TW" b="0" i="0" smtClean="0">
+                          <a:latin typeface="Cambria Math" panose="02040503050406030204" pitchFamily="18" charset="0"/>
+                          <a:ea typeface="Cambria Math" panose="02040503050406030204" pitchFamily="18" charset="0"/>
+                        </a:rPr>
+                        <m:t>/12</m:t>
+                      </m:r>
+                    </m:oMath>
+                  </m:oMathPara>
+                </a14:m>
+                <a:endParaRPr lang="zh-TW" altLang="en-US" dirty="0"/>
+              </a:p>
+            </p:txBody>
+          </p:sp>
+        </mc:Choice>
+        <mc:Fallback>
+          <p:sp>
+            <p:nvSpPr>
+              <p:cNvPr id="70" name="文字方塊 69">
+                <a:extLst>
+                  <a:ext uri="{FF2B5EF4-FFF2-40B4-BE49-F238E27FC236}">
+                    <a16:creationId xmlns:a16="http://schemas.microsoft.com/office/drawing/2014/main" id="{8905451F-30E7-4079-AF0E-AC7D3B0151AF}"/>
+                  </a:ext>
+                </a:extLst>
+              </p:cNvPr>
+              <p:cNvSpPr txBox="1">
+                <a:spLocks noRot="1" noChangeAspect="1" noMove="1" noResize="1" noEditPoints="1" noAdjustHandles="1" noChangeArrowheads="1" noChangeShapeType="1" noTextEdit="1"/>
+              </p:cNvSpPr>
+              <p:nvPr/>
+            </p:nvSpPr>
+            <p:spPr>
+              <a:xfrm>
+                <a:off x="625041" y="6100397"/>
+                <a:ext cx="2661306" cy="325282"/>
+              </a:xfrm>
+              <a:prstGeom prst="rect">
+                <a:avLst/>
+              </a:prstGeom>
+              <a:blipFill>
+                <a:blip r:embed="rId10"/>
+                <a:stretch>
+                  <a:fillRect t="-7547" r="-2982" b="-30189"/>
+                </a:stretch>
+              </a:blipFill>
+            </p:spPr>
+            <p:txBody>
+              <a:bodyPr/>
+              <a:lstStyle/>
+              <a:p>
+                <a:r>
+                  <a:rPr lang="zh-TW" altLang="en-US">
+                    <a:noFill/>
+                  </a:rPr>
+                  <a:t> </a:t>
+                </a:r>
+              </a:p>
+            </p:txBody>
+          </p:sp>
+        </mc:Fallback>
+      </mc:AlternateContent>
+      <p:sp>
+        <p:nvSpPr>
+          <p:cNvPr id="71" name="矩形 70">
+            <a:extLst>
+              <a:ext uri="{FF2B5EF4-FFF2-40B4-BE49-F238E27FC236}">
+                <a16:creationId xmlns:a16="http://schemas.microsoft.com/office/drawing/2014/main" id="{6136D413-29B1-4CA6-BE38-CAAEBDFB5AB8}"/>
+              </a:ext>
+            </a:extLst>
+          </p:cNvPr>
+          <p:cNvSpPr/>
+          <p:nvPr/>
+        </p:nvSpPr>
+        <p:spPr>
+          <a:xfrm>
+            <a:off x="9654179" y="4828097"/>
+            <a:ext cx="581600" cy="342525"/>
+          </a:xfrm>
+          <a:prstGeom prst="rect">
+            <a:avLst/>
+          </a:prstGeom>
+          <a:noFill/>
+          <a:ln w="19050">
+            <a:solidFill>
+              <a:schemeClr val="accent1"/>
+            </a:solidFill>
+          </a:ln>
+        </p:spPr>
+        <p:style>
+          <a:lnRef idx="2">
+            <a:schemeClr val="accent1">
+              <a:shade val="50000"/>
+            </a:schemeClr>
+          </a:lnRef>
+          <a:fillRef idx="1">
+            <a:schemeClr val="accent1"/>
+          </a:fillRef>
+          <a:effectRef idx="0">
+            <a:schemeClr val="accent1"/>
+          </a:effectRef>
+          <a:fontRef idx="minor">
+            <a:schemeClr val="lt1"/>
+          </a:fontRef>
+        </p:style>
+        <p:txBody>
+          <a:bodyPr rtlCol="0" anchor="ctr"/>
+          <a:lstStyle/>
+          <a:p>
+            <a:pPr algn="ctr"/>
+            <a:endParaRPr lang="zh-TW" altLang="en-US"/>
+          </a:p>
+        </p:txBody>
+      </p:sp>
+      <p:cxnSp>
+        <p:nvCxnSpPr>
+          <p:cNvPr id="72" name="直線單箭頭接點 71">
+            <a:extLst>
+              <a:ext uri="{FF2B5EF4-FFF2-40B4-BE49-F238E27FC236}">
+                <a16:creationId xmlns:a16="http://schemas.microsoft.com/office/drawing/2014/main" id="{9B37C942-B885-4E96-B513-1906EEC5E35A}"/>
+              </a:ext>
+            </a:extLst>
+          </p:cNvPr>
+          <p:cNvCxnSpPr>
+            <a:cxnSpLocks/>
+            <a:endCxn id="71" idx="0"/>
+          </p:cNvCxnSpPr>
+          <p:nvPr/>
+        </p:nvCxnSpPr>
+        <p:spPr>
+          <a:xfrm>
+            <a:off x="9944979" y="4552470"/>
+            <a:ext cx="0" cy="275627"/>
+          </a:xfrm>
+          <a:prstGeom prst="straightConnector1">
+            <a:avLst/>
+          </a:prstGeom>
+          <a:ln w="25400">
+            <a:solidFill>
+              <a:schemeClr val="tx1"/>
+            </a:solidFill>
+            <a:prstDash val="dash"/>
+            <a:tailEnd type="triangle"/>
+          </a:ln>
+        </p:spPr>
+        <p:style>
+          <a:lnRef idx="1">
+            <a:schemeClr val="accent1"/>
+          </a:lnRef>
+          <a:fillRef idx="0">
+            <a:schemeClr val="accent1"/>
+          </a:fillRef>
+          <a:effectRef idx="0">
+            <a:schemeClr val="accent1"/>
+          </a:effectRef>
+          <a:fontRef idx="minor">
+            <a:schemeClr val="tx1"/>
+          </a:fontRef>
+        </p:style>
+      </p:cxnSp>
+      <mc:AlternateContent xmlns:mc="http://schemas.openxmlformats.org/markup-compatibility/2006">
+        <mc:Choice xmlns:a14="http://schemas.microsoft.com/office/drawing/2010/main" Requires="a14">
+          <p:sp>
+            <p:nvSpPr>
+              <p:cNvPr id="75" name="文字方塊 74">
+                <a:extLst>
+                  <a:ext uri="{FF2B5EF4-FFF2-40B4-BE49-F238E27FC236}">
+                    <a16:creationId xmlns:a16="http://schemas.microsoft.com/office/drawing/2014/main" id="{8A81DA83-9A20-407C-AA77-BF4E46E04667}"/>
+                  </a:ext>
+                </a:extLst>
+              </p:cNvPr>
+              <p:cNvSpPr txBox="1"/>
+              <p:nvPr/>
+            </p:nvSpPr>
+            <p:spPr>
+              <a:xfrm>
+                <a:off x="9783236" y="4270910"/>
+                <a:ext cx="323486" cy="276999"/>
+              </a:xfrm>
+              <a:prstGeom prst="rect">
+                <a:avLst/>
+              </a:prstGeom>
+              <a:noFill/>
+            </p:spPr>
+            <p:txBody>
+              <a:bodyPr wrap="none" lIns="0" tIns="0" rIns="0" bIns="0" rtlCol="0">
+                <a:spAutoFit/>
+              </a:bodyPr>
+              <a:lstStyle/>
+              <a:p>
+                <a14:m>
+                  <m:oMathPara xmlns:m="http://schemas.openxmlformats.org/officeDocument/2006/math">
+                    <m:oMathParaPr>
+                      <m:jc m:val="centerGroup"/>
+                    </m:oMathParaPr>
+                    <m:oMath xmlns:m="http://schemas.openxmlformats.org/officeDocument/2006/math">
+                      <m:sSubSup>
+                        <m:sSubSupPr>
+                          <m:ctrlPr>
+                            <a:rPr lang="en-US" altLang="zh-TW" i="1" smtClean="0">
+                              <a:latin typeface="Cambria Math" panose="02040503050406030204" pitchFamily="18" charset="0"/>
+                            </a:rPr>
+                          </m:ctrlPr>
+                        </m:sSubSupPr>
+                        <m:e>
+                          <m:r>
+                            <a:rPr lang="zh-TW" altLang="en-US" i="1" smtClean="0">
+                              <a:latin typeface="Cambria Math" panose="02040503050406030204" pitchFamily="18" charset="0"/>
+                            </a:rPr>
+                            <m:t>𝜎</m:t>
+                          </m:r>
+                        </m:e>
+                        <m:sub>
+                          <m:r>
+                            <a:rPr lang="en-US" altLang="zh-TW" b="0" i="1" smtClean="0">
+                              <a:latin typeface="Cambria Math" panose="02040503050406030204" pitchFamily="18" charset="0"/>
+                            </a:rPr>
+                            <m:t>𝑤</m:t>
+                          </m:r>
+                        </m:sub>
+                        <m:sup>
+                          <m:r>
+                            <a:rPr lang="en-US" altLang="zh-TW" b="0" i="1" smtClean="0">
+                              <a:latin typeface="Cambria Math" panose="02040503050406030204" pitchFamily="18" charset="0"/>
+                            </a:rPr>
+                            <m:t>2</m:t>
+                          </m:r>
+                        </m:sup>
+                      </m:sSubSup>
+                    </m:oMath>
+                  </m:oMathPara>
+                </a14:m>
+                <a:endParaRPr lang="zh-TW" altLang="en-US" dirty="0"/>
+              </a:p>
+            </p:txBody>
+          </p:sp>
+        </mc:Choice>
+        <mc:Fallback>
+          <p:sp>
+            <p:nvSpPr>
+              <p:cNvPr id="75" name="文字方塊 74">
+                <a:extLst>
+                  <a:ext uri="{FF2B5EF4-FFF2-40B4-BE49-F238E27FC236}">
+                    <a16:creationId xmlns:a16="http://schemas.microsoft.com/office/drawing/2014/main" id="{8A81DA83-9A20-407C-AA77-BF4E46E04667}"/>
+                  </a:ext>
+                </a:extLst>
+              </p:cNvPr>
+              <p:cNvSpPr txBox="1">
+                <a:spLocks noRot="1" noChangeAspect="1" noMove="1" noResize="1" noEditPoints="1" noAdjustHandles="1" noChangeArrowheads="1" noChangeShapeType="1" noTextEdit="1"/>
+              </p:cNvSpPr>
+              <p:nvPr/>
+            </p:nvSpPr>
+            <p:spPr>
+              <a:xfrm>
+                <a:off x="9783236" y="4270910"/>
+                <a:ext cx="323486" cy="276999"/>
+              </a:xfrm>
+              <a:prstGeom prst="rect">
+                <a:avLst/>
+              </a:prstGeom>
+              <a:blipFill>
+                <a:blip r:embed="rId11"/>
+                <a:stretch>
+                  <a:fillRect l="-11321" t="-4444" b="-11111"/>
+                </a:stretch>
+              </a:blipFill>
+            </p:spPr>
+            <p:txBody>
+              <a:bodyPr/>
+              <a:lstStyle/>
+              <a:p>
+                <a:r>
+                  <a:rPr lang="zh-TW" altLang="en-US">
+                    <a:noFill/>
+                  </a:rPr>
+                  <a:t> </a:t>
+                </a:r>
+              </a:p>
+            </p:txBody>
+          </p:sp>
+        </mc:Fallback>
+      </mc:AlternateContent>
+      <mc:AlternateContent xmlns:mc="http://schemas.openxmlformats.org/markup-compatibility/2006">
+        <mc:Choice xmlns:a14="http://schemas.microsoft.com/office/drawing/2010/main" Requires="a14">
+          <p:sp>
+            <p:nvSpPr>
+              <p:cNvPr id="76" name="文字方塊 75">
+                <a:extLst>
+                  <a:ext uri="{FF2B5EF4-FFF2-40B4-BE49-F238E27FC236}">
+                    <a16:creationId xmlns:a16="http://schemas.microsoft.com/office/drawing/2014/main" id="{4E41C262-512B-40D5-8B7F-326374254A42}"/>
+                  </a:ext>
+                </a:extLst>
+              </p:cNvPr>
+              <p:cNvSpPr txBox="1"/>
+              <p:nvPr/>
+            </p:nvSpPr>
+            <p:spPr>
+              <a:xfrm>
+                <a:off x="4575037" y="6034312"/>
+                <a:ext cx="2550007" cy="475579"/>
+              </a:xfrm>
+              <a:prstGeom prst="rect">
+                <a:avLst/>
+              </a:prstGeom>
+              <a:solidFill>
+                <a:schemeClr val="accent6">
+                  <a:lumMod val="40000"/>
+                  <a:lumOff val="60000"/>
+                </a:schemeClr>
+              </a:solidFill>
+            </p:spPr>
+            <p:txBody>
+              <a:bodyPr wrap="square" lIns="0" tIns="0" rIns="0" bIns="0" rtlCol="0">
+                <a:spAutoFit/>
+              </a:bodyPr>
+              <a:lstStyle/>
+              <a:p>
+                <a14:m>
+                  <m:oMathPara xmlns:m="http://schemas.openxmlformats.org/officeDocument/2006/math">
+                    <m:oMathParaPr>
+                      <m:jc m:val="centerGroup"/>
+                    </m:oMathParaPr>
+                    <m:oMath xmlns:m="http://schemas.openxmlformats.org/officeDocument/2006/math">
+                      <m:r>
+                        <a:rPr lang="en-US" altLang="zh-TW" b="0" i="1" smtClean="0">
+                          <a:latin typeface="Cambria Math" panose="02040503050406030204" pitchFamily="18" charset="0"/>
+                        </a:rPr>
+                        <m:t>𝑆𝑁𝑅</m:t>
+                      </m:r>
+                      <m:r>
+                        <a:rPr lang="en-US" altLang="zh-TW" b="0" i="1" smtClean="0">
+                          <a:latin typeface="Cambria Math" panose="02040503050406030204" pitchFamily="18" charset="0"/>
+                          <a:ea typeface="Cambria Math" panose="02040503050406030204" pitchFamily="18" charset="0"/>
+                        </a:rPr>
+                        <m:t>≡</m:t>
+                      </m:r>
+                      <m:f>
+                        <m:fPr>
+                          <m:type m:val="skw"/>
+                          <m:ctrlPr>
+                            <a:rPr lang="en-US" altLang="zh-TW" b="0" i="1" smtClean="0">
+                              <a:latin typeface="Cambria Math" panose="02040503050406030204" pitchFamily="18" charset="0"/>
+                              <a:ea typeface="Cambria Math" panose="02040503050406030204" pitchFamily="18" charset="0"/>
+                            </a:rPr>
+                          </m:ctrlPr>
+                        </m:fPr>
+                        <m:num>
+                          <m:sSub>
+                            <m:sSubPr>
+                              <m:ctrlPr>
+                                <a:rPr lang="en-US" altLang="zh-TW" b="0" i="1" smtClean="0">
+                                  <a:latin typeface="Cambria Math" panose="02040503050406030204" pitchFamily="18" charset="0"/>
+                                  <a:ea typeface="Cambria Math" panose="02040503050406030204" pitchFamily="18" charset="0"/>
+                                </a:rPr>
+                              </m:ctrlPr>
+                            </m:sSubPr>
+                            <m:e>
+                              <m:r>
+                                <a:rPr lang="en-US" altLang="zh-TW" b="0" i="1" smtClean="0">
+                                  <a:latin typeface="Cambria Math" panose="02040503050406030204" pitchFamily="18" charset="0"/>
+                                  <a:ea typeface="Cambria Math" panose="02040503050406030204" pitchFamily="18" charset="0"/>
+                                </a:rPr>
+                                <m:t>𝐸</m:t>
+                              </m:r>
+                            </m:e>
+                            <m:sub>
+                              <m:r>
+                                <a:rPr lang="en-US" altLang="zh-TW" b="0" i="1" smtClean="0">
+                                  <a:latin typeface="Cambria Math" panose="02040503050406030204" pitchFamily="18" charset="0"/>
+                                  <a:ea typeface="Cambria Math" panose="02040503050406030204" pitchFamily="18" charset="0"/>
+                                </a:rPr>
+                                <m:t>𝑥</m:t>
+                              </m:r>
+                            </m:sub>
+                          </m:sSub>
+                        </m:num>
+                        <m:den>
+                          <m:sSubSup>
+                            <m:sSubSupPr>
+                              <m:ctrlPr>
+                                <a:rPr lang="en-US" altLang="zh-TW" i="1">
+                                  <a:latin typeface="Cambria Math" panose="02040503050406030204" pitchFamily="18" charset="0"/>
+                                </a:rPr>
+                              </m:ctrlPr>
+                            </m:sSubSupPr>
+                            <m:e>
+                              <m:r>
+                                <a:rPr lang="zh-TW" altLang="en-US" i="1">
+                                  <a:latin typeface="Cambria Math" panose="02040503050406030204" pitchFamily="18" charset="0"/>
+                                </a:rPr>
+                                <m:t>𝜎</m:t>
+                              </m:r>
+                            </m:e>
+                            <m:sub>
+                              <m:r>
+                                <a:rPr lang="en-US" altLang="zh-TW" i="1">
+                                  <a:latin typeface="Cambria Math" panose="02040503050406030204" pitchFamily="18" charset="0"/>
+                                </a:rPr>
+                                <m:t>𝑤</m:t>
+                              </m:r>
+                            </m:sub>
+                            <m:sup>
+                              <m:r>
+                                <a:rPr lang="en-US" altLang="zh-TW" i="1">
+                                  <a:latin typeface="Cambria Math" panose="02040503050406030204" pitchFamily="18" charset="0"/>
+                                </a:rPr>
+                                <m:t>2</m:t>
+                              </m:r>
+                            </m:sup>
+                          </m:sSubSup>
+                        </m:den>
+                      </m:f>
+                    </m:oMath>
+                  </m:oMathPara>
+                </a14:m>
+                <a:endParaRPr lang="zh-TW" altLang="en-US" dirty="0"/>
+              </a:p>
+            </p:txBody>
+          </p:sp>
+        </mc:Choice>
+        <mc:Fallback>
+          <p:sp>
+            <p:nvSpPr>
+              <p:cNvPr id="76" name="文字方塊 75">
+                <a:extLst>
+                  <a:ext uri="{FF2B5EF4-FFF2-40B4-BE49-F238E27FC236}">
+                    <a16:creationId xmlns:a16="http://schemas.microsoft.com/office/drawing/2014/main" id="{4E41C262-512B-40D5-8B7F-326374254A42}"/>
+                  </a:ext>
+                </a:extLst>
+              </p:cNvPr>
+              <p:cNvSpPr txBox="1">
+                <a:spLocks noRot="1" noChangeAspect="1" noMove="1" noResize="1" noEditPoints="1" noAdjustHandles="1" noChangeArrowheads="1" noChangeShapeType="1" noTextEdit="1"/>
+              </p:cNvSpPr>
+              <p:nvPr/>
+            </p:nvSpPr>
+            <p:spPr>
+              <a:xfrm>
+                <a:off x="4575037" y="6034312"/>
+                <a:ext cx="2550007" cy="475579"/>
+              </a:xfrm>
+              <a:prstGeom prst="rect">
+                <a:avLst/>
+              </a:prstGeom>
+              <a:blipFill>
+                <a:blip r:embed="rId12"/>
+                <a:stretch>
+                  <a:fillRect/>
+                </a:stretch>
+              </a:blipFill>
+            </p:spPr>
+            <p:txBody>
+              <a:bodyPr/>
+              <a:lstStyle/>
+              <a:p>
+                <a:r>
+                  <a:rPr lang="zh-TW" altLang="en-US">
+                    <a:noFill/>
+                  </a:rPr>
+                  <a:t> </a:t>
+                </a:r>
+              </a:p>
+            </p:txBody>
+          </p:sp>
+        </mc:Fallback>
+      </mc:AlternateContent>
+    </p:spTree>
+    <p:extLst>
+      <p:ext uri="{BB962C8B-B14F-4D97-AF65-F5344CB8AC3E}">
+        <p14:creationId xmlns:p14="http://schemas.microsoft.com/office/powerpoint/2010/main" val="3631174005"/>
+      </p:ext>
+    </p:extLst>
+  </p:cSld>
+  <p:clrMapOvr>
+    <a:masterClrMapping/>
+  </p:clrMapOvr>
+</p:sld>
+</file>
+
+<file path=ppt/slides/slide4.xml><?xml version="1.0" encoding="utf-8"?>
+<p:sld xmlns:a="http://schemas.openxmlformats.org/drawingml/2006/main" xmlns:r="http://schemas.openxmlformats.org/officeDocument/2006/relationships" xmlns:p="http://schemas.openxmlformats.org/presentationml/2006/main">
+  <p:cSld>
+    <p:spTree>
+      <p:nvGrpSpPr>
+        <p:cNvPr id="1" name=""/>
+        <p:cNvGrpSpPr/>
+        <p:nvPr/>
+      </p:nvGrpSpPr>
+      <p:grpSpPr>
+        <a:xfrm>
+          <a:off x="0" y="0"/>
+          <a:ext cx="0" cy="0"/>
+          <a:chOff x="0" y="0"/>
+          <a:chExt cx="0" cy="0"/>
+        </a:xfrm>
+      </p:grpSpPr>
+      <p:sp>
+        <p:nvSpPr>
+          <p:cNvPr id="2" name="標題 1">
+            <a:extLst>
+              <a:ext uri="{FF2B5EF4-FFF2-40B4-BE49-F238E27FC236}">
+                <a16:creationId xmlns:a16="http://schemas.microsoft.com/office/drawing/2014/main" id="{2D900373-9924-6E69-DDEB-B06BF85A289F}"/>
+              </a:ext>
+            </a:extLst>
+          </p:cNvPr>
+          <p:cNvSpPr>
+            <a:spLocks noGrp="1"/>
+          </p:cNvSpPr>
+          <p:nvPr>
+            <p:ph type="title"/>
+          </p:nvPr>
+        </p:nvSpPr>
+        <p:spPr/>
+        <p:txBody>
           <a:bodyPr>
             <a:normAutofit/>
           </a:bodyPr>
@@ -4023,7 +8575,7 @@
           <a:bodyPr/>
           <a:lstStyle/>
           <a:p>
-            <a:endParaRPr lang="zh-TW" altLang="en-US"/>
+            <a:endParaRPr lang="zh-TW" altLang="en-US" dirty="0"/>
           </a:p>
         </p:txBody>
       </p:sp>
@@ -4051,16 +8603,2856 @@
             <a:fld id="{5357535F-E6DD-4F6C-B8A3-03278B2FADD3}" type="slidenum">
               <a:rPr lang="zh-TW" altLang="en-US" smtClean="0"/>
               <a:pPr/>
-              <a:t>3</a:t>
+              <a:t>4</a:t>
             </a:fld>
             <a:endParaRPr lang="zh-TW" altLang="en-US" dirty="0"/>
           </a:p>
         </p:txBody>
       </p:sp>
+      <p:pic>
+        <p:nvPicPr>
+          <p:cNvPr id="5" name="圖片 4">
+            <a:extLst>
+              <a:ext uri="{FF2B5EF4-FFF2-40B4-BE49-F238E27FC236}">
+                <a16:creationId xmlns:a16="http://schemas.microsoft.com/office/drawing/2014/main" id="{B333C46D-494D-4EDF-B055-E461CC42EA35}"/>
+              </a:ext>
+            </a:extLst>
+          </p:cNvPr>
+          <p:cNvPicPr>
+            <a:picLocks noChangeAspect="1"/>
+          </p:cNvPicPr>
+          <p:nvPr/>
+        </p:nvPicPr>
+        <p:blipFill>
+          <a:blip r:embed="rId2"/>
+          <a:stretch>
+            <a:fillRect/>
+          </a:stretch>
+        </p:blipFill>
+        <p:spPr>
+          <a:xfrm>
+            <a:off x="2504890" y="1690688"/>
+            <a:ext cx="7182219" cy="3626036"/>
+          </a:xfrm>
+          <a:prstGeom prst="rect">
+            <a:avLst/>
+          </a:prstGeom>
+        </p:spPr>
+      </p:pic>
+      <mc:AlternateContent xmlns:mc="http://schemas.openxmlformats.org/markup-compatibility/2006">
+        <mc:Choice xmlns:a14="http://schemas.microsoft.com/office/drawing/2010/main" Requires="a14">
+          <p:sp>
+            <p:nvSpPr>
+              <p:cNvPr id="6" name="文字方塊 5">
+                <a:extLst>
+                  <a:ext uri="{FF2B5EF4-FFF2-40B4-BE49-F238E27FC236}">
+                    <a16:creationId xmlns:a16="http://schemas.microsoft.com/office/drawing/2014/main" id="{A402CBD9-CB67-4888-947B-E772B549440D}"/>
+                  </a:ext>
+                </a:extLst>
+              </p:cNvPr>
+              <p:cNvSpPr txBox="1"/>
+              <p:nvPr/>
+            </p:nvSpPr>
+            <p:spPr>
+              <a:xfrm>
+                <a:off x="2907406" y="5327061"/>
+                <a:ext cx="2118209" cy="553998"/>
+              </a:xfrm>
+              <a:prstGeom prst="rect">
+                <a:avLst/>
+              </a:prstGeom>
+              <a:solidFill>
+                <a:schemeClr val="accent6">
+                  <a:lumMod val="40000"/>
+                  <a:lumOff val="60000"/>
+                </a:schemeClr>
+              </a:solidFill>
+            </p:spPr>
+            <p:txBody>
+              <a:bodyPr wrap="none" lIns="0" tIns="0" rIns="0" bIns="0" rtlCol="0">
+                <a:spAutoFit/>
+              </a:bodyPr>
+              <a:lstStyle/>
+              <a:p>
+                <a14:m>
+                  <m:oMathPara xmlns:m="http://schemas.openxmlformats.org/officeDocument/2006/math">
+                    <m:oMathParaPr>
+                      <m:jc m:val="centerGroup"/>
+                    </m:oMathParaPr>
+                    <m:oMath xmlns:m="http://schemas.openxmlformats.org/officeDocument/2006/math">
+                      <m:f>
+                        <m:fPr>
+                          <m:type m:val="lin"/>
+                          <m:ctrlPr>
+                            <a:rPr lang="zh-TW" altLang="en-US" i="1" smtClean="0">
+                              <a:latin typeface="Cambria Math" panose="02040503050406030204" pitchFamily="18" charset="0"/>
+                            </a:rPr>
+                          </m:ctrlPr>
+                        </m:fPr>
+                        <m:num>
+                          <m:sSub>
+                            <m:sSubPr>
+                              <m:ctrlPr>
+                                <a:rPr lang="en-US" altLang="zh-TW" i="1" smtClean="0">
+                                  <a:latin typeface="Cambria Math" panose="02040503050406030204" pitchFamily="18" charset="0"/>
+                                </a:rPr>
+                              </m:ctrlPr>
+                            </m:sSubPr>
+                            <m:e>
+                              <m:r>
+                                <a:rPr lang="en-US" altLang="zh-TW" b="0" i="1" smtClean="0">
+                                  <a:latin typeface="Cambria Math" panose="02040503050406030204" pitchFamily="18" charset="0"/>
+                                </a:rPr>
+                                <m:t>𝐸</m:t>
+                              </m:r>
+                            </m:e>
+                            <m:sub>
+                              <m:r>
+                                <a:rPr lang="en-US" altLang="zh-TW" b="0" i="1" smtClean="0">
+                                  <a:latin typeface="Cambria Math" panose="02040503050406030204" pitchFamily="18" charset="0"/>
+                                </a:rPr>
+                                <m:t>𝑥</m:t>
+                              </m:r>
+                            </m:sub>
+                          </m:sSub>
+                        </m:num>
+                        <m:den>
+                          <m:sSubSup>
+                            <m:sSubSupPr>
+                              <m:ctrlPr>
+                                <a:rPr lang="en-US" altLang="zh-TW" i="1" smtClean="0">
+                                  <a:latin typeface="Cambria Math" panose="02040503050406030204" pitchFamily="18" charset="0"/>
+                                </a:rPr>
+                              </m:ctrlPr>
+                            </m:sSubSupPr>
+                            <m:e>
+                              <m:r>
+                                <a:rPr lang="en-US" altLang="zh-TW" i="1" smtClean="0">
+                                  <a:latin typeface="Cambria Math" panose="02040503050406030204" pitchFamily="18" charset="0"/>
+                                  <a:ea typeface="Cambria Math" panose="02040503050406030204" pitchFamily="18" charset="0"/>
+                                </a:rPr>
+                                <m:t>∆</m:t>
+                              </m:r>
+                            </m:e>
+                            <m:sub>
+                              <m:r>
+                                <a:rPr lang="en-US" altLang="zh-TW" b="0" i="1" smtClean="0">
+                                  <a:latin typeface="Cambria Math" panose="02040503050406030204" pitchFamily="18" charset="0"/>
+                                </a:rPr>
+                                <m:t>0</m:t>
+                              </m:r>
+                            </m:sub>
+                            <m:sup>
+                              <m:r>
+                                <a:rPr lang="en-US" altLang="zh-TW" b="0" i="1" smtClean="0">
+                                  <a:latin typeface="Cambria Math" panose="02040503050406030204" pitchFamily="18" charset="0"/>
+                                </a:rPr>
+                                <m:t>2</m:t>
+                              </m:r>
+                            </m:sup>
+                          </m:sSubSup>
+                          <m:r>
+                            <a:rPr lang="en-US" altLang="zh-TW" b="0" i="1" smtClean="0">
+                              <a:latin typeface="Cambria Math" panose="02040503050406030204" pitchFamily="18" charset="0"/>
+                            </a:rPr>
+                            <m:t>=</m:t>
+                          </m:r>
+                          <m:f>
+                            <m:fPr>
+                              <m:ctrlPr>
+                                <a:rPr lang="en-US" altLang="zh-TW" b="0" i="1" smtClean="0">
+                                  <a:latin typeface="Cambria Math" panose="02040503050406030204" pitchFamily="18" charset="0"/>
+                                </a:rPr>
+                              </m:ctrlPr>
+                            </m:fPr>
+                            <m:num>
+                              <m:sSup>
+                                <m:sSupPr>
+                                  <m:ctrlPr>
+                                    <a:rPr lang="en-US" altLang="zh-TW" b="0" i="1" smtClean="0">
+                                      <a:latin typeface="Cambria Math" panose="02040503050406030204" pitchFamily="18" charset="0"/>
+                                    </a:rPr>
+                                  </m:ctrlPr>
+                                </m:sSupPr>
+                                <m:e>
+                                  <m:r>
+                                    <a:rPr lang="en-US" altLang="zh-TW" b="0" i="1" smtClean="0">
+                                      <a:latin typeface="Cambria Math" panose="02040503050406030204" pitchFamily="18" charset="0"/>
+                                    </a:rPr>
+                                    <m:t>24</m:t>
+                                  </m:r>
+                                </m:e>
+                                <m:sup>
+                                  <m:r>
+                                    <a:rPr lang="en-US" altLang="zh-TW" b="0" i="1" smtClean="0">
+                                      <a:latin typeface="Cambria Math" panose="02040503050406030204" pitchFamily="18" charset="0"/>
+                                    </a:rPr>
+                                    <m:t>2</m:t>
+                                  </m:r>
+                                </m:sup>
+                              </m:sSup>
+                            </m:num>
+                            <m:den>
+                              <m:r>
+                                <a:rPr lang="en-US" altLang="zh-TW" b="0" i="1" smtClean="0">
+                                  <a:latin typeface="Cambria Math" panose="02040503050406030204" pitchFamily="18" charset="0"/>
+                                </a:rPr>
+                                <m:t>12</m:t>
+                              </m:r>
+                              <m:r>
+                                <a:rPr lang="en-US" altLang="zh-TW" b="0" i="1" smtClean="0">
+                                  <a:latin typeface="Cambria Math" panose="02040503050406030204" pitchFamily="18" charset="0"/>
+                                  <a:ea typeface="Cambria Math" panose="02040503050406030204" pitchFamily="18" charset="0"/>
+                                </a:rPr>
+                                <m:t>×4</m:t>
+                              </m:r>
+                            </m:den>
+                          </m:f>
+                          <m:r>
+                            <a:rPr lang="en-US" altLang="zh-TW" b="0" i="1" smtClean="0">
+                              <a:latin typeface="Cambria Math" panose="02040503050406030204" pitchFamily="18" charset="0"/>
+                            </a:rPr>
+                            <m:t>=12</m:t>
+                          </m:r>
+                        </m:den>
+                      </m:f>
+                    </m:oMath>
+                  </m:oMathPara>
+                </a14:m>
+                <a:endParaRPr lang="zh-TW" altLang="en-US" dirty="0"/>
+              </a:p>
+            </p:txBody>
+          </p:sp>
+        </mc:Choice>
+        <mc:Fallback>
+          <p:sp>
+            <p:nvSpPr>
+              <p:cNvPr id="6" name="文字方塊 5">
+                <a:extLst>
+                  <a:ext uri="{FF2B5EF4-FFF2-40B4-BE49-F238E27FC236}">
+                    <a16:creationId xmlns:a16="http://schemas.microsoft.com/office/drawing/2014/main" id="{A402CBD9-CB67-4888-947B-E772B549440D}"/>
+                  </a:ext>
+                </a:extLst>
+              </p:cNvPr>
+              <p:cNvSpPr txBox="1">
+                <a:spLocks noRot="1" noChangeAspect="1" noMove="1" noResize="1" noEditPoints="1" noAdjustHandles="1" noChangeArrowheads="1" noChangeShapeType="1" noTextEdit="1"/>
+              </p:cNvSpPr>
+              <p:nvPr/>
+            </p:nvSpPr>
+            <p:spPr>
+              <a:xfrm>
+                <a:off x="2907406" y="5327061"/>
+                <a:ext cx="2118209" cy="553998"/>
+              </a:xfrm>
+              <a:prstGeom prst="rect">
+                <a:avLst/>
+              </a:prstGeom>
+              <a:blipFill>
+                <a:blip r:embed="rId3"/>
+                <a:stretch>
+                  <a:fillRect/>
+                </a:stretch>
+              </a:blipFill>
+            </p:spPr>
+            <p:txBody>
+              <a:bodyPr/>
+              <a:lstStyle/>
+              <a:p>
+                <a:r>
+                  <a:rPr lang="zh-TW" altLang="en-US">
+                    <a:noFill/>
+                  </a:rPr>
+                  <a:t> </a:t>
+                </a:r>
+              </a:p>
+            </p:txBody>
+          </p:sp>
+        </mc:Fallback>
+      </mc:AlternateContent>
+      <mc:AlternateContent xmlns:mc="http://schemas.openxmlformats.org/markup-compatibility/2006">
+        <mc:Choice xmlns:a14="http://schemas.microsoft.com/office/drawing/2010/main" Requires="a14">
+          <p:sp>
+            <p:nvSpPr>
+              <p:cNvPr id="7" name="文字方塊 6">
+                <a:extLst>
+                  <a:ext uri="{FF2B5EF4-FFF2-40B4-BE49-F238E27FC236}">
+                    <a16:creationId xmlns:a16="http://schemas.microsoft.com/office/drawing/2014/main" id="{1BE8988D-8B6F-4C9A-AFF2-C67ED712D872}"/>
+                  </a:ext>
+                </a:extLst>
+              </p:cNvPr>
+              <p:cNvSpPr txBox="1"/>
+              <p:nvPr/>
+            </p:nvSpPr>
+            <p:spPr>
+              <a:xfrm>
+                <a:off x="7007180" y="5327061"/>
+                <a:ext cx="2551019" cy="555793"/>
+              </a:xfrm>
+              <a:prstGeom prst="rect">
+                <a:avLst/>
+              </a:prstGeom>
+              <a:solidFill>
+                <a:schemeClr val="accent6">
+                  <a:lumMod val="40000"/>
+                  <a:lumOff val="60000"/>
+                </a:schemeClr>
+              </a:solidFill>
+            </p:spPr>
+            <p:txBody>
+              <a:bodyPr wrap="none" lIns="0" tIns="0" rIns="0" bIns="0" rtlCol="0">
+                <a:spAutoFit/>
+              </a:bodyPr>
+              <a:lstStyle/>
+              <a:p>
+                <a14:m>
+                  <m:oMathPara xmlns:m="http://schemas.openxmlformats.org/officeDocument/2006/math">
+                    <m:oMathParaPr>
+                      <m:jc m:val="centerGroup"/>
+                    </m:oMathParaPr>
+                    <m:oMath xmlns:m="http://schemas.openxmlformats.org/officeDocument/2006/math">
+                      <m:f>
+                        <m:fPr>
+                          <m:type m:val="lin"/>
+                          <m:ctrlPr>
+                            <a:rPr lang="zh-TW" altLang="en-US" i="1" smtClean="0">
+                              <a:latin typeface="Cambria Math" panose="02040503050406030204" pitchFamily="18" charset="0"/>
+                            </a:rPr>
+                          </m:ctrlPr>
+                        </m:fPr>
+                        <m:num>
+                          <m:sSub>
+                            <m:sSubPr>
+                              <m:ctrlPr>
+                                <a:rPr lang="en-US" altLang="zh-TW" i="1" smtClean="0">
+                                  <a:latin typeface="Cambria Math" panose="02040503050406030204" pitchFamily="18" charset="0"/>
+                                </a:rPr>
+                              </m:ctrlPr>
+                            </m:sSubPr>
+                            <m:e>
+                              <m:r>
+                                <a:rPr lang="en-US" altLang="zh-TW" b="0" i="1" smtClean="0">
+                                  <a:latin typeface="Cambria Math" panose="02040503050406030204" pitchFamily="18" charset="0"/>
+                                </a:rPr>
+                                <m:t>𝐸</m:t>
+                              </m:r>
+                            </m:e>
+                            <m:sub>
+                              <m:r>
+                                <a:rPr lang="en-US" altLang="zh-TW" b="0" i="1" smtClean="0">
+                                  <a:latin typeface="Cambria Math" panose="02040503050406030204" pitchFamily="18" charset="0"/>
+                                </a:rPr>
+                                <m:t>𝑥</m:t>
+                              </m:r>
+                            </m:sub>
+                          </m:sSub>
+                        </m:num>
+                        <m:den>
+                          <m:sSubSup>
+                            <m:sSubSupPr>
+                              <m:ctrlPr>
+                                <a:rPr lang="en-US" altLang="zh-TW" i="1" smtClean="0">
+                                  <a:latin typeface="Cambria Math" panose="02040503050406030204" pitchFamily="18" charset="0"/>
+                                </a:rPr>
+                              </m:ctrlPr>
+                            </m:sSubSupPr>
+                            <m:e>
+                              <m:r>
+                                <a:rPr lang="en-US" altLang="zh-TW" i="1" smtClean="0">
+                                  <a:latin typeface="Cambria Math" panose="02040503050406030204" pitchFamily="18" charset="0"/>
+                                  <a:ea typeface="Cambria Math" panose="02040503050406030204" pitchFamily="18" charset="0"/>
+                                </a:rPr>
+                                <m:t>∆</m:t>
+                              </m:r>
+                            </m:e>
+                            <m:sub>
+                              <m:r>
+                                <a:rPr lang="en-US" altLang="zh-TW" b="0" i="1" smtClean="0">
+                                  <a:latin typeface="Cambria Math" panose="02040503050406030204" pitchFamily="18" charset="0"/>
+                                </a:rPr>
+                                <m:t>0</m:t>
+                              </m:r>
+                            </m:sub>
+                            <m:sup>
+                              <m:r>
+                                <a:rPr lang="en-US" altLang="zh-TW" b="0" i="1" smtClean="0">
+                                  <a:latin typeface="Cambria Math" panose="02040503050406030204" pitchFamily="18" charset="0"/>
+                                </a:rPr>
+                                <m:t>2</m:t>
+                              </m:r>
+                            </m:sup>
+                          </m:sSubSup>
+                          <m:r>
+                            <a:rPr lang="en-US" altLang="zh-TW" b="0" i="1" smtClean="0">
+                              <a:latin typeface="Cambria Math" panose="02040503050406030204" pitchFamily="18" charset="0"/>
+                            </a:rPr>
+                            <m:t>=</m:t>
+                          </m:r>
+                          <m:f>
+                            <m:fPr>
+                              <m:ctrlPr>
+                                <a:rPr lang="en-US" altLang="zh-TW" b="0" i="1" smtClean="0">
+                                  <a:latin typeface="Cambria Math" panose="02040503050406030204" pitchFamily="18" charset="0"/>
+                                </a:rPr>
+                              </m:ctrlPr>
+                            </m:fPr>
+                            <m:num>
+                              <m:sSup>
+                                <m:sSupPr>
+                                  <m:ctrlPr>
+                                    <a:rPr lang="en-US" altLang="zh-TW" b="0" i="1" smtClean="0">
+                                      <a:latin typeface="Cambria Math" panose="02040503050406030204" pitchFamily="18" charset="0"/>
+                                    </a:rPr>
+                                  </m:ctrlPr>
+                                </m:sSupPr>
+                                <m:e>
+                                  <m:r>
+                                    <a:rPr lang="en-US" altLang="zh-TW" b="0" i="1" smtClean="0">
+                                      <a:latin typeface="Cambria Math" panose="02040503050406030204" pitchFamily="18" charset="0"/>
+                                    </a:rPr>
+                                    <m:t>32</m:t>
+                                  </m:r>
+                                </m:e>
+                                <m:sup>
+                                  <m:r>
+                                    <a:rPr lang="en-US" altLang="zh-TW" b="0" i="1" smtClean="0">
+                                      <a:latin typeface="Cambria Math" panose="02040503050406030204" pitchFamily="18" charset="0"/>
+                                    </a:rPr>
+                                    <m:t>2</m:t>
+                                  </m:r>
+                                </m:sup>
+                              </m:sSup>
+                            </m:num>
+                            <m:den>
+                              <m:r>
+                                <a:rPr lang="en-US" altLang="zh-TW" b="0" i="1" smtClean="0">
+                                  <a:latin typeface="Cambria Math" panose="02040503050406030204" pitchFamily="18" charset="0"/>
+                                </a:rPr>
+                                <m:t>12</m:t>
+                              </m:r>
+                              <m:r>
+                                <a:rPr lang="en-US" altLang="zh-TW" b="0" i="1" smtClean="0">
+                                  <a:latin typeface="Cambria Math" panose="02040503050406030204" pitchFamily="18" charset="0"/>
+                                  <a:ea typeface="Cambria Math" panose="02040503050406030204" pitchFamily="18" charset="0"/>
+                                </a:rPr>
+                                <m:t>×8</m:t>
+                              </m:r>
+                            </m:den>
+                          </m:f>
+                          <m:r>
+                            <a:rPr lang="en-US" altLang="zh-TW" b="0" i="1" smtClean="0">
+                              <a:latin typeface="Cambria Math" panose="02040503050406030204" pitchFamily="18" charset="0"/>
+                            </a:rPr>
+                            <m:t>=10.666</m:t>
+                          </m:r>
+                        </m:den>
+                      </m:f>
+                    </m:oMath>
+                  </m:oMathPara>
+                </a14:m>
+                <a:endParaRPr lang="zh-TW" altLang="en-US" dirty="0"/>
+              </a:p>
+            </p:txBody>
+          </p:sp>
+        </mc:Choice>
+        <mc:Fallback>
+          <p:sp>
+            <p:nvSpPr>
+              <p:cNvPr id="7" name="文字方塊 6">
+                <a:extLst>
+                  <a:ext uri="{FF2B5EF4-FFF2-40B4-BE49-F238E27FC236}">
+                    <a16:creationId xmlns:a16="http://schemas.microsoft.com/office/drawing/2014/main" id="{1BE8988D-8B6F-4C9A-AFF2-C67ED712D872}"/>
+                  </a:ext>
+                </a:extLst>
+              </p:cNvPr>
+              <p:cNvSpPr txBox="1">
+                <a:spLocks noRot="1" noChangeAspect="1" noMove="1" noResize="1" noEditPoints="1" noAdjustHandles="1" noChangeArrowheads="1" noChangeShapeType="1" noTextEdit="1"/>
+              </p:cNvSpPr>
+              <p:nvPr/>
+            </p:nvSpPr>
+            <p:spPr>
+              <a:xfrm>
+                <a:off x="7007180" y="5327061"/>
+                <a:ext cx="2551019" cy="555793"/>
+              </a:xfrm>
+              <a:prstGeom prst="rect">
+                <a:avLst/>
+              </a:prstGeom>
+              <a:blipFill>
+                <a:blip r:embed="rId4"/>
+                <a:stretch>
+                  <a:fillRect/>
+                </a:stretch>
+              </a:blipFill>
+            </p:spPr>
+            <p:txBody>
+              <a:bodyPr/>
+              <a:lstStyle/>
+              <a:p>
+                <a:r>
+                  <a:rPr lang="zh-TW" altLang="en-US">
+                    <a:noFill/>
+                  </a:rPr>
+                  <a:t> </a:t>
+                </a:r>
+              </a:p>
+            </p:txBody>
+          </p:sp>
+        </mc:Fallback>
+      </mc:AlternateContent>
+      <mc:AlternateContent xmlns:mc="http://schemas.openxmlformats.org/markup-compatibility/2006">
+        <mc:Choice xmlns:a14="http://schemas.microsoft.com/office/drawing/2010/main" Requires="a14">
+          <p:sp>
+            <p:nvSpPr>
+              <p:cNvPr id="8" name="文字方塊 7">
+                <a:extLst>
+                  <a:ext uri="{FF2B5EF4-FFF2-40B4-BE49-F238E27FC236}">
+                    <a16:creationId xmlns:a16="http://schemas.microsoft.com/office/drawing/2014/main" id="{D2B087F7-827B-47F5-832C-C23BBD1973F0}"/>
+                  </a:ext>
+                </a:extLst>
+              </p:cNvPr>
+              <p:cNvSpPr txBox="1"/>
+              <p:nvPr/>
+            </p:nvSpPr>
+            <p:spPr>
+              <a:xfrm>
+                <a:off x="6413106" y="5955482"/>
+                <a:ext cx="3739166" cy="622350"/>
+              </a:xfrm>
+              <a:prstGeom prst="rect">
+                <a:avLst/>
+              </a:prstGeom>
+              <a:noFill/>
+            </p:spPr>
+            <p:txBody>
+              <a:bodyPr wrap="square" lIns="0" tIns="0" rIns="0" bIns="0" rtlCol="0">
+                <a:spAutoFit/>
+              </a:bodyPr>
+              <a:lstStyle/>
+              <a:p>
+                <a14:m>
+                  <m:oMathPara xmlns:m="http://schemas.openxmlformats.org/officeDocument/2006/math">
+                    <m:oMathParaPr>
+                      <m:jc m:val="centerGroup"/>
+                    </m:oMathParaPr>
+                    <m:oMath xmlns:m="http://schemas.openxmlformats.org/officeDocument/2006/math">
+                      <m:r>
+                        <a:rPr lang="en-US" altLang="zh-TW" b="1" i="1" smtClean="0">
+                          <a:solidFill>
+                            <a:srgbClr val="FF0000"/>
+                          </a:solidFill>
+                          <a:latin typeface="Cambria Math" panose="02040503050406030204" pitchFamily="18" charset="0"/>
+                        </a:rPr>
+                        <m:t>𝟏𝟎</m:t>
+                      </m:r>
+                      <m:sSub>
+                        <m:sSubPr>
+                          <m:ctrlPr>
+                            <a:rPr lang="en-US" altLang="zh-TW" b="1" i="1" smtClean="0">
+                              <a:solidFill>
+                                <a:srgbClr val="FF0000"/>
+                              </a:solidFill>
+                              <a:latin typeface="Cambria Math" panose="02040503050406030204" pitchFamily="18" charset="0"/>
+                            </a:rPr>
+                          </m:ctrlPr>
+                        </m:sSubPr>
+                        <m:e>
+                          <m:r>
+                            <a:rPr lang="en-US" altLang="zh-TW" b="1" i="1" smtClean="0">
+                              <a:solidFill>
+                                <a:srgbClr val="FF0000"/>
+                              </a:solidFill>
+                              <a:latin typeface="Cambria Math" panose="02040503050406030204" pitchFamily="18" charset="0"/>
+                            </a:rPr>
+                            <m:t>𝒍𝒐𝒈</m:t>
+                          </m:r>
+                        </m:e>
+                        <m:sub>
+                          <m:r>
+                            <a:rPr lang="en-US" altLang="zh-TW" b="1" i="1" smtClean="0">
+                              <a:solidFill>
+                                <a:srgbClr val="FF0000"/>
+                              </a:solidFill>
+                              <a:latin typeface="Cambria Math" panose="02040503050406030204" pitchFamily="18" charset="0"/>
+                            </a:rPr>
+                            <m:t>𝟏𝟎</m:t>
+                          </m:r>
+                        </m:sub>
+                      </m:sSub>
+                      <m:d>
+                        <m:dPr>
+                          <m:ctrlPr>
+                            <a:rPr lang="en-US" altLang="zh-TW" b="1" i="1" smtClean="0">
+                              <a:solidFill>
+                                <a:srgbClr val="FF0000"/>
+                              </a:solidFill>
+                              <a:latin typeface="Cambria Math" panose="02040503050406030204" pitchFamily="18" charset="0"/>
+                            </a:rPr>
+                          </m:ctrlPr>
+                        </m:dPr>
+                        <m:e>
+                          <m:f>
+                            <m:fPr>
+                              <m:ctrlPr>
+                                <a:rPr lang="en-US" altLang="zh-TW" b="1" i="1" smtClean="0">
+                                  <a:solidFill>
+                                    <a:srgbClr val="FF0000"/>
+                                  </a:solidFill>
+                                  <a:latin typeface="Cambria Math" panose="02040503050406030204" pitchFamily="18" charset="0"/>
+                                </a:rPr>
+                              </m:ctrlPr>
+                            </m:fPr>
+                            <m:num>
+                              <m:r>
+                                <a:rPr lang="en-US" altLang="zh-TW" b="1" i="1" smtClean="0">
+                                  <a:solidFill>
+                                    <a:srgbClr val="FF0000"/>
+                                  </a:solidFill>
+                                  <a:latin typeface="Cambria Math" panose="02040503050406030204" pitchFamily="18" charset="0"/>
+                                </a:rPr>
+                                <m:t>𝟏𝟎</m:t>
+                              </m:r>
+                              <m:r>
+                                <a:rPr lang="en-US" altLang="zh-TW" b="1" i="1" smtClean="0">
+                                  <a:solidFill>
+                                    <a:srgbClr val="FF0000"/>
+                                  </a:solidFill>
+                                  <a:latin typeface="Cambria Math" panose="02040503050406030204" pitchFamily="18" charset="0"/>
+                                </a:rPr>
+                                <m:t>.</m:t>
+                              </m:r>
+                              <m:r>
+                                <a:rPr lang="en-US" altLang="zh-TW" b="1" i="1" smtClean="0">
+                                  <a:solidFill>
+                                    <a:srgbClr val="FF0000"/>
+                                  </a:solidFill>
+                                  <a:latin typeface="Cambria Math" panose="02040503050406030204" pitchFamily="18" charset="0"/>
+                                </a:rPr>
+                                <m:t>𝟔𝟔𝟔</m:t>
+                              </m:r>
+                            </m:num>
+                            <m:den>
+                              <m:r>
+                                <a:rPr lang="en-US" altLang="zh-TW" b="1" i="1" smtClean="0">
+                                  <a:solidFill>
+                                    <a:srgbClr val="FF0000"/>
+                                  </a:solidFill>
+                                  <a:latin typeface="Cambria Math" panose="02040503050406030204" pitchFamily="18" charset="0"/>
+                                </a:rPr>
+                                <m:t>𝟏𝟐</m:t>
+                              </m:r>
+                            </m:den>
+                          </m:f>
+                        </m:e>
+                      </m:d>
+                      <m:r>
+                        <a:rPr lang="en-US" altLang="zh-TW" b="1" i="1" smtClean="0">
+                          <a:solidFill>
+                            <a:srgbClr val="FF0000"/>
+                          </a:solidFill>
+                          <a:latin typeface="Cambria Math" panose="02040503050406030204" pitchFamily="18" charset="0"/>
+                        </a:rPr>
+                        <m:t>=</m:t>
+                      </m:r>
+                      <m:r>
+                        <a:rPr lang="en-US" altLang="zh-TW" b="1" i="0" smtClean="0">
+                          <a:solidFill>
+                            <a:srgbClr val="FF0000"/>
+                          </a:solidFill>
+                          <a:latin typeface="Cambria Math" panose="02040503050406030204" pitchFamily="18" charset="0"/>
+                        </a:rPr>
+                        <m:t>−</m:t>
+                      </m:r>
+                      <m:r>
+                        <a:rPr lang="en-US" altLang="zh-TW" b="1" i="0" smtClean="0">
+                          <a:solidFill>
+                            <a:srgbClr val="FF0000"/>
+                          </a:solidFill>
+                          <a:latin typeface="Cambria Math" panose="02040503050406030204" pitchFamily="18" charset="0"/>
+                        </a:rPr>
+                        <m:t>𝟎</m:t>
+                      </m:r>
+                      <m:r>
+                        <a:rPr lang="en-US" altLang="zh-TW" b="1" i="0" smtClean="0">
+                          <a:solidFill>
+                            <a:srgbClr val="FF0000"/>
+                          </a:solidFill>
+                          <a:latin typeface="Cambria Math" panose="02040503050406030204" pitchFamily="18" charset="0"/>
+                        </a:rPr>
+                        <m:t>.</m:t>
+                      </m:r>
+                      <m:r>
+                        <a:rPr lang="en-US" altLang="zh-TW" b="1" i="0" smtClean="0">
+                          <a:solidFill>
+                            <a:srgbClr val="FF0000"/>
+                          </a:solidFill>
+                          <a:latin typeface="Cambria Math" panose="02040503050406030204" pitchFamily="18" charset="0"/>
+                        </a:rPr>
+                        <m:t>𝟓𝟏𝟏𝟓𝐝𝐁</m:t>
+                      </m:r>
+                    </m:oMath>
+                  </m:oMathPara>
+                </a14:m>
+                <a:endParaRPr lang="zh-TW" altLang="en-US" b="1" dirty="0">
+                  <a:solidFill>
+                    <a:srgbClr val="FF0000"/>
+                  </a:solidFill>
+                </a:endParaRPr>
+              </a:p>
+            </p:txBody>
+          </p:sp>
+        </mc:Choice>
+        <mc:Fallback>
+          <p:sp>
+            <p:nvSpPr>
+              <p:cNvPr id="8" name="文字方塊 7">
+                <a:extLst>
+                  <a:ext uri="{FF2B5EF4-FFF2-40B4-BE49-F238E27FC236}">
+                    <a16:creationId xmlns:a16="http://schemas.microsoft.com/office/drawing/2014/main" id="{D2B087F7-827B-47F5-832C-C23BBD1973F0}"/>
+                  </a:ext>
+                </a:extLst>
+              </p:cNvPr>
+              <p:cNvSpPr txBox="1">
+                <a:spLocks noRot="1" noChangeAspect="1" noMove="1" noResize="1" noEditPoints="1" noAdjustHandles="1" noChangeArrowheads="1" noChangeShapeType="1" noTextEdit="1"/>
+              </p:cNvSpPr>
+              <p:nvPr/>
+            </p:nvSpPr>
+            <p:spPr>
+              <a:xfrm>
+                <a:off x="6413106" y="5955482"/>
+                <a:ext cx="3739166" cy="622350"/>
+              </a:xfrm>
+              <a:prstGeom prst="rect">
+                <a:avLst/>
+              </a:prstGeom>
+              <a:blipFill>
+                <a:blip r:embed="rId5"/>
+                <a:stretch>
+                  <a:fillRect/>
+                </a:stretch>
+              </a:blipFill>
+            </p:spPr>
+            <p:txBody>
+              <a:bodyPr/>
+              <a:lstStyle/>
+              <a:p>
+                <a:r>
+                  <a:rPr lang="zh-TW" altLang="en-US">
+                    <a:noFill/>
+                  </a:rPr>
+                  <a:t> </a:t>
+                </a:r>
+              </a:p>
+            </p:txBody>
+          </p:sp>
+        </mc:Fallback>
+      </mc:AlternateContent>
+      <mc:AlternateContent xmlns:mc="http://schemas.openxmlformats.org/markup-compatibility/2006">
+        <mc:Choice xmlns:a14="http://schemas.microsoft.com/office/drawing/2010/main" Requires="a14">
+          <p:sp>
+            <p:nvSpPr>
+              <p:cNvPr id="9" name="文字方塊 8">
+                <a:extLst>
+                  <a:ext uri="{FF2B5EF4-FFF2-40B4-BE49-F238E27FC236}">
+                    <a16:creationId xmlns:a16="http://schemas.microsoft.com/office/drawing/2014/main" id="{536118EE-5331-4DC4-BF76-21C85E68E7F7}"/>
+                  </a:ext>
+                </a:extLst>
+              </p:cNvPr>
+              <p:cNvSpPr txBox="1"/>
+              <p:nvPr/>
+            </p:nvSpPr>
+            <p:spPr>
+              <a:xfrm>
+                <a:off x="5268244" y="5441419"/>
+                <a:ext cx="1496307" cy="325282"/>
+              </a:xfrm>
+              <a:prstGeom prst="rect">
+                <a:avLst/>
+              </a:prstGeom>
+              <a:noFill/>
+            </p:spPr>
+            <p:txBody>
+              <a:bodyPr wrap="none" lIns="0" tIns="0" rIns="0" bIns="0" rtlCol="0">
+                <a:spAutoFit/>
+              </a:bodyPr>
+              <a:lstStyle/>
+              <a:p>
+                <a14:m>
+                  <m:oMathPara xmlns:m="http://schemas.openxmlformats.org/officeDocument/2006/math">
+                    <m:oMathParaPr>
+                      <m:jc m:val="centerGroup"/>
+                    </m:oMathParaPr>
+                    <m:oMath xmlns:m="http://schemas.openxmlformats.org/officeDocument/2006/math">
+                      <m:sSub>
+                        <m:sSubPr>
+                          <m:ctrlPr>
+                            <a:rPr lang="en-US" altLang="zh-TW" b="0" i="1" smtClean="0">
+                              <a:latin typeface="Cambria Math" panose="02040503050406030204" pitchFamily="18" charset="0"/>
+                              <a:ea typeface="Cambria Math" panose="02040503050406030204" pitchFamily="18" charset="0"/>
+                            </a:rPr>
+                          </m:ctrlPr>
+                        </m:sSubPr>
+                        <m:e>
+                          <m:r>
+                            <m:rPr>
+                              <m:nor/>
+                            </m:rPr>
+                            <a:rPr lang="en-US" altLang="zh-TW" b="0" i="0" smtClean="0">
+                              <a:latin typeface="Cambria Math" panose="02040503050406030204" pitchFamily="18" charset="0"/>
+                              <a:ea typeface="Cambria Math" panose="02040503050406030204" pitchFamily="18" charset="0"/>
+                            </a:rPr>
+                            <m:t>E</m:t>
+                          </m:r>
+                        </m:e>
+                        <m:sub>
+                          <m:r>
+                            <m:rPr>
+                              <m:nor/>
+                            </m:rPr>
+                            <a:rPr lang="en-US" altLang="zh-TW" b="0" i="0" smtClean="0">
+                              <a:latin typeface="Cambria Math" panose="02040503050406030204" pitchFamily="18" charset="0"/>
+                              <a:ea typeface="Cambria Math" panose="02040503050406030204" pitchFamily="18" charset="0"/>
+                            </a:rPr>
+                            <m:t>x</m:t>
+                          </m:r>
+                        </m:sub>
+                      </m:sSub>
+                      <m:r>
+                        <m:rPr>
+                          <m:nor/>
+                        </m:rPr>
+                        <a:rPr lang="en-US" altLang="zh-TW" b="0" i="0" smtClean="0">
+                          <a:latin typeface="Cambria Math" panose="02040503050406030204" pitchFamily="18" charset="0"/>
+                          <a:ea typeface="Cambria Math" panose="02040503050406030204" pitchFamily="18" charset="0"/>
+                        </a:rPr>
+                        <m:t>=</m:t>
+                      </m:r>
+                      <m:sSup>
+                        <m:sSupPr>
+                          <m:ctrlPr>
+                            <a:rPr lang="en-US" altLang="zh-TW" b="0" i="1" smtClean="0">
+                              <a:latin typeface="Cambria Math" panose="02040503050406030204" pitchFamily="18" charset="0"/>
+                              <a:ea typeface="Cambria Math" panose="02040503050406030204" pitchFamily="18" charset="0"/>
+                            </a:rPr>
+                          </m:ctrlPr>
+                        </m:sSupPr>
+                        <m:e>
+                          <m:d>
+                            <m:dPr>
+                              <m:ctrlPr>
+                                <a:rPr lang="en-US" altLang="zh-TW" b="0" i="1" smtClean="0">
+                                  <a:latin typeface="Cambria Math" panose="02040503050406030204" pitchFamily="18" charset="0"/>
+                                  <a:ea typeface="Cambria Math" panose="02040503050406030204" pitchFamily="18" charset="0"/>
+                                </a:rPr>
+                              </m:ctrlPr>
+                            </m:dPr>
+                            <m:e>
+                              <m:r>
+                                <m:rPr>
+                                  <m:nor/>
+                                </m:rPr>
+                                <a:rPr lang="en-US" altLang="zh-TW" b="0" i="0" smtClean="0">
+                                  <a:latin typeface="Cambria Math" panose="02040503050406030204" pitchFamily="18" charset="0"/>
+                                  <a:ea typeface="Cambria Math" panose="02040503050406030204" pitchFamily="18" charset="0"/>
+                                </a:rPr>
+                                <m:t>2</m:t>
+                              </m:r>
+                              <m:r>
+                                <m:rPr>
+                                  <m:nor/>
+                                </m:rPr>
+                                <a:rPr lang="en-US" altLang="zh-TW" b="0" i="0" smtClean="0">
+                                  <a:latin typeface="Cambria Math" panose="02040503050406030204" pitchFamily="18" charset="0"/>
+                                  <a:ea typeface="Cambria Math" panose="02040503050406030204" pitchFamily="18" charset="0"/>
+                                </a:rPr>
+                                <m:t>M</m:t>
+                              </m:r>
+                            </m:e>
+                          </m:d>
+                        </m:e>
+                        <m:sup>
+                          <m:r>
+                            <m:rPr>
+                              <m:nor/>
+                            </m:rPr>
+                            <a:rPr lang="en-US" altLang="zh-TW" b="0" i="0" smtClean="0">
+                              <a:latin typeface="Cambria Math" panose="02040503050406030204" pitchFamily="18" charset="0"/>
+                              <a:ea typeface="Cambria Math" panose="02040503050406030204" pitchFamily="18" charset="0"/>
+                            </a:rPr>
+                            <m:t>2</m:t>
+                          </m:r>
+                        </m:sup>
+                      </m:sSup>
+                      <m:r>
+                        <m:rPr>
+                          <m:nor/>
+                        </m:rPr>
+                        <a:rPr lang="en-US" altLang="zh-TW" b="0" i="0" smtClean="0">
+                          <a:latin typeface="Cambria Math" panose="02040503050406030204" pitchFamily="18" charset="0"/>
+                          <a:ea typeface="Cambria Math" panose="02040503050406030204" pitchFamily="18" charset="0"/>
+                        </a:rPr>
+                        <m:t>/12</m:t>
+                      </m:r>
+                    </m:oMath>
+                  </m:oMathPara>
+                </a14:m>
+                <a:endParaRPr lang="zh-TW" altLang="en-US" dirty="0"/>
+              </a:p>
+            </p:txBody>
+          </p:sp>
+        </mc:Choice>
+        <mc:Fallback>
+          <p:sp>
+            <p:nvSpPr>
+              <p:cNvPr id="9" name="文字方塊 8">
+                <a:extLst>
+                  <a:ext uri="{FF2B5EF4-FFF2-40B4-BE49-F238E27FC236}">
+                    <a16:creationId xmlns:a16="http://schemas.microsoft.com/office/drawing/2014/main" id="{536118EE-5331-4DC4-BF76-21C85E68E7F7}"/>
+                  </a:ext>
+                </a:extLst>
+              </p:cNvPr>
+              <p:cNvSpPr txBox="1">
+                <a:spLocks noRot="1" noChangeAspect="1" noMove="1" noResize="1" noEditPoints="1" noAdjustHandles="1" noChangeArrowheads="1" noChangeShapeType="1" noTextEdit="1"/>
+              </p:cNvSpPr>
+              <p:nvPr/>
+            </p:nvSpPr>
+            <p:spPr>
+              <a:xfrm>
+                <a:off x="5268244" y="5441419"/>
+                <a:ext cx="1496307" cy="325282"/>
+              </a:xfrm>
+              <a:prstGeom prst="rect">
+                <a:avLst/>
+              </a:prstGeom>
+              <a:blipFill>
+                <a:blip r:embed="rId6"/>
+                <a:stretch>
+                  <a:fillRect l="-3252" t="-7547" r="-5285" b="-30189"/>
+                </a:stretch>
+              </a:blipFill>
+            </p:spPr>
+            <p:txBody>
+              <a:bodyPr/>
+              <a:lstStyle/>
+              <a:p>
+                <a:r>
+                  <a:rPr lang="zh-TW" altLang="en-US">
+                    <a:noFill/>
+                  </a:rPr>
+                  <a:t> </a:t>
+                </a:r>
+              </a:p>
+            </p:txBody>
+          </p:sp>
+        </mc:Fallback>
+      </mc:AlternateContent>
     </p:spTree>
     <p:extLst>
       <p:ext uri="{BB962C8B-B14F-4D97-AF65-F5344CB8AC3E}">
         <p14:creationId xmlns:p14="http://schemas.microsoft.com/office/powerpoint/2010/main" val="3931285681"/>
+      </p:ext>
+    </p:extLst>
+  </p:cSld>
+  <p:clrMapOvr>
+    <a:masterClrMapping/>
+  </p:clrMapOvr>
+</p:sld>
+</file>
+
+<file path=ppt/slides/slide5.xml><?xml version="1.0" encoding="utf-8"?>
+<p:sld xmlns:a="http://schemas.openxmlformats.org/drawingml/2006/main" xmlns:r="http://schemas.openxmlformats.org/officeDocument/2006/relationships" xmlns:p="http://schemas.openxmlformats.org/presentationml/2006/main">
+  <p:cSld>
+    <p:spTree>
+      <p:nvGrpSpPr>
+        <p:cNvPr id="1" name=""/>
+        <p:cNvGrpSpPr/>
+        <p:nvPr/>
+      </p:nvGrpSpPr>
+      <p:grpSpPr>
+        <a:xfrm>
+          <a:off x="0" y="0"/>
+          <a:ext cx="0" cy="0"/>
+          <a:chOff x="0" y="0"/>
+          <a:chExt cx="0" cy="0"/>
+        </a:xfrm>
+      </p:grpSpPr>
+      <p:sp>
+        <p:nvSpPr>
+          <p:cNvPr id="2" name="標題 1">
+            <a:extLst>
+              <a:ext uri="{FF2B5EF4-FFF2-40B4-BE49-F238E27FC236}">
+                <a16:creationId xmlns:a16="http://schemas.microsoft.com/office/drawing/2014/main" id="{A81E4EE6-2CF9-02A0-D8A4-0963D79B2C85}"/>
+              </a:ext>
+            </a:extLst>
+          </p:cNvPr>
+          <p:cNvSpPr>
+            <a:spLocks noGrp="1"/>
+          </p:cNvSpPr>
+          <p:nvPr>
+            <p:ph type="ctrTitle"/>
+          </p:nvPr>
+        </p:nvSpPr>
+        <p:spPr>
+          <a:xfrm>
+            <a:off x="1064833" y="3055167"/>
+            <a:ext cx="10062333" cy="747666"/>
+          </a:xfrm>
+        </p:spPr>
+        <p:txBody>
+          <a:bodyPr>
+            <a:normAutofit/>
+          </a:bodyPr>
+          <a:lstStyle/>
+          <a:p>
+            <a:r>
+              <a:rPr lang="en-US" altLang="zh-TW" sz="4500" dirty="0"/>
+              <a:t>Coding, modulation, framing: two variants</a:t>
+            </a:r>
+            <a:endParaRPr lang="zh-TW" altLang="en-US" sz="4500" dirty="0"/>
+          </a:p>
+        </p:txBody>
+      </p:sp>
+    </p:spTree>
+    <p:extLst>
+      <p:ext uri="{BB962C8B-B14F-4D97-AF65-F5344CB8AC3E}">
+        <p14:creationId xmlns:p14="http://schemas.microsoft.com/office/powerpoint/2010/main" val="2868365821"/>
+      </p:ext>
+    </p:extLst>
+  </p:cSld>
+  <p:clrMapOvr>
+    <a:masterClrMapping/>
+  </p:clrMapOvr>
+</p:sld>
+</file>
+
+<file path=ppt/slides/slide6.xml><?xml version="1.0" encoding="utf-8"?>
+<p:sld xmlns:a="http://schemas.openxmlformats.org/drawingml/2006/main" xmlns:r="http://schemas.openxmlformats.org/officeDocument/2006/relationships" xmlns:p="http://schemas.openxmlformats.org/presentationml/2006/main">
+  <p:cSld>
+    <p:spTree>
+      <p:nvGrpSpPr>
+        <p:cNvPr id="1" name=""/>
+        <p:cNvGrpSpPr/>
+        <p:nvPr/>
+      </p:nvGrpSpPr>
+      <p:grpSpPr>
+        <a:xfrm>
+          <a:off x="0" y="0"/>
+          <a:ext cx="0" cy="0"/>
+          <a:chOff x="0" y="0"/>
+          <a:chExt cx="0" cy="0"/>
+        </a:xfrm>
+      </p:grpSpPr>
+      <p:sp>
+        <p:nvSpPr>
+          <p:cNvPr id="2" name="標題 1">
+            <a:extLst>
+              <a:ext uri="{FF2B5EF4-FFF2-40B4-BE49-F238E27FC236}">
+                <a16:creationId xmlns:a16="http://schemas.microsoft.com/office/drawing/2014/main" id="{732A8089-4904-4F92-A302-F3BB4AFE5DFA}"/>
+              </a:ext>
+            </a:extLst>
+          </p:cNvPr>
+          <p:cNvSpPr>
+            <a:spLocks noGrp="1"/>
+          </p:cNvSpPr>
+          <p:nvPr>
+            <p:ph type="title"/>
+          </p:nvPr>
+        </p:nvSpPr>
+        <p:spPr/>
+        <p:txBody>
+          <a:bodyPr/>
+          <a:lstStyle/>
+          <a:p>
+            <a:r>
+              <a:rPr lang="en-US" altLang="zh-TW" dirty="0"/>
+              <a:t>Coding, modulation, framing: variant I</a:t>
+            </a:r>
+            <a:endParaRPr lang="zh-TW" altLang="en-US" dirty="0"/>
+          </a:p>
+        </p:txBody>
+      </p:sp>
+      <p:sp>
+        <p:nvSpPr>
+          <p:cNvPr id="3" name="內容版面配置區 2">
+            <a:extLst>
+              <a:ext uri="{FF2B5EF4-FFF2-40B4-BE49-F238E27FC236}">
+                <a16:creationId xmlns:a16="http://schemas.microsoft.com/office/drawing/2014/main" id="{49A3270A-FEB9-4B9A-A152-1A6A11DB8899}"/>
+              </a:ext>
+            </a:extLst>
+          </p:cNvPr>
+          <p:cNvSpPr>
+            <a:spLocks noGrp="1"/>
+          </p:cNvSpPr>
+          <p:nvPr>
+            <p:ph idx="1"/>
+          </p:nvPr>
+        </p:nvSpPr>
+        <p:spPr/>
+        <p:txBody>
+          <a:bodyPr>
+            <a:normAutofit/>
+          </a:bodyPr>
+          <a:lstStyle/>
+          <a:p>
+            <a:r>
+              <a:rPr lang="en-US" altLang="zh-TW" sz="2400" dirty="0"/>
+              <a:t>128DSQ</a:t>
+            </a:r>
+            <a:r>
+              <a:rPr lang="zh-TW" altLang="en-US" sz="2400" dirty="0"/>
+              <a:t> </a:t>
+            </a:r>
+            <a:r>
+              <a:rPr lang="en-US" altLang="zh-TW" sz="2400" dirty="0"/>
+              <a:t>and (1024,821)LDPC coding</a:t>
+            </a:r>
+          </a:p>
+          <a:p>
+            <a:r>
+              <a:rPr lang="en-US" altLang="zh-TW" sz="2400" dirty="0"/>
+              <a:t>Code rate: 3.1035 bit/dim</a:t>
+            </a:r>
+          </a:p>
+          <a:p>
+            <a:endParaRPr lang="en-US" altLang="zh-TW" sz="2400" dirty="0"/>
+          </a:p>
+          <a:p>
+            <a:r>
+              <a:rPr lang="en-US" altLang="zh-TW" sz="2400" dirty="0"/>
+              <a:t>Framing example</a:t>
+            </a:r>
+          </a:p>
+          <a:p>
+            <a:pPr marL="0" indent="0">
+              <a:buNone/>
+            </a:pPr>
+            <a:endParaRPr lang="zh-TW" altLang="en-US" sz="2400" dirty="0"/>
+          </a:p>
+        </p:txBody>
+      </p:sp>
+      <p:sp>
+        <p:nvSpPr>
+          <p:cNvPr id="4" name="投影片編號版面配置區 3">
+            <a:extLst>
+              <a:ext uri="{FF2B5EF4-FFF2-40B4-BE49-F238E27FC236}">
+                <a16:creationId xmlns:a16="http://schemas.microsoft.com/office/drawing/2014/main" id="{8ACB6676-2A67-42C7-96CD-11A52440272B}"/>
+              </a:ext>
+            </a:extLst>
+          </p:cNvPr>
+          <p:cNvSpPr>
+            <a:spLocks noGrp="1"/>
+          </p:cNvSpPr>
+          <p:nvPr>
+            <p:ph type="sldNum" sz="quarter" idx="12"/>
+          </p:nvPr>
+        </p:nvSpPr>
+        <p:spPr/>
+        <p:txBody>
+          <a:bodyPr/>
+          <a:lstStyle/>
+          <a:p>
+            <a:fld id="{5357535F-E6DD-4F6C-B8A3-03278B2FADD3}" type="slidenum">
+              <a:rPr lang="zh-TW" altLang="en-US" smtClean="0"/>
+              <a:pPr/>
+              <a:t>6</a:t>
+            </a:fld>
+            <a:endParaRPr lang="zh-TW" altLang="en-US" dirty="0"/>
+          </a:p>
+        </p:txBody>
+      </p:sp>
+      <p:pic>
+        <p:nvPicPr>
+          <p:cNvPr id="5" name="圖片 4">
+            <a:extLst>
+              <a:ext uri="{FF2B5EF4-FFF2-40B4-BE49-F238E27FC236}">
+                <a16:creationId xmlns:a16="http://schemas.microsoft.com/office/drawing/2014/main" id="{37147AD6-5B6D-4A1B-A8B6-57336AE74D36}"/>
+              </a:ext>
+            </a:extLst>
+          </p:cNvPr>
+          <p:cNvPicPr>
+            <a:picLocks noChangeAspect="1"/>
+          </p:cNvPicPr>
+          <p:nvPr/>
+        </p:nvPicPr>
+        <p:blipFill>
+          <a:blip r:embed="rId2"/>
+          <a:stretch>
+            <a:fillRect/>
+          </a:stretch>
+        </p:blipFill>
+        <p:spPr>
+          <a:xfrm>
+            <a:off x="7276834" y="1357858"/>
+            <a:ext cx="3665707" cy="1980413"/>
+          </a:xfrm>
+          <a:prstGeom prst="rect">
+            <a:avLst/>
+          </a:prstGeom>
+        </p:spPr>
+      </p:pic>
+      <p:sp>
+        <p:nvSpPr>
+          <p:cNvPr id="6" name="矩形 5">
+            <a:extLst>
+              <a:ext uri="{FF2B5EF4-FFF2-40B4-BE49-F238E27FC236}">
+                <a16:creationId xmlns:a16="http://schemas.microsoft.com/office/drawing/2014/main" id="{B573992F-56B8-4713-8B17-E8B8D314F926}"/>
+              </a:ext>
+            </a:extLst>
+          </p:cNvPr>
+          <p:cNvSpPr/>
+          <p:nvPr/>
+        </p:nvSpPr>
+        <p:spPr>
+          <a:xfrm>
+            <a:off x="2866029" y="4199597"/>
+            <a:ext cx="850005" cy="1378040"/>
+          </a:xfrm>
+          <a:prstGeom prst="rect">
+            <a:avLst/>
+          </a:prstGeom>
+          <a:noFill/>
+          <a:ln>
+            <a:solidFill>
+              <a:schemeClr val="tx1"/>
+            </a:solidFill>
+          </a:ln>
+        </p:spPr>
+        <p:style>
+          <a:lnRef idx="2">
+            <a:schemeClr val="accent1">
+              <a:shade val="50000"/>
+            </a:schemeClr>
+          </a:lnRef>
+          <a:fillRef idx="1">
+            <a:schemeClr val="accent1"/>
+          </a:fillRef>
+          <a:effectRef idx="0">
+            <a:schemeClr val="accent1"/>
+          </a:effectRef>
+          <a:fontRef idx="minor">
+            <a:schemeClr val="lt1"/>
+          </a:fontRef>
+        </p:style>
+        <p:txBody>
+          <a:bodyPr rtlCol="0" anchor="ctr"/>
+          <a:lstStyle/>
+          <a:p>
+            <a:pPr algn="ctr"/>
+            <a:r>
+              <a:rPr lang="en-US" altLang="zh-TW" dirty="0">
+                <a:solidFill>
+                  <a:schemeClr val="tx1"/>
+                </a:solidFill>
+              </a:rPr>
+              <a:t>64+/65</a:t>
+            </a:r>
+          </a:p>
+          <a:p>
+            <a:pPr algn="ctr"/>
+            <a:r>
+              <a:rPr lang="en-US" altLang="zh-TW" dirty="0">
+                <a:solidFill>
+                  <a:schemeClr val="tx1"/>
+                </a:solidFill>
+              </a:rPr>
+              <a:t>Trans-coding</a:t>
+            </a:r>
+            <a:endParaRPr lang="zh-TW" altLang="en-US" dirty="0">
+              <a:solidFill>
+                <a:schemeClr val="tx1"/>
+              </a:solidFill>
+            </a:endParaRPr>
+          </a:p>
+        </p:txBody>
+      </p:sp>
+      <p:cxnSp>
+        <p:nvCxnSpPr>
+          <p:cNvPr id="8" name="直線單箭頭接點 7">
+            <a:extLst>
+              <a:ext uri="{FF2B5EF4-FFF2-40B4-BE49-F238E27FC236}">
+                <a16:creationId xmlns:a16="http://schemas.microsoft.com/office/drawing/2014/main" id="{4E20385B-DA23-4E5D-8CEA-BC606A8AF1B1}"/>
+              </a:ext>
+            </a:extLst>
+          </p:cNvPr>
+          <p:cNvCxnSpPr>
+            <a:cxnSpLocks/>
+            <a:endCxn id="6" idx="1"/>
+          </p:cNvCxnSpPr>
+          <p:nvPr/>
+        </p:nvCxnSpPr>
+        <p:spPr>
+          <a:xfrm>
+            <a:off x="962167" y="4888617"/>
+            <a:ext cx="1903862" cy="0"/>
+          </a:xfrm>
+          <a:prstGeom prst="straightConnector1">
+            <a:avLst/>
+          </a:prstGeom>
+          <a:ln w="25400">
+            <a:solidFill>
+              <a:schemeClr val="tx1"/>
+            </a:solidFill>
+            <a:tailEnd type="triangle"/>
+          </a:ln>
+        </p:spPr>
+        <p:style>
+          <a:lnRef idx="1">
+            <a:schemeClr val="accent1"/>
+          </a:lnRef>
+          <a:fillRef idx="0">
+            <a:schemeClr val="accent1"/>
+          </a:fillRef>
+          <a:effectRef idx="0">
+            <a:schemeClr val="accent1"/>
+          </a:effectRef>
+          <a:fontRef idx="minor">
+            <a:schemeClr val="tx1"/>
+          </a:fontRef>
+        </p:style>
+      </p:cxnSp>
+      <p:sp>
+        <p:nvSpPr>
+          <p:cNvPr id="11" name="文字方塊 10">
+            <a:extLst>
+              <a:ext uri="{FF2B5EF4-FFF2-40B4-BE49-F238E27FC236}">
+                <a16:creationId xmlns:a16="http://schemas.microsoft.com/office/drawing/2014/main" id="{60958F24-5288-45BB-8C9B-AA5E192048E9}"/>
+              </a:ext>
+            </a:extLst>
+          </p:cNvPr>
+          <p:cNvSpPr txBox="1"/>
+          <p:nvPr/>
+        </p:nvSpPr>
+        <p:spPr>
+          <a:xfrm>
+            <a:off x="668739" y="3853831"/>
+            <a:ext cx="2197290" cy="584775"/>
+          </a:xfrm>
+          <a:prstGeom prst="rect">
+            <a:avLst/>
+          </a:prstGeom>
+          <a:noFill/>
+        </p:spPr>
+        <p:txBody>
+          <a:bodyPr wrap="square" rtlCol="0">
+            <a:spAutoFit/>
+          </a:bodyPr>
+          <a:lstStyle/>
+          <a:p>
+            <a:pPr algn="ctr"/>
+            <a:r>
+              <a:rPr lang="en-US" altLang="zh-TW" sz="1600" b="1" dirty="0">
+                <a:solidFill>
+                  <a:srgbClr val="C00000"/>
+                </a:solidFill>
+              </a:rPr>
+              <a:t>XGMII</a:t>
+            </a:r>
+          </a:p>
+          <a:p>
+            <a:pPr algn="ctr"/>
+            <a:r>
+              <a:rPr lang="en-US" altLang="zh-TW" sz="1600" dirty="0"/>
+              <a:t>2 x (32 TXD+ 4 TXC) bits</a:t>
+            </a:r>
+            <a:endParaRPr lang="zh-TW" altLang="en-US" sz="1600" dirty="0"/>
+          </a:p>
+        </p:txBody>
+      </p:sp>
+      <p:sp>
+        <p:nvSpPr>
+          <p:cNvPr id="14" name="文字方塊 13">
+            <a:extLst>
+              <a:ext uri="{FF2B5EF4-FFF2-40B4-BE49-F238E27FC236}">
+                <a16:creationId xmlns:a16="http://schemas.microsoft.com/office/drawing/2014/main" id="{33B020F6-0E92-4051-9F1C-5403B3E34D8B}"/>
+              </a:ext>
+            </a:extLst>
+          </p:cNvPr>
+          <p:cNvSpPr txBox="1"/>
+          <p:nvPr/>
+        </p:nvSpPr>
+        <p:spPr>
+          <a:xfrm>
+            <a:off x="518615" y="4992862"/>
+            <a:ext cx="2347414" cy="584775"/>
+          </a:xfrm>
+          <a:prstGeom prst="rect">
+            <a:avLst/>
+          </a:prstGeom>
+          <a:noFill/>
+        </p:spPr>
+        <p:txBody>
+          <a:bodyPr wrap="square" rtlCol="0">
+            <a:spAutoFit/>
+          </a:bodyPr>
+          <a:lstStyle/>
+          <a:p>
+            <a:pPr algn="ctr"/>
+            <a:r>
+              <a:rPr lang="en-US" altLang="zh-TW" sz="1600" dirty="0">
+                <a:solidFill>
+                  <a:schemeClr val="accent1"/>
+                </a:solidFill>
+              </a:rPr>
+              <a:t>TX_CLK:</a:t>
+            </a:r>
+          </a:p>
+          <a:p>
+            <a:pPr algn="ctr"/>
+            <a:r>
+              <a:rPr lang="en-US" altLang="zh-TW" sz="1600" dirty="0">
+                <a:solidFill>
+                  <a:schemeClr val="accent1"/>
+                </a:solidFill>
+              </a:rPr>
+              <a:t>10 GHz/64 = 156.25MHz</a:t>
+            </a:r>
+            <a:endParaRPr lang="zh-TW" altLang="en-US" sz="1600" dirty="0">
+              <a:solidFill>
+                <a:schemeClr val="accent1"/>
+              </a:solidFill>
+            </a:endParaRPr>
+          </a:p>
+        </p:txBody>
+      </p:sp>
+      <p:cxnSp>
+        <p:nvCxnSpPr>
+          <p:cNvPr id="15" name="直線單箭頭接點 14">
+            <a:extLst>
+              <a:ext uri="{FF2B5EF4-FFF2-40B4-BE49-F238E27FC236}">
+                <a16:creationId xmlns:a16="http://schemas.microsoft.com/office/drawing/2014/main" id="{170EA5F6-79A1-4483-9C02-B96943792F1F}"/>
+              </a:ext>
+            </a:extLst>
+          </p:cNvPr>
+          <p:cNvCxnSpPr>
+            <a:cxnSpLocks/>
+          </p:cNvCxnSpPr>
+          <p:nvPr/>
+        </p:nvCxnSpPr>
+        <p:spPr>
+          <a:xfrm>
+            <a:off x="3716034" y="4888617"/>
+            <a:ext cx="1231279" cy="0"/>
+          </a:xfrm>
+          <a:prstGeom prst="straightConnector1">
+            <a:avLst/>
+          </a:prstGeom>
+          <a:ln w="25400">
+            <a:solidFill>
+              <a:schemeClr val="tx1"/>
+            </a:solidFill>
+            <a:tailEnd type="triangle"/>
+          </a:ln>
+        </p:spPr>
+        <p:style>
+          <a:lnRef idx="1">
+            <a:schemeClr val="accent1"/>
+          </a:lnRef>
+          <a:fillRef idx="0">
+            <a:schemeClr val="accent1"/>
+          </a:fillRef>
+          <a:effectRef idx="0">
+            <a:schemeClr val="accent1"/>
+          </a:effectRef>
+          <a:fontRef idx="minor">
+            <a:schemeClr val="tx1"/>
+          </a:fontRef>
+        </p:style>
+      </p:cxnSp>
+      <p:sp>
+        <p:nvSpPr>
+          <p:cNvPr id="17" name="矩形 16">
+            <a:extLst>
+              <a:ext uri="{FF2B5EF4-FFF2-40B4-BE49-F238E27FC236}">
+                <a16:creationId xmlns:a16="http://schemas.microsoft.com/office/drawing/2014/main" id="{D7E0D67F-71E6-4E7D-9DE8-433418146E1C}"/>
+              </a:ext>
+            </a:extLst>
+          </p:cNvPr>
+          <p:cNvSpPr/>
+          <p:nvPr/>
+        </p:nvSpPr>
+        <p:spPr>
+          <a:xfrm>
+            <a:off x="4957980" y="4196689"/>
+            <a:ext cx="1319990" cy="1378040"/>
+          </a:xfrm>
+          <a:prstGeom prst="rect">
+            <a:avLst/>
+          </a:prstGeom>
+          <a:noFill/>
+          <a:ln>
+            <a:solidFill>
+              <a:schemeClr val="tx1"/>
+            </a:solidFill>
+          </a:ln>
+        </p:spPr>
+        <p:style>
+          <a:lnRef idx="2">
+            <a:schemeClr val="accent1">
+              <a:shade val="50000"/>
+            </a:schemeClr>
+          </a:lnRef>
+          <a:fillRef idx="1">
+            <a:schemeClr val="accent1"/>
+          </a:fillRef>
+          <a:effectRef idx="0">
+            <a:schemeClr val="accent1"/>
+          </a:effectRef>
+          <a:fontRef idx="minor">
+            <a:schemeClr val="lt1"/>
+          </a:fontRef>
+        </p:style>
+        <p:txBody>
+          <a:bodyPr rtlCol="0" anchor="ctr"/>
+          <a:lstStyle/>
+          <a:p>
+            <a:pPr algn="ctr"/>
+            <a:r>
+              <a:rPr lang="en-US" altLang="zh-TW" dirty="0">
+                <a:solidFill>
+                  <a:schemeClr val="tx1"/>
+                </a:solidFill>
+              </a:rPr>
+              <a:t>Framing</a:t>
+            </a:r>
+          </a:p>
+          <a:p>
+            <a:pPr algn="ctr"/>
+            <a:r>
+              <a:rPr lang="en-US" altLang="zh-TW" dirty="0">
+                <a:solidFill>
+                  <a:schemeClr val="tx1"/>
+                </a:solidFill>
+              </a:rPr>
+              <a:t>+</a:t>
+            </a:r>
+          </a:p>
+          <a:p>
+            <a:pPr algn="ctr"/>
+            <a:r>
+              <a:rPr lang="en-US" altLang="zh-TW" dirty="0">
+                <a:solidFill>
+                  <a:schemeClr val="tx1"/>
+                </a:solidFill>
+              </a:rPr>
+              <a:t>Coding</a:t>
+            </a:r>
+          </a:p>
+          <a:p>
+            <a:pPr algn="ctr"/>
+            <a:r>
+              <a:rPr lang="en-US" altLang="zh-TW" dirty="0">
+                <a:solidFill>
+                  <a:schemeClr val="tx1"/>
+                </a:solidFill>
+              </a:rPr>
+              <a:t>+</a:t>
+            </a:r>
+          </a:p>
+          <a:p>
+            <a:pPr algn="ctr"/>
+            <a:r>
+              <a:rPr lang="en-US" altLang="zh-TW" dirty="0">
+                <a:solidFill>
+                  <a:schemeClr val="tx1"/>
+                </a:solidFill>
+              </a:rPr>
+              <a:t>Modulation</a:t>
+            </a:r>
+            <a:endParaRPr lang="zh-TW" altLang="en-US" dirty="0">
+              <a:solidFill>
+                <a:schemeClr val="tx1"/>
+              </a:solidFill>
+            </a:endParaRPr>
+          </a:p>
+        </p:txBody>
+      </p:sp>
+      <p:cxnSp>
+        <p:nvCxnSpPr>
+          <p:cNvPr id="18" name="直線單箭頭接點 17">
+            <a:extLst>
+              <a:ext uri="{FF2B5EF4-FFF2-40B4-BE49-F238E27FC236}">
+                <a16:creationId xmlns:a16="http://schemas.microsoft.com/office/drawing/2014/main" id="{9E3A48AA-3335-43D6-BDFB-B7D3BFC8C9F2}"/>
+              </a:ext>
+            </a:extLst>
+          </p:cNvPr>
+          <p:cNvCxnSpPr>
+            <a:cxnSpLocks/>
+          </p:cNvCxnSpPr>
+          <p:nvPr/>
+        </p:nvCxnSpPr>
+        <p:spPr>
+          <a:xfrm>
+            <a:off x="6277970" y="4862209"/>
+            <a:ext cx="4469642" cy="0"/>
+          </a:xfrm>
+          <a:prstGeom prst="straightConnector1">
+            <a:avLst/>
+          </a:prstGeom>
+          <a:ln w="25400">
+            <a:solidFill>
+              <a:schemeClr val="tx1"/>
+            </a:solidFill>
+            <a:tailEnd type="triangle"/>
+          </a:ln>
+        </p:spPr>
+        <p:style>
+          <a:lnRef idx="1">
+            <a:schemeClr val="accent1"/>
+          </a:lnRef>
+          <a:fillRef idx="0">
+            <a:schemeClr val="accent1"/>
+          </a:fillRef>
+          <a:effectRef idx="0">
+            <a:schemeClr val="accent1"/>
+          </a:effectRef>
+          <a:fontRef idx="minor">
+            <a:schemeClr val="tx1"/>
+          </a:fontRef>
+        </p:style>
+      </p:cxnSp>
+      <p:sp>
+        <p:nvSpPr>
+          <p:cNvPr id="20" name="文字方塊 19">
+            <a:extLst>
+              <a:ext uri="{FF2B5EF4-FFF2-40B4-BE49-F238E27FC236}">
+                <a16:creationId xmlns:a16="http://schemas.microsoft.com/office/drawing/2014/main" id="{F15458F2-BAD8-4BC1-98EA-E517D2B8E71F}"/>
+              </a:ext>
+            </a:extLst>
+          </p:cNvPr>
+          <p:cNvSpPr txBox="1"/>
+          <p:nvPr/>
+        </p:nvSpPr>
+        <p:spPr>
+          <a:xfrm>
+            <a:off x="3645739" y="4523655"/>
+            <a:ext cx="1371867" cy="338554"/>
+          </a:xfrm>
+          <a:prstGeom prst="rect">
+            <a:avLst/>
+          </a:prstGeom>
+          <a:noFill/>
+        </p:spPr>
+        <p:txBody>
+          <a:bodyPr wrap="square" rtlCol="0">
+            <a:spAutoFit/>
+          </a:bodyPr>
+          <a:lstStyle/>
+          <a:p>
+            <a:pPr algn="ctr"/>
+            <a:r>
+              <a:rPr lang="en-US" altLang="zh-TW" sz="1600" dirty="0"/>
+              <a:t>65-bit blocks</a:t>
+            </a:r>
+            <a:endParaRPr lang="zh-TW" altLang="en-US" sz="1600" dirty="0"/>
+          </a:p>
+        </p:txBody>
+      </p:sp>
+      <p:sp>
+        <p:nvSpPr>
+          <p:cNvPr id="21" name="文字方塊 20">
+            <a:extLst>
+              <a:ext uri="{FF2B5EF4-FFF2-40B4-BE49-F238E27FC236}">
+                <a16:creationId xmlns:a16="http://schemas.microsoft.com/office/drawing/2014/main" id="{8CAFBA1F-1AF1-4444-91CF-02E2A9813D0B}"/>
+              </a:ext>
+            </a:extLst>
+          </p:cNvPr>
+          <p:cNvSpPr txBox="1"/>
+          <p:nvPr/>
+        </p:nvSpPr>
+        <p:spPr>
+          <a:xfrm>
+            <a:off x="3656354" y="4941996"/>
+            <a:ext cx="1350640" cy="584775"/>
+          </a:xfrm>
+          <a:prstGeom prst="rect">
+            <a:avLst/>
+          </a:prstGeom>
+          <a:noFill/>
+        </p:spPr>
+        <p:txBody>
+          <a:bodyPr wrap="square" rtlCol="0">
+            <a:spAutoFit/>
+          </a:bodyPr>
+          <a:lstStyle/>
+          <a:p>
+            <a:pPr algn="ctr"/>
+            <a:r>
+              <a:rPr lang="en-US" altLang="zh-TW" sz="1600" dirty="0">
+                <a:solidFill>
+                  <a:schemeClr val="accent1"/>
+                </a:solidFill>
+              </a:rPr>
+              <a:t>10 GHz/64</a:t>
+            </a:r>
+          </a:p>
+          <a:p>
+            <a:pPr algn="ctr"/>
+            <a:r>
+              <a:rPr lang="en-US" altLang="zh-TW" sz="1600" dirty="0">
+                <a:solidFill>
+                  <a:schemeClr val="accent1"/>
+                </a:solidFill>
+              </a:rPr>
+              <a:t>= 156.25MHz</a:t>
+            </a:r>
+            <a:endParaRPr lang="zh-TW" altLang="en-US" sz="1600" dirty="0">
+              <a:solidFill>
+                <a:schemeClr val="accent1"/>
+              </a:solidFill>
+            </a:endParaRPr>
+          </a:p>
+        </p:txBody>
+      </p:sp>
+      <p:sp>
+        <p:nvSpPr>
+          <p:cNvPr id="22" name="文字方塊 21">
+            <a:extLst>
+              <a:ext uri="{FF2B5EF4-FFF2-40B4-BE49-F238E27FC236}">
+                <a16:creationId xmlns:a16="http://schemas.microsoft.com/office/drawing/2014/main" id="{286DC4F3-8189-4E5A-A033-F5394C5A18E8}"/>
+              </a:ext>
+            </a:extLst>
+          </p:cNvPr>
+          <p:cNvSpPr txBox="1"/>
+          <p:nvPr/>
+        </p:nvSpPr>
+        <p:spPr>
+          <a:xfrm>
+            <a:off x="6978202" y="5020161"/>
+            <a:ext cx="3264795" cy="830997"/>
+          </a:xfrm>
+          <a:prstGeom prst="rect">
+            <a:avLst/>
+          </a:prstGeom>
+          <a:noFill/>
+        </p:spPr>
+        <p:txBody>
+          <a:bodyPr wrap="square" rtlCol="0">
+            <a:spAutoFit/>
+          </a:bodyPr>
+          <a:lstStyle/>
+          <a:p>
+            <a:pPr algn="ctr"/>
+            <a:r>
+              <a:rPr lang="en-US" altLang="zh-TW" sz="1600" dirty="0">
+                <a:solidFill>
+                  <a:schemeClr val="accent1"/>
+                </a:solidFill>
+              </a:rPr>
+              <a:t>Modulation rate:</a:t>
+            </a:r>
+          </a:p>
+          <a:p>
+            <a:pPr algn="ctr"/>
+            <a:r>
+              <a:rPr lang="en-US" altLang="zh-TW" sz="1600" dirty="0">
+                <a:solidFill>
+                  <a:schemeClr val="accent1"/>
+                </a:solidFill>
+              </a:rPr>
+              <a:t>10 GHz/64 x 1024/195</a:t>
+            </a:r>
+          </a:p>
+          <a:p>
+            <a:pPr algn="ctr"/>
+            <a:r>
+              <a:rPr lang="en-US" altLang="zh-TW" sz="1600" dirty="0">
+                <a:solidFill>
+                  <a:schemeClr val="accent1"/>
+                </a:solidFill>
+              </a:rPr>
+              <a:t> = 820.51Mbaud (Symbol/unit time)</a:t>
+            </a:r>
+            <a:endParaRPr lang="zh-TW" altLang="en-US" sz="1600" dirty="0">
+              <a:solidFill>
+                <a:schemeClr val="accent1"/>
+              </a:solidFill>
+            </a:endParaRPr>
+          </a:p>
+        </p:txBody>
+      </p:sp>
+      <p:sp>
+        <p:nvSpPr>
+          <p:cNvPr id="23" name="文字方塊 22">
+            <a:extLst>
+              <a:ext uri="{FF2B5EF4-FFF2-40B4-BE49-F238E27FC236}">
+                <a16:creationId xmlns:a16="http://schemas.microsoft.com/office/drawing/2014/main" id="{F22C1379-84BF-4254-85BA-96E19EFD0671}"/>
+              </a:ext>
+            </a:extLst>
+          </p:cNvPr>
+          <p:cNvSpPr txBox="1"/>
+          <p:nvPr/>
+        </p:nvSpPr>
+        <p:spPr>
+          <a:xfrm>
+            <a:off x="6757171" y="3963743"/>
+            <a:ext cx="4117428" cy="830997"/>
+          </a:xfrm>
+          <a:prstGeom prst="rect">
+            <a:avLst/>
+          </a:prstGeom>
+          <a:noFill/>
+        </p:spPr>
+        <p:txBody>
+          <a:bodyPr wrap="square" rtlCol="0">
+            <a:spAutoFit/>
+          </a:bodyPr>
+          <a:lstStyle/>
+          <a:p>
+            <a:pPr algn="ctr"/>
+            <a:r>
+              <a:rPr lang="en-US" altLang="zh-TW" sz="1600" b="1" dirty="0">
+                <a:solidFill>
+                  <a:srgbClr val="C00000"/>
+                </a:solidFill>
+              </a:rPr>
+              <a:t>10GBASE-T Frame</a:t>
+            </a:r>
+          </a:p>
+          <a:p>
+            <a:pPr algn="ctr"/>
+            <a:r>
+              <a:rPr lang="en-US" altLang="zh-TW" sz="1600" dirty="0"/>
+              <a:t>8 code blocks over 4 pairs = 8 x 1589 bits</a:t>
+            </a:r>
+          </a:p>
+          <a:p>
+            <a:pPr algn="ctr"/>
+            <a:r>
+              <a:rPr lang="en-US" altLang="zh-TW" sz="1600" dirty="0"/>
+              <a:t>=195 x 65-bit blocks+37 overhead bits (0.29%)</a:t>
+            </a:r>
+          </a:p>
+        </p:txBody>
+      </p:sp>
+    </p:spTree>
+    <p:extLst>
+      <p:ext uri="{BB962C8B-B14F-4D97-AF65-F5344CB8AC3E}">
+        <p14:creationId xmlns:p14="http://schemas.microsoft.com/office/powerpoint/2010/main" val="891682574"/>
+      </p:ext>
+    </p:extLst>
+  </p:cSld>
+  <p:clrMapOvr>
+    <a:masterClrMapping/>
+  </p:clrMapOvr>
+</p:sld>
+</file>
+
+<file path=ppt/slides/slide7.xml><?xml version="1.0" encoding="utf-8"?>
+<p:sld xmlns:a="http://schemas.openxmlformats.org/drawingml/2006/main" xmlns:r="http://schemas.openxmlformats.org/officeDocument/2006/relationships" xmlns:p="http://schemas.openxmlformats.org/presentationml/2006/main">
+  <p:cSld>
+    <p:spTree>
+      <p:nvGrpSpPr>
+        <p:cNvPr id="1" name=""/>
+        <p:cNvGrpSpPr/>
+        <p:nvPr/>
+      </p:nvGrpSpPr>
+      <p:grpSpPr>
+        <a:xfrm>
+          <a:off x="0" y="0"/>
+          <a:ext cx="0" cy="0"/>
+          <a:chOff x="0" y="0"/>
+          <a:chExt cx="0" cy="0"/>
+        </a:xfrm>
+      </p:grpSpPr>
+      <p:sp>
+        <p:nvSpPr>
+          <p:cNvPr id="2" name="標題 1">
+            <a:extLst>
+              <a:ext uri="{FF2B5EF4-FFF2-40B4-BE49-F238E27FC236}">
+                <a16:creationId xmlns:a16="http://schemas.microsoft.com/office/drawing/2014/main" id="{A29F77DF-7625-451A-9E34-011BABB67A28}"/>
+              </a:ext>
+            </a:extLst>
+          </p:cNvPr>
+          <p:cNvSpPr>
+            <a:spLocks noGrp="1"/>
+          </p:cNvSpPr>
+          <p:nvPr>
+            <p:ph type="title"/>
+          </p:nvPr>
+        </p:nvSpPr>
+        <p:spPr/>
+        <p:txBody>
+          <a:bodyPr/>
+          <a:lstStyle/>
+          <a:p>
+            <a:r>
+              <a:rPr lang="sv-SE" altLang="zh-TW" dirty="0"/>
+              <a:t>Coding, modulation, framing: variant II</a:t>
+            </a:r>
+            <a:endParaRPr lang="zh-TW" altLang="en-US" dirty="0"/>
+          </a:p>
+        </p:txBody>
+      </p:sp>
+      <p:sp>
+        <p:nvSpPr>
+          <p:cNvPr id="3" name="內容版面配置區 2">
+            <a:extLst>
+              <a:ext uri="{FF2B5EF4-FFF2-40B4-BE49-F238E27FC236}">
+                <a16:creationId xmlns:a16="http://schemas.microsoft.com/office/drawing/2014/main" id="{8A838506-B551-4188-9797-C3543E0A7E4E}"/>
+              </a:ext>
+            </a:extLst>
+          </p:cNvPr>
+          <p:cNvSpPr>
+            <a:spLocks noGrp="1"/>
+          </p:cNvSpPr>
+          <p:nvPr>
+            <p:ph idx="1"/>
+          </p:nvPr>
+        </p:nvSpPr>
+        <p:spPr/>
+        <p:txBody>
+          <a:bodyPr/>
+          <a:lstStyle/>
+          <a:p>
+            <a:r>
+              <a:rPr lang="en-US" altLang="zh-TW" sz="2800" dirty="0"/>
+              <a:t>128DSQ</a:t>
+            </a:r>
+            <a:r>
+              <a:rPr lang="zh-TW" altLang="en-US" sz="2800" dirty="0"/>
+              <a:t> </a:t>
+            </a:r>
+            <a:r>
+              <a:rPr lang="en-US" altLang="zh-TW" sz="2800" dirty="0"/>
+              <a:t>and (1024,797)LDPC coding</a:t>
+            </a:r>
+            <a:endParaRPr lang="zh-TW" altLang="en-US" sz="2800" dirty="0"/>
+          </a:p>
+          <a:p>
+            <a:r>
+              <a:rPr lang="en-US" altLang="zh-TW" sz="2800" dirty="0"/>
+              <a:t>Code rate: 3.0566 bit/dim</a:t>
+            </a:r>
+          </a:p>
+          <a:p>
+            <a:pPr lvl="1"/>
+            <a:r>
+              <a:rPr lang="en-US" altLang="zh-TW" dirty="0"/>
+              <a:t>-0.0469 bit/dim vs. 0.28 dB gain</a:t>
+            </a:r>
+          </a:p>
+          <a:p>
+            <a:pPr lvl="1"/>
+            <a:endParaRPr lang="en-US" altLang="zh-TW" dirty="0"/>
+          </a:p>
+          <a:p>
+            <a:r>
+              <a:rPr lang="en-US" altLang="zh-TW" dirty="0"/>
+              <a:t>Framing example</a:t>
+            </a:r>
+          </a:p>
+          <a:p>
+            <a:pPr lvl="1"/>
+            <a:endParaRPr lang="en-US" altLang="zh-TW" dirty="0"/>
+          </a:p>
+          <a:p>
+            <a:endParaRPr lang="zh-TW" altLang="en-US" dirty="0"/>
+          </a:p>
+        </p:txBody>
+      </p:sp>
+      <p:sp>
+        <p:nvSpPr>
+          <p:cNvPr id="4" name="投影片編號版面配置區 3">
+            <a:extLst>
+              <a:ext uri="{FF2B5EF4-FFF2-40B4-BE49-F238E27FC236}">
+                <a16:creationId xmlns:a16="http://schemas.microsoft.com/office/drawing/2014/main" id="{40C8E456-F609-4B0C-91F8-A5D8EABCD6F9}"/>
+              </a:ext>
+            </a:extLst>
+          </p:cNvPr>
+          <p:cNvSpPr>
+            <a:spLocks noGrp="1"/>
+          </p:cNvSpPr>
+          <p:nvPr>
+            <p:ph type="sldNum" sz="quarter" idx="12"/>
+          </p:nvPr>
+        </p:nvSpPr>
+        <p:spPr/>
+        <p:txBody>
+          <a:bodyPr/>
+          <a:lstStyle/>
+          <a:p>
+            <a:fld id="{5357535F-E6DD-4F6C-B8A3-03278B2FADD3}" type="slidenum">
+              <a:rPr lang="zh-TW" altLang="en-US" smtClean="0"/>
+              <a:pPr/>
+              <a:t>7</a:t>
+            </a:fld>
+            <a:endParaRPr lang="zh-TW" altLang="en-US" dirty="0"/>
+          </a:p>
+        </p:txBody>
+      </p:sp>
+      <p:pic>
+        <p:nvPicPr>
+          <p:cNvPr id="8" name="圖片 7">
+            <a:extLst>
+              <a:ext uri="{FF2B5EF4-FFF2-40B4-BE49-F238E27FC236}">
+                <a16:creationId xmlns:a16="http://schemas.microsoft.com/office/drawing/2014/main" id="{B3D92AB0-0F17-4FBF-A5DF-E1105B821611}"/>
+              </a:ext>
+            </a:extLst>
+          </p:cNvPr>
+          <p:cNvPicPr>
+            <a:picLocks noChangeAspect="1"/>
+          </p:cNvPicPr>
+          <p:nvPr/>
+        </p:nvPicPr>
+        <p:blipFill>
+          <a:blip r:embed="rId2"/>
+          <a:stretch>
+            <a:fillRect/>
+          </a:stretch>
+        </p:blipFill>
+        <p:spPr>
+          <a:xfrm>
+            <a:off x="8311994" y="1563001"/>
+            <a:ext cx="3041806" cy="1651085"/>
+          </a:xfrm>
+          <a:prstGeom prst="rect">
+            <a:avLst/>
+          </a:prstGeom>
+        </p:spPr>
+      </p:pic>
+      <p:sp>
+        <p:nvSpPr>
+          <p:cNvPr id="9" name="矩形 8">
+            <a:extLst>
+              <a:ext uri="{FF2B5EF4-FFF2-40B4-BE49-F238E27FC236}">
+                <a16:creationId xmlns:a16="http://schemas.microsoft.com/office/drawing/2014/main" id="{E511E301-D218-4A6B-91EC-298CC88153C5}"/>
+              </a:ext>
+            </a:extLst>
+          </p:cNvPr>
+          <p:cNvSpPr/>
+          <p:nvPr/>
+        </p:nvSpPr>
+        <p:spPr>
+          <a:xfrm>
+            <a:off x="3070745" y="4525402"/>
+            <a:ext cx="850005" cy="1378040"/>
+          </a:xfrm>
+          <a:prstGeom prst="rect">
+            <a:avLst/>
+          </a:prstGeom>
+          <a:noFill/>
+          <a:ln>
+            <a:solidFill>
+              <a:schemeClr val="tx1"/>
+            </a:solidFill>
+          </a:ln>
+        </p:spPr>
+        <p:style>
+          <a:lnRef idx="2">
+            <a:schemeClr val="accent1">
+              <a:shade val="50000"/>
+            </a:schemeClr>
+          </a:lnRef>
+          <a:fillRef idx="1">
+            <a:schemeClr val="accent1"/>
+          </a:fillRef>
+          <a:effectRef idx="0">
+            <a:schemeClr val="accent1"/>
+          </a:effectRef>
+          <a:fontRef idx="minor">
+            <a:schemeClr val="lt1"/>
+          </a:fontRef>
+        </p:style>
+        <p:txBody>
+          <a:bodyPr rtlCol="0" anchor="ctr"/>
+          <a:lstStyle/>
+          <a:p>
+            <a:pPr algn="ctr"/>
+            <a:r>
+              <a:rPr lang="en-US" altLang="zh-TW" dirty="0">
+                <a:solidFill>
+                  <a:schemeClr val="tx1"/>
+                </a:solidFill>
+              </a:rPr>
+              <a:t>64+/65</a:t>
+            </a:r>
+          </a:p>
+          <a:p>
+            <a:pPr algn="ctr"/>
+            <a:r>
+              <a:rPr lang="en-US" altLang="zh-TW" dirty="0">
+                <a:solidFill>
+                  <a:schemeClr val="tx1"/>
+                </a:solidFill>
+              </a:rPr>
+              <a:t>Trans-coding</a:t>
+            </a:r>
+            <a:endParaRPr lang="zh-TW" altLang="en-US" dirty="0">
+              <a:solidFill>
+                <a:schemeClr val="tx1"/>
+              </a:solidFill>
+            </a:endParaRPr>
+          </a:p>
+        </p:txBody>
+      </p:sp>
+      <p:cxnSp>
+        <p:nvCxnSpPr>
+          <p:cNvPr id="10" name="直線單箭頭接點 9">
+            <a:extLst>
+              <a:ext uri="{FF2B5EF4-FFF2-40B4-BE49-F238E27FC236}">
+                <a16:creationId xmlns:a16="http://schemas.microsoft.com/office/drawing/2014/main" id="{D53E96DD-795B-4EB6-A145-4ABE04E1EA7C}"/>
+              </a:ext>
+            </a:extLst>
+          </p:cNvPr>
+          <p:cNvCxnSpPr>
+            <a:cxnSpLocks/>
+            <a:endCxn id="9" idx="1"/>
+          </p:cNvCxnSpPr>
+          <p:nvPr/>
+        </p:nvCxnSpPr>
+        <p:spPr>
+          <a:xfrm>
+            <a:off x="1166883" y="5214422"/>
+            <a:ext cx="1903862" cy="0"/>
+          </a:xfrm>
+          <a:prstGeom prst="straightConnector1">
+            <a:avLst/>
+          </a:prstGeom>
+          <a:ln w="25400">
+            <a:solidFill>
+              <a:schemeClr val="tx1"/>
+            </a:solidFill>
+            <a:tailEnd type="triangle"/>
+          </a:ln>
+        </p:spPr>
+        <p:style>
+          <a:lnRef idx="1">
+            <a:schemeClr val="accent1"/>
+          </a:lnRef>
+          <a:fillRef idx="0">
+            <a:schemeClr val="accent1"/>
+          </a:fillRef>
+          <a:effectRef idx="0">
+            <a:schemeClr val="accent1"/>
+          </a:effectRef>
+          <a:fontRef idx="minor">
+            <a:schemeClr val="tx1"/>
+          </a:fontRef>
+        </p:style>
+      </p:cxnSp>
+      <p:sp>
+        <p:nvSpPr>
+          <p:cNvPr id="11" name="文字方塊 10">
+            <a:extLst>
+              <a:ext uri="{FF2B5EF4-FFF2-40B4-BE49-F238E27FC236}">
+                <a16:creationId xmlns:a16="http://schemas.microsoft.com/office/drawing/2014/main" id="{E5090ACF-C86C-4143-9437-B46CCEA87CA5}"/>
+              </a:ext>
+            </a:extLst>
+          </p:cNvPr>
+          <p:cNvSpPr txBox="1"/>
+          <p:nvPr/>
+        </p:nvSpPr>
+        <p:spPr>
+          <a:xfrm>
+            <a:off x="873455" y="4356126"/>
+            <a:ext cx="2197290" cy="584775"/>
+          </a:xfrm>
+          <a:prstGeom prst="rect">
+            <a:avLst/>
+          </a:prstGeom>
+          <a:noFill/>
+        </p:spPr>
+        <p:txBody>
+          <a:bodyPr wrap="square" rtlCol="0">
+            <a:spAutoFit/>
+          </a:bodyPr>
+          <a:lstStyle/>
+          <a:p>
+            <a:pPr algn="ctr"/>
+            <a:r>
+              <a:rPr lang="en-US" altLang="zh-TW" sz="1600" b="1" dirty="0">
+                <a:solidFill>
+                  <a:srgbClr val="C00000"/>
+                </a:solidFill>
+              </a:rPr>
+              <a:t>XGMII</a:t>
+            </a:r>
+          </a:p>
+          <a:p>
+            <a:pPr algn="ctr"/>
+            <a:r>
+              <a:rPr lang="en-US" altLang="zh-TW" sz="1600" dirty="0"/>
+              <a:t>2 x (32 TXD+ 4 TXC) bits</a:t>
+            </a:r>
+            <a:endParaRPr lang="zh-TW" altLang="en-US" sz="1600" dirty="0"/>
+          </a:p>
+        </p:txBody>
+      </p:sp>
+      <p:sp>
+        <p:nvSpPr>
+          <p:cNvPr id="12" name="文字方塊 11">
+            <a:extLst>
+              <a:ext uri="{FF2B5EF4-FFF2-40B4-BE49-F238E27FC236}">
+                <a16:creationId xmlns:a16="http://schemas.microsoft.com/office/drawing/2014/main" id="{69DCF9DF-277B-498B-9DE6-285B99B7B66E}"/>
+              </a:ext>
+            </a:extLst>
+          </p:cNvPr>
+          <p:cNvSpPr txBox="1"/>
+          <p:nvPr/>
+        </p:nvSpPr>
+        <p:spPr>
+          <a:xfrm>
+            <a:off x="723331" y="5318667"/>
+            <a:ext cx="2347414" cy="584775"/>
+          </a:xfrm>
+          <a:prstGeom prst="rect">
+            <a:avLst/>
+          </a:prstGeom>
+          <a:noFill/>
+        </p:spPr>
+        <p:txBody>
+          <a:bodyPr wrap="square" rtlCol="0">
+            <a:spAutoFit/>
+          </a:bodyPr>
+          <a:lstStyle/>
+          <a:p>
+            <a:pPr algn="ctr"/>
+            <a:r>
+              <a:rPr lang="en-US" altLang="zh-TW" sz="1600" dirty="0">
+                <a:solidFill>
+                  <a:schemeClr val="accent1"/>
+                </a:solidFill>
+              </a:rPr>
+              <a:t>TX_CLK:</a:t>
+            </a:r>
+          </a:p>
+          <a:p>
+            <a:pPr algn="ctr"/>
+            <a:r>
+              <a:rPr lang="en-US" altLang="zh-TW" sz="1600" dirty="0">
+                <a:solidFill>
+                  <a:schemeClr val="accent1"/>
+                </a:solidFill>
+              </a:rPr>
+              <a:t>10 GHz/64 = 156.25MHz</a:t>
+            </a:r>
+          </a:p>
+        </p:txBody>
+      </p:sp>
+      <p:cxnSp>
+        <p:nvCxnSpPr>
+          <p:cNvPr id="13" name="直線單箭頭接點 12">
+            <a:extLst>
+              <a:ext uri="{FF2B5EF4-FFF2-40B4-BE49-F238E27FC236}">
+                <a16:creationId xmlns:a16="http://schemas.microsoft.com/office/drawing/2014/main" id="{278139B7-B029-42E9-BCAC-BD9A41BC2F73}"/>
+              </a:ext>
+            </a:extLst>
+          </p:cNvPr>
+          <p:cNvCxnSpPr>
+            <a:cxnSpLocks/>
+          </p:cNvCxnSpPr>
+          <p:nvPr/>
+        </p:nvCxnSpPr>
+        <p:spPr>
+          <a:xfrm>
+            <a:off x="3920750" y="5214422"/>
+            <a:ext cx="1231279" cy="0"/>
+          </a:xfrm>
+          <a:prstGeom prst="straightConnector1">
+            <a:avLst/>
+          </a:prstGeom>
+          <a:ln w="25400">
+            <a:solidFill>
+              <a:schemeClr val="tx1"/>
+            </a:solidFill>
+            <a:tailEnd type="triangle"/>
+          </a:ln>
+        </p:spPr>
+        <p:style>
+          <a:lnRef idx="1">
+            <a:schemeClr val="accent1"/>
+          </a:lnRef>
+          <a:fillRef idx="0">
+            <a:schemeClr val="accent1"/>
+          </a:fillRef>
+          <a:effectRef idx="0">
+            <a:schemeClr val="accent1"/>
+          </a:effectRef>
+          <a:fontRef idx="minor">
+            <a:schemeClr val="tx1"/>
+          </a:fontRef>
+        </p:style>
+      </p:cxnSp>
+      <p:sp>
+        <p:nvSpPr>
+          <p:cNvPr id="14" name="矩形 13">
+            <a:extLst>
+              <a:ext uri="{FF2B5EF4-FFF2-40B4-BE49-F238E27FC236}">
+                <a16:creationId xmlns:a16="http://schemas.microsoft.com/office/drawing/2014/main" id="{B2E756D7-4E74-4D75-AF96-B8737D71F851}"/>
+              </a:ext>
+            </a:extLst>
+          </p:cNvPr>
+          <p:cNvSpPr/>
+          <p:nvPr/>
+        </p:nvSpPr>
+        <p:spPr>
+          <a:xfrm>
+            <a:off x="5162696" y="4522494"/>
+            <a:ext cx="1319990" cy="1378040"/>
+          </a:xfrm>
+          <a:prstGeom prst="rect">
+            <a:avLst/>
+          </a:prstGeom>
+          <a:noFill/>
+          <a:ln>
+            <a:solidFill>
+              <a:schemeClr val="tx1"/>
+            </a:solidFill>
+          </a:ln>
+        </p:spPr>
+        <p:style>
+          <a:lnRef idx="2">
+            <a:schemeClr val="accent1">
+              <a:shade val="50000"/>
+            </a:schemeClr>
+          </a:lnRef>
+          <a:fillRef idx="1">
+            <a:schemeClr val="accent1"/>
+          </a:fillRef>
+          <a:effectRef idx="0">
+            <a:schemeClr val="accent1"/>
+          </a:effectRef>
+          <a:fontRef idx="minor">
+            <a:schemeClr val="lt1"/>
+          </a:fontRef>
+        </p:style>
+        <p:txBody>
+          <a:bodyPr rtlCol="0" anchor="ctr"/>
+          <a:lstStyle/>
+          <a:p>
+            <a:pPr algn="ctr"/>
+            <a:r>
+              <a:rPr lang="en-US" altLang="zh-TW" dirty="0">
+                <a:solidFill>
+                  <a:schemeClr val="tx1"/>
+                </a:solidFill>
+              </a:rPr>
+              <a:t>Framing</a:t>
+            </a:r>
+          </a:p>
+          <a:p>
+            <a:pPr algn="ctr"/>
+            <a:r>
+              <a:rPr lang="en-US" altLang="zh-TW" dirty="0">
+                <a:solidFill>
+                  <a:schemeClr val="tx1"/>
+                </a:solidFill>
+              </a:rPr>
+              <a:t>+</a:t>
+            </a:r>
+          </a:p>
+          <a:p>
+            <a:pPr algn="ctr"/>
+            <a:r>
+              <a:rPr lang="en-US" altLang="zh-TW" dirty="0">
+                <a:solidFill>
+                  <a:schemeClr val="tx1"/>
+                </a:solidFill>
+              </a:rPr>
+              <a:t>Coding</a:t>
+            </a:r>
+          </a:p>
+          <a:p>
+            <a:pPr algn="ctr"/>
+            <a:r>
+              <a:rPr lang="en-US" altLang="zh-TW" dirty="0">
+                <a:solidFill>
+                  <a:schemeClr val="tx1"/>
+                </a:solidFill>
+              </a:rPr>
+              <a:t>+</a:t>
+            </a:r>
+          </a:p>
+          <a:p>
+            <a:pPr algn="ctr"/>
+            <a:r>
+              <a:rPr lang="en-US" altLang="zh-TW" dirty="0">
+                <a:solidFill>
+                  <a:schemeClr val="tx1"/>
+                </a:solidFill>
+              </a:rPr>
+              <a:t>Modulation</a:t>
+            </a:r>
+            <a:endParaRPr lang="zh-TW" altLang="en-US" dirty="0">
+              <a:solidFill>
+                <a:schemeClr val="tx1"/>
+              </a:solidFill>
+            </a:endParaRPr>
+          </a:p>
+        </p:txBody>
+      </p:sp>
+      <p:cxnSp>
+        <p:nvCxnSpPr>
+          <p:cNvPr id="15" name="直線單箭頭接點 14">
+            <a:extLst>
+              <a:ext uri="{FF2B5EF4-FFF2-40B4-BE49-F238E27FC236}">
+                <a16:creationId xmlns:a16="http://schemas.microsoft.com/office/drawing/2014/main" id="{77D6E3B4-77D5-4CD7-85F0-12794E4A117E}"/>
+              </a:ext>
+            </a:extLst>
+          </p:cNvPr>
+          <p:cNvCxnSpPr>
+            <a:cxnSpLocks/>
+          </p:cNvCxnSpPr>
+          <p:nvPr/>
+        </p:nvCxnSpPr>
+        <p:spPr>
+          <a:xfrm>
+            <a:off x="6482686" y="5188014"/>
+            <a:ext cx="4469642" cy="0"/>
+          </a:xfrm>
+          <a:prstGeom prst="straightConnector1">
+            <a:avLst/>
+          </a:prstGeom>
+          <a:ln w="25400">
+            <a:solidFill>
+              <a:schemeClr val="tx1"/>
+            </a:solidFill>
+            <a:tailEnd type="triangle"/>
+          </a:ln>
+        </p:spPr>
+        <p:style>
+          <a:lnRef idx="1">
+            <a:schemeClr val="accent1"/>
+          </a:lnRef>
+          <a:fillRef idx="0">
+            <a:schemeClr val="accent1"/>
+          </a:fillRef>
+          <a:effectRef idx="0">
+            <a:schemeClr val="accent1"/>
+          </a:effectRef>
+          <a:fontRef idx="minor">
+            <a:schemeClr val="tx1"/>
+          </a:fontRef>
+        </p:style>
+      </p:cxnSp>
+      <p:sp>
+        <p:nvSpPr>
+          <p:cNvPr id="16" name="文字方塊 15">
+            <a:extLst>
+              <a:ext uri="{FF2B5EF4-FFF2-40B4-BE49-F238E27FC236}">
+                <a16:creationId xmlns:a16="http://schemas.microsoft.com/office/drawing/2014/main" id="{4958A3C4-AD11-454F-8A8E-0F18E4B1C0ED}"/>
+              </a:ext>
+            </a:extLst>
+          </p:cNvPr>
+          <p:cNvSpPr txBox="1"/>
+          <p:nvPr/>
+        </p:nvSpPr>
+        <p:spPr>
+          <a:xfrm>
+            <a:off x="3850455" y="4849460"/>
+            <a:ext cx="1371867" cy="338554"/>
+          </a:xfrm>
+          <a:prstGeom prst="rect">
+            <a:avLst/>
+          </a:prstGeom>
+          <a:noFill/>
+        </p:spPr>
+        <p:txBody>
+          <a:bodyPr wrap="square" rtlCol="0">
+            <a:spAutoFit/>
+          </a:bodyPr>
+          <a:lstStyle/>
+          <a:p>
+            <a:pPr algn="ctr"/>
+            <a:r>
+              <a:rPr lang="en-US" altLang="zh-TW" sz="1600" dirty="0"/>
+              <a:t>65-bit blocks</a:t>
+            </a:r>
+            <a:endParaRPr lang="zh-TW" altLang="en-US" sz="1600" dirty="0"/>
+          </a:p>
+        </p:txBody>
+      </p:sp>
+      <p:sp>
+        <p:nvSpPr>
+          <p:cNvPr id="17" name="文字方塊 16">
+            <a:extLst>
+              <a:ext uri="{FF2B5EF4-FFF2-40B4-BE49-F238E27FC236}">
+                <a16:creationId xmlns:a16="http://schemas.microsoft.com/office/drawing/2014/main" id="{8B0B49D4-3455-4B49-9270-B463DD9FC394}"/>
+              </a:ext>
+            </a:extLst>
+          </p:cNvPr>
+          <p:cNvSpPr txBox="1"/>
+          <p:nvPr/>
+        </p:nvSpPr>
+        <p:spPr>
+          <a:xfrm>
+            <a:off x="3861070" y="5267801"/>
+            <a:ext cx="1350640" cy="584775"/>
+          </a:xfrm>
+          <a:prstGeom prst="rect">
+            <a:avLst/>
+          </a:prstGeom>
+          <a:noFill/>
+        </p:spPr>
+        <p:txBody>
+          <a:bodyPr wrap="square" rtlCol="0">
+            <a:spAutoFit/>
+          </a:bodyPr>
+          <a:lstStyle/>
+          <a:p>
+            <a:pPr algn="ctr"/>
+            <a:r>
+              <a:rPr lang="en-US" altLang="zh-TW" sz="1600" dirty="0">
+                <a:solidFill>
+                  <a:schemeClr val="accent1"/>
+                </a:solidFill>
+              </a:rPr>
+              <a:t>10 GHz/64</a:t>
+            </a:r>
+          </a:p>
+          <a:p>
+            <a:pPr algn="ctr"/>
+            <a:r>
+              <a:rPr lang="en-US" altLang="zh-TW" sz="1600" dirty="0">
+                <a:solidFill>
+                  <a:schemeClr val="accent1"/>
+                </a:solidFill>
+              </a:rPr>
+              <a:t>= 156.25MHz</a:t>
+            </a:r>
+            <a:endParaRPr lang="zh-TW" altLang="en-US" sz="1600" dirty="0">
+              <a:solidFill>
+                <a:schemeClr val="accent1"/>
+              </a:solidFill>
+            </a:endParaRPr>
+          </a:p>
+        </p:txBody>
+      </p:sp>
+      <p:sp>
+        <p:nvSpPr>
+          <p:cNvPr id="18" name="文字方塊 17">
+            <a:extLst>
+              <a:ext uri="{FF2B5EF4-FFF2-40B4-BE49-F238E27FC236}">
+                <a16:creationId xmlns:a16="http://schemas.microsoft.com/office/drawing/2014/main" id="{F4E532C1-40B8-44A5-AC48-A7CD7B8E5B41}"/>
+              </a:ext>
+            </a:extLst>
+          </p:cNvPr>
+          <p:cNvSpPr txBox="1"/>
+          <p:nvPr/>
+        </p:nvSpPr>
+        <p:spPr>
+          <a:xfrm>
+            <a:off x="7182918" y="5345966"/>
+            <a:ext cx="3264795" cy="830997"/>
+          </a:xfrm>
+          <a:prstGeom prst="rect">
+            <a:avLst/>
+          </a:prstGeom>
+          <a:noFill/>
+        </p:spPr>
+        <p:txBody>
+          <a:bodyPr wrap="square" rtlCol="0">
+            <a:spAutoFit/>
+          </a:bodyPr>
+          <a:lstStyle/>
+          <a:p>
+            <a:pPr algn="ctr"/>
+            <a:r>
+              <a:rPr lang="en-US" altLang="zh-TW" sz="1600" dirty="0">
+                <a:solidFill>
+                  <a:schemeClr val="accent1"/>
+                </a:solidFill>
+              </a:rPr>
+              <a:t>Modulation rate:</a:t>
+            </a:r>
+          </a:p>
+          <a:p>
+            <a:pPr algn="ctr"/>
+            <a:r>
+              <a:rPr lang="en-US" altLang="zh-TW" sz="1600" dirty="0">
+                <a:solidFill>
+                  <a:schemeClr val="accent1"/>
+                </a:solidFill>
+              </a:rPr>
+              <a:t>10 GHz/64 x 128/24</a:t>
+            </a:r>
+          </a:p>
+          <a:p>
+            <a:pPr algn="ctr"/>
+            <a:r>
+              <a:rPr lang="en-US" altLang="zh-TW" sz="1600" dirty="0">
+                <a:solidFill>
+                  <a:schemeClr val="accent1"/>
+                </a:solidFill>
+              </a:rPr>
+              <a:t> = 833.33Mbaud (Symbol/unit time)</a:t>
+            </a:r>
+          </a:p>
+        </p:txBody>
+      </p:sp>
+      <p:sp>
+        <p:nvSpPr>
+          <p:cNvPr id="19" name="文字方塊 18">
+            <a:extLst>
+              <a:ext uri="{FF2B5EF4-FFF2-40B4-BE49-F238E27FC236}">
+                <a16:creationId xmlns:a16="http://schemas.microsoft.com/office/drawing/2014/main" id="{7273F586-EFA7-4CF4-874E-B2C4B4E0DA2E}"/>
+              </a:ext>
+            </a:extLst>
+          </p:cNvPr>
+          <p:cNvSpPr txBox="1"/>
+          <p:nvPr/>
+        </p:nvSpPr>
+        <p:spPr>
+          <a:xfrm>
+            <a:off x="6961887" y="4289548"/>
+            <a:ext cx="4117428" cy="830997"/>
+          </a:xfrm>
+          <a:prstGeom prst="rect">
+            <a:avLst/>
+          </a:prstGeom>
+          <a:noFill/>
+        </p:spPr>
+        <p:txBody>
+          <a:bodyPr wrap="square" rtlCol="0">
+            <a:spAutoFit/>
+          </a:bodyPr>
+          <a:lstStyle/>
+          <a:p>
+            <a:pPr algn="ctr"/>
+            <a:r>
+              <a:rPr lang="en-US" altLang="zh-TW" sz="1600" b="1" dirty="0">
+                <a:solidFill>
+                  <a:srgbClr val="C00000"/>
+                </a:solidFill>
+              </a:rPr>
+              <a:t>10GBASE-T Frame</a:t>
+            </a:r>
+          </a:p>
+          <a:p>
+            <a:pPr algn="ctr"/>
+            <a:r>
+              <a:rPr lang="en-US" altLang="zh-TW" sz="1600" dirty="0"/>
+              <a:t>1 code blocks over 4 pairs = 1565 bits</a:t>
+            </a:r>
+          </a:p>
+          <a:p>
+            <a:pPr algn="ctr"/>
+            <a:r>
+              <a:rPr lang="en-US" altLang="zh-TW" sz="1600" dirty="0"/>
+              <a:t>=24 x 65-bit blocks+5 overhead bits (0.28%)</a:t>
+            </a:r>
+          </a:p>
+        </p:txBody>
+      </p:sp>
+    </p:spTree>
+    <p:extLst>
+      <p:ext uri="{BB962C8B-B14F-4D97-AF65-F5344CB8AC3E}">
+        <p14:creationId xmlns:p14="http://schemas.microsoft.com/office/powerpoint/2010/main" val="2983357245"/>
+      </p:ext>
+    </p:extLst>
+  </p:cSld>
+  <p:clrMapOvr>
+    <a:masterClrMapping/>
+  </p:clrMapOvr>
+</p:sld>
+</file>
+
+<file path=ppt/slides/slide8.xml><?xml version="1.0" encoding="utf-8"?>
+<p:sld xmlns:a="http://schemas.openxmlformats.org/drawingml/2006/main" xmlns:r="http://schemas.openxmlformats.org/officeDocument/2006/relationships" xmlns:p="http://schemas.openxmlformats.org/presentationml/2006/main">
+  <p:cSld>
+    <p:spTree>
+      <p:nvGrpSpPr>
+        <p:cNvPr id="1" name=""/>
+        <p:cNvGrpSpPr/>
+        <p:nvPr/>
+      </p:nvGrpSpPr>
+      <p:grpSpPr>
+        <a:xfrm>
+          <a:off x="0" y="0"/>
+          <a:ext cx="0" cy="0"/>
+          <a:chOff x="0" y="0"/>
+          <a:chExt cx="0" cy="0"/>
+        </a:xfrm>
+      </p:grpSpPr>
+      <p:sp>
+        <p:nvSpPr>
+          <p:cNvPr id="2" name="標題 1">
+            <a:extLst>
+              <a:ext uri="{FF2B5EF4-FFF2-40B4-BE49-F238E27FC236}">
+                <a16:creationId xmlns:a16="http://schemas.microsoft.com/office/drawing/2014/main" id="{A81E4EE6-2CF9-02A0-D8A4-0963D79B2C85}"/>
+              </a:ext>
+            </a:extLst>
+          </p:cNvPr>
+          <p:cNvSpPr>
+            <a:spLocks noGrp="1"/>
+          </p:cNvSpPr>
+          <p:nvPr>
+            <p:ph type="ctrTitle"/>
+          </p:nvPr>
+        </p:nvSpPr>
+        <p:spPr>
+          <a:xfrm>
+            <a:off x="1064833" y="3055167"/>
+            <a:ext cx="10062333" cy="747666"/>
+          </a:xfrm>
+        </p:spPr>
+        <p:txBody>
+          <a:bodyPr>
+            <a:normAutofit/>
+          </a:bodyPr>
+          <a:lstStyle/>
+          <a:p>
+            <a:r>
+              <a:rPr lang="en-US" altLang="zh-TW" sz="4500" dirty="0"/>
+              <a:t>128-DSQ mapping</a:t>
+            </a:r>
+            <a:endParaRPr lang="zh-TW" altLang="en-US" sz="4500" dirty="0"/>
+          </a:p>
+        </p:txBody>
+      </p:sp>
+    </p:spTree>
+    <p:extLst>
+      <p:ext uri="{BB962C8B-B14F-4D97-AF65-F5344CB8AC3E}">
+        <p14:creationId xmlns:p14="http://schemas.microsoft.com/office/powerpoint/2010/main" val="2536437468"/>
+      </p:ext>
+    </p:extLst>
+  </p:cSld>
+  <p:clrMapOvr>
+    <a:masterClrMapping/>
+  </p:clrMapOvr>
+</p:sld>
+</file>
+
+<file path=ppt/slides/slide9.xml><?xml version="1.0" encoding="utf-8"?>
+<p:sld xmlns:a="http://schemas.openxmlformats.org/drawingml/2006/main" xmlns:r="http://schemas.openxmlformats.org/officeDocument/2006/relationships" xmlns:p="http://schemas.openxmlformats.org/presentationml/2006/main">
+  <p:cSld>
+    <p:spTree>
+      <p:nvGrpSpPr>
+        <p:cNvPr id="1" name=""/>
+        <p:cNvGrpSpPr/>
+        <p:nvPr/>
+      </p:nvGrpSpPr>
+      <p:grpSpPr>
+        <a:xfrm>
+          <a:off x="0" y="0"/>
+          <a:ext cx="0" cy="0"/>
+          <a:chOff x="0" y="0"/>
+          <a:chExt cx="0" cy="0"/>
+        </a:xfrm>
+      </p:grpSpPr>
+      <p:sp>
+        <p:nvSpPr>
+          <p:cNvPr id="4" name="投影片編號版面配置區 3">
+            <a:extLst>
+              <a:ext uri="{FF2B5EF4-FFF2-40B4-BE49-F238E27FC236}">
+                <a16:creationId xmlns:a16="http://schemas.microsoft.com/office/drawing/2014/main" id="{07834F5C-42BC-45A0-B701-6B75417FFA6A}"/>
+              </a:ext>
+            </a:extLst>
+          </p:cNvPr>
+          <p:cNvSpPr>
+            <a:spLocks noGrp="1"/>
+          </p:cNvSpPr>
+          <p:nvPr>
+            <p:ph type="sldNum" sz="quarter" idx="12"/>
+          </p:nvPr>
+        </p:nvSpPr>
+        <p:spPr/>
+        <p:txBody>
+          <a:bodyPr/>
+          <a:lstStyle/>
+          <a:p>
+            <a:fld id="{5357535F-E6DD-4F6C-B8A3-03278B2FADD3}" type="slidenum">
+              <a:rPr lang="zh-TW" altLang="en-US" smtClean="0"/>
+              <a:pPr/>
+              <a:t>9</a:t>
+            </a:fld>
+            <a:endParaRPr lang="zh-TW" altLang="en-US" dirty="0"/>
+          </a:p>
+        </p:txBody>
+      </p:sp>
+      <p:pic>
+        <p:nvPicPr>
+          <p:cNvPr id="6" name="圖片 5">
+            <a:extLst>
+              <a:ext uri="{FF2B5EF4-FFF2-40B4-BE49-F238E27FC236}">
+                <a16:creationId xmlns:a16="http://schemas.microsoft.com/office/drawing/2014/main" id="{8208DF60-2834-43AC-94B9-9097DBAE1A65}"/>
+              </a:ext>
+            </a:extLst>
+          </p:cNvPr>
+          <p:cNvPicPr>
+            <a:picLocks noChangeAspect="1"/>
+          </p:cNvPicPr>
+          <p:nvPr/>
+        </p:nvPicPr>
+        <p:blipFill>
+          <a:blip r:embed="rId2"/>
+          <a:stretch>
+            <a:fillRect/>
+          </a:stretch>
+        </p:blipFill>
+        <p:spPr>
+          <a:xfrm>
+            <a:off x="354368" y="399692"/>
+            <a:ext cx="2749691" cy="4972306"/>
+          </a:xfrm>
+          <a:prstGeom prst="rect">
+            <a:avLst/>
+          </a:prstGeom>
+        </p:spPr>
+      </p:pic>
+      <p:pic>
+        <p:nvPicPr>
+          <p:cNvPr id="8" name="圖片 7">
+            <a:extLst>
+              <a:ext uri="{FF2B5EF4-FFF2-40B4-BE49-F238E27FC236}">
+                <a16:creationId xmlns:a16="http://schemas.microsoft.com/office/drawing/2014/main" id="{6DE33B97-5867-4543-9F8A-39E33D60588C}"/>
+              </a:ext>
+            </a:extLst>
+          </p:cNvPr>
+          <p:cNvPicPr>
+            <a:picLocks noChangeAspect="1"/>
+          </p:cNvPicPr>
+          <p:nvPr/>
+        </p:nvPicPr>
+        <p:blipFill>
+          <a:blip r:embed="rId3"/>
+          <a:stretch>
+            <a:fillRect/>
+          </a:stretch>
+        </p:blipFill>
+        <p:spPr>
+          <a:xfrm>
+            <a:off x="3015569" y="399692"/>
+            <a:ext cx="4699242" cy="2243218"/>
+          </a:xfrm>
+          <a:prstGeom prst="rect">
+            <a:avLst/>
+          </a:prstGeom>
+        </p:spPr>
+      </p:pic>
+      <p:pic>
+        <p:nvPicPr>
+          <p:cNvPr id="11" name="圖片 10">
+            <a:extLst>
+              <a:ext uri="{FF2B5EF4-FFF2-40B4-BE49-F238E27FC236}">
+                <a16:creationId xmlns:a16="http://schemas.microsoft.com/office/drawing/2014/main" id="{2F390214-61C5-4D75-8A73-DEED5CCF7FA7}"/>
+              </a:ext>
+            </a:extLst>
+          </p:cNvPr>
+          <p:cNvPicPr>
+            <a:picLocks noChangeAspect="1"/>
+          </p:cNvPicPr>
+          <p:nvPr/>
+        </p:nvPicPr>
+        <p:blipFill>
+          <a:blip r:embed="rId4"/>
+          <a:stretch>
+            <a:fillRect/>
+          </a:stretch>
+        </p:blipFill>
+        <p:spPr>
+          <a:xfrm>
+            <a:off x="4512885" y="2642910"/>
+            <a:ext cx="4296263" cy="3533657"/>
+          </a:xfrm>
+          <a:prstGeom prst="rect">
+            <a:avLst/>
+          </a:prstGeom>
+        </p:spPr>
+      </p:pic>
+    </p:spTree>
+    <p:extLst>
+      <p:ext uri="{BB962C8B-B14F-4D97-AF65-F5344CB8AC3E}">
+        <p14:creationId xmlns:p14="http://schemas.microsoft.com/office/powerpoint/2010/main" val="1073656595"/>
       </p:ext>
     </p:extLst>
   </p:cSld>

--- a/10GBASE-T Coding and Modulation.pptx
+++ b/10GBASE-T Coding and Modulation.pptx
@@ -5,7 +5,7 @@
     <p:sldMasterId id="2147483648" r:id="rId1"/>
   </p:sldMasterIdLst>
   <p:notesMasterIdLst>
-    <p:notesMasterId r:id="rId19"/>
+    <p:notesMasterId r:id="rId24"/>
   </p:notesMasterIdLst>
   <p:sldIdLst>
     <p:sldId id="256" r:id="rId2"/>
@@ -24,7 +24,12 @@
     <p:sldId id="269" r:id="rId15"/>
     <p:sldId id="270" r:id="rId16"/>
     <p:sldId id="271" r:id="rId17"/>
-    <p:sldId id="259" r:id="rId18"/>
+    <p:sldId id="274" r:id="rId18"/>
+    <p:sldId id="273" r:id="rId19"/>
+    <p:sldId id="275" r:id="rId20"/>
+    <p:sldId id="276" r:id="rId21"/>
+    <p:sldId id="259" r:id="rId22"/>
+    <p:sldId id="277" r:id="rId23"/>
   </p:sldIdLst>
   <p:sldSz cx="12192000" cy="6858000"/>
   <p:notesSz cx="6858000" cy="9144000"/>
@@ -4457,7 +4462,7 @@
           <a:bodyPr/>
           <a:lstStyle/>
           <a:p>
-            <a:endParaRPr lang="zh-TW" altLang="en-US"/>
+            <a:endParaRPr lang="zh-TW" altLang="en-US" dirty="0"/>
           </a:p>
         </p:txBody>
       </p:sp>
@@ -4513,8 +4518,37 @@
         </p:blipFill>
         <p:spPr>
           <a:xfrm>
-            <a:off x="2647773" y="2118422"/>
+            <a:off x="2647772" y="1676039"/>
             <a:ext cx="6896454" cy="3765744"/>
+          </a:xfrm>
+          <a:prstGeom prst="rect">
+            <a:avLst/>
+          </a:prstGeom>
+        </p:spPr>
+      </p:pic>
+      <p:pic>
+        <p:nvPicPr>
+          <p:cNvPr id="7" name="圖片 6">
+            <a:extLst>
+              <a:ext uri="{FF2B5EF4-FFF2-40B4-BE49-F238E27FC236}">
+                <a16:creationId xmlns:a16="http://schemas.microsoft.com/office/drawing/2014/main" id="{42F51217-D83F-42B2-B4DD-E3496FE87069}"/>
+              </a:ext>
+            </a:extLst>
+          </p:cNvPr>
+          <p:cNvPicPr>
+            <a:picLocks noChangeAspect="1"/>
+          </p:cNvPicPr>
+          <p:nvPr/>
+        </p:nvPicPr>
+        <p:blipFill rotWithShape="1">
+          <a:blip r:embed="rId3"/>
+          <a:srcRect l="1582" t="5101" r="1250" b="3309"/>
+          <a:stretch/>
+        </p:blipFill>
+        <p:spPr>
+          <a:xfrm>
+            <a:off x="3424170" y="5531476"/>
+            <a:ext cx="5343659" cy="901521"/>
           </a:xfrm>
           <a:prstGeom prst="rect">
             <a:avLst/>
@@ -4877,7 +4911,73 @@
           <p:cNvPr id="2" name="標題 1">
             <a:extLst>
               <a:ext uri="{FF2B5EF4-FFF2-40B4-BE49-F238E27FC236}">
-                <a16:creationId xmlns:a16="http://schemas.microsoft.com/office/drawing/2014/main" id="{30C4EE85-DDBB-4833-B366-5DBA3C8D23F1}"/>
+                <a16:creationId xmlns:a16="http://schemas.microsoft.com/office/drawing/2014/main" id="{A81E4EE6-2CF9-02A0-D8A4-0963D79B2C85}"/>
+              </a:ext>
+            </a:extLst>
+          </p:cNvPr>
+          <p:cNvSpPr>
+            <a:spLocks noGrp="1"/>
+          </p:cNvSpPr>
+          <p:nvPr>
+            <p:ph type="ctrTitle"/>
+          </p:nvPr>
+        </p:nvSpPr>
+        <p:spPr>
+          <a:xfrm>
+            <a:off x="1064833" y="3055167"/>
+            <a:ext cx="10062333" cy="747666"/>
+          </a:xfrm>
+        </p:spPr>
+        <p:txBody>
+          <a:bodyPr>
+            <a:normAutofit/>
+          </a:bodyPr>
+          <a:lstStyle/>
+          <a:p>
+            <a:r>
+              <a:rPr lang="en-US" altLang="zh-TW" sz="4500" dirty="0"/>
+              <a:t>Performance Result</a:t>
+            </a:r>
+            <a:endParaRPr lang="zh-TW" altLang="en-US" sz="4500" dirty="0"/>
+          </a:p>
+        </p:txBody>
+      </p:sp>
+    </p:spTree>
+    <p:extLst>
+      <p:ext uri="{BB962C8B-B14F-4D97-AF65-F5344CB8AC3E}">
+        <p14:creationId xmlns:p14="http://schemas.microsoft.com/office/powerpoint/2010/main" val="4211617388"/>
+      </p:ext>
+    </p:extLst>
+  </p:cSld>
+  <p:clrMapOvr>
+    <a:masterClrMapping/>
+  </p:clrMapOvr>
+</p:sld>
+</file>
+
+<file path=ppt/slides/slide18.xml><?xml version="1.0" encoding="utf-8"?>
+<p:sld xmlns:a="http://schemas.openxmlformats.org/drawingml/2006/main" xmlns:r="http://schemas.openxmlformats.org/officeDocument/2006/relationships" xmlns:p="http://schemas.openxmlformats.org/presentationml/2006/main">
+  <p:cSld>
+    <p:spTree>
+      <p:nvGrpSpPr>
+        <p:cNvPr id="1" name=""/>
+        <p:cNvGrpSpPr/>
+        <p:nvPr/>
+      </p:nvGrpSpPr>
+      <p:grpSpPr>
+        <a:xfrm>
+          <a:off x="0" y="0"/>
+          <a:ext cx="0" cy="0"/>
+          <a:chOff x="0" y="0"/>
+          <a:chExt cx="0" cy="0"/>
+        </a:xfrm>
+      </p:grpSpPr>
+      <p:sp>
+        <p:nvSpPr>
+          <p:cNvPr id="2" name="標題 1">
+            <a:extLst>
+              <a:ext uri="{FF2B5EF4-FFF2-40B4-BE49-F238E27FC236}">
+                <a16:creationId xmlns:a16="http://schemas.microsoft.com/office/drawing/2014/main" id="{6396A097-6E81-4978-8BA7-656F89413F07}"/>
               </a:ext>
             </a:extLst>
           </p:cNvPr>
@@ -4895,7 +4995,7 @@
           <a:p>
             <a:r>
               <a:rPr lang="en-US" altLang="zh-TW" dirty="0"/>
-              <a:t>Citations</a:t>
+              <a:t>128-DSQ + LDPC performance </a:t>
             </a:r>
             <a:endParaRPr lang="zh-TW" altLang="en-US" dirty="0"/>
           </a:p>
@@ -4906,7 +5006,7 @@
           <p:cNvPr id="3" name="內容版面配置區 2">
             <a:extLst>
               <a:ext uri="{FF2B5EF4-FFF2-40B4-BE49-F238E27FC236}">
-                <a16:creationId xmlns:a16="http://schemas.microsoft.com/office/drawing/2014/main" id="{CCB02FA2-03DC-41BB-8178-82FC274CE214}"/>
+                <a16:creationId xmlns:a16="http://schemas.microsoft.com/office/drawing/2014/main" id="{D8E29EBE-3157-4CC5-8277-91C44D74AD63}"/>
               </a:ext>
             </a:extLst>
           </p:cNvPr>
@@ -4922,59 +5022,7 @@
           <a:bodyPr/>
           <a:lstStyle/>
           <a:p>
-            <a:r>
-              <a:rPr lang="en-US" altLang="zh-TW" sz="2400" dirty="0"/>
-              <a:t>10GBASE-T Coding and Modulation: 128-DSQ + LDPC:</a:t>
-            </a:r>
-            <a:r>
-              <a:rPr lang="zh-TW" altLang="en-US" sz="2400" dirty="0"/>
-              <a:t> </a:t>
-            </a:r>
-            <a:r>
-              <a:rPr lang="en-US" altLang="zh-TW" sz="2400" b="0" i="0" dirty="0">
-                <a:effectLst/>
-                <a:cs typeface="Times New Roman" panose="02020603050405020304" pitchFamily="18" charset="0"/>
-                <a:hlinkClick r:id="rId2"/>
-              </a:rPr>
-              <a:t>https://www.ieee802.org/3/an/public/sep04/ungerboeck_2_0904.pdf</a:t>
-            </a:r>
-            <a:endParaRPr lang="en-US" altLang="zh-TW" sz="2400" b="0" i="0" dirty="0">
-              <a:effectLst/>
-              <a:cs typeface="Times New Roman" panose="02020603050405020304" pitchFamily="18" charset="0"/>
-            </a:endParaRPr>
-          </a:p>
-          <a:p>
-            <a:pPr marL="0" indent="0">
-              <a:buNone/>
-            </a:pPr>
-            <a:endParaRPr lang="en-US" altLang="zh-TW" sz="2400" b="0" i="0" dirty="0">
-              <a:effectLst/>
-              <a:cs typeface="Times New Roman" panose="02020603050405020304" pitchFamily="18" charset="0"/>
-            </a:endParaRPr>
-          </a:p>
-          <a:p>
-            <a:r>
-              <a:rPr lang="en-US" altLang="zh-TW" sz="2400" b="0" i="0" dirty="0">
-                <a:effectLst/>
-                <a:cs typeface="Times New Roman" panose="02020603050405020304" pitchFamily="18" charset="0"/>
-              </a:rPr>
-              <a:t>LDPC (Low Density Parity Check) coded 128 DSQ (Double Square QAM) constellation modulation and associated labeling: </a:t>
-            </a:r>
-            <a:r>
-              <a:rPr lang="en-US" altLang="zh-TW" sz="2400" dirty="0">
-                <a:cs typeface="Times New Roman" panose="02020603050405020304" pitchFamily="18" charset="0"/>
-                <a:hlinkClick r:id="rId3"/>
-              </a:rPr>
-              <a:t>https://patents.google.com/patent/US20060045197</a:t>
-            </a:r>
-            <a:endParaRPr lang="en-US" altLang="zh-TW" sz="2400" dirty="0">
-              <a:cs typeface="Times New Roman" panose="02020603050405020304" pitchFamily="18" charset="0"/>
-            </a:endParaRPr>
-          </a:p>
-          <a:p>
-            <a:endParaRPr lang="zh-TW" altLang="en-US" dirty="0">
-              <a:cs typeface="Times New Roman" panose="02020603050405020304" pitchFamily="18" charset="0"/>
-            </a:endParaRPr>
+            <a:endParaRPr lang="zh-TW" altLang="en-US"/>
           </a:p>
         </p:txBody>
       </p:sp>
@@ -4983,7 +5031,7 @@
           <p:cNvPr id="4" name="投影片編號版面配置區 3">
             <a:extLst>
               <a:ext uri="{FF2B5EF4-FFF2-40B4-BE49-F238E27FC236}">
-                <a16:creationId xmlns:a16="http://schemas.microsoft.com/office/drawing/2014/main" id="{99D399CF-C9F2-4DC8-8F59-76D1DBF4809D}"/>
+                <a16:creationId xmlns:a16="http://schemas.microsoft.com/office/drawing/2014/main" id="{2660F830-50E1-4644-BEF5-55348B11D8DC}"/>
               </a:ext>
             </a:extLst>
           </p:cNvPr>
@@ -5002,16 +5050,192 @@
             <a:fld id="{5357535F-E6DD-4F6C-B8A3-03278B2FADD3}" type="slidenum">
               <a:rPr lang="zh-TW" altLang="en-US" smtClean="0"/>
               <a:pPr/>
-              <a:t>17</a:t>
+              <a:t>18</a:t>
             </a:fld>
             <a:endParaRPr lang="zh-TW" altLang="en-US" dirty="0"/>
           </a:p>
         </p:txBody>
       </p:sp>
+      <p:pic>
+        <p:nvPicPr>
+          <p:cNvPr id="6" name="圖片 5">
+            <a:extLst>
+              <a:ext uri="{FF2B5EF4-FFF2-40B4-BE49-F238E27FC236}">
+                <a16:creationId xmlns:a16="http://schemas.microsoft.com/office/drawing/2014/main" id="{9678D90A-7260-494E-831E-2CF360614A81}"/>
+              </a:ext>
+            </a:extLst>
+          </p:cNvPr>
+          <p:cNvPicPr>
+            <a:picLocks noChangeAspect="1"/>
+          </p:cNvPicPr>
+          <p:nvPr/>
+        </p:nvPicPr>
+        <p:blipFill>
+          <a:blip r:embed="rId2"/>
+          <a:stretch>
+            <a:fillRect/>
+          </a:stretch>
+        </p:blipFill>
+        <p:spPr>
+          <a:xfrm>
+            <a:off x="3435213" y="1889810"/>
+            <a:ext cx="5321573" cy="4222967"/>
+          </a:xfrm>
+          <a:prstGeom prst="rect">
+            <a:avLst/>
+          </a:prstGeom>
+        </p:spPr>
+      </p:pic>
     </p:spTree>
     <p:extLst>
       <p:ext uri="{BB962C8B-B14F-4D97-AF65-F5344CB8AC3E}">
-        <p14:creationId xmlns:p14="http://schemas.microsoft.com/office/powerpoint/2010/main" val="3565123752"/>
+        <p14:creationId xmlns:p14="http://schemas.microsoft.com/office/powerpoint/2010/main" val="1324383010"/>
+      </p:ext>
+    </p:extLst>
+  </p:cSld>
+  <p:clrMapOvr>
+    <a:masterClrMapping/>
+  </p:clrMapOvr>
+</p:sld>
+</file>
+
+<file path=ppt/slides/slide19.xml><?xml version="1.0" encoding="utf-8"?>
+<p:sld xmlns:a="http://schemas.openxmlformats.org/drawingml/2006/main" xmlns:r="http://schemas.openxmlformats.org/officeDocument/2006/relationships" xmlns:p="http://schemas.openxmlformats.org/presentationml/2006/main">
+  <p:cSld>
+    <p:spTree>
+      <p:nvGrpSpPr>
+        <p:cNvPr id="1" name=""/>
+        <p:cNvGrpSpPr/>
+        <p:nvPr/>
+      </p:nvGrpSpPr>
+      <p:grpSpPr>
+        <a:xfrm>
+          <a:off x="0" y="0"/>
+          <a:ext cx="0" cy="0"/>
+          <a:chOff x="0" y="0"/>
+          <a:chExt cx="0" cy="0"/>
+        </a:xfrm>
+      </p:grpSpPr>
+      <p:sp>
+        <p:nvSpPr>
+          <p:cNvPr id="2" name="標題 1">
+            <a:extLst>
+              <a:ext uri="{FF2B5EF4-FFF2-40B4-BE49-F238E27FC236}">
+                <a16:creationId xmlns:a16="http://schemas.microsoft.com/office/drawing/2014/main" id="{4F969CCA-D62E-4877-82CE-CDD1ACF6FBC9}"/>
+              </a:ext>
+            </a:extLst>
+          </p:cNvPr>
+          <p:cNvSpPr>
+            <a:spLocks noGrp="1"/>
+          </p:cNvSpPr>
+          <p:nvPr>
+            <p:ph type="title"/>
+          </p:nvPr>
+        </p:nvSpPr>
+        <p:spPr/>
+        <p:txBody>
+          <a:bodyPr>
+            <a:normAutofit/>
+          </a:bodyPr>
+          <a:lstStyle/>
+          <a:p>
+            <a:r>
+              <a:rPr lang="en-US" altLang="zh-TW" sz="4000" dirty="0"/>
+              <a:t>12-PAM-T and 128-DSQ + LDPC performance</a:t>
+            </a:r>
+            <a:endParaRPr lang="zh-TW" altLang="en-US" sz="4000" dirty="0"/>
+          </a:p>
+        </p:txBody>
+      </p:sp>
+      <p:sp>
+        <p:nvSpPr>
+          <p:cNvPr id="3" name="內容版面配置區 2">
+            <a:extLst>
+              <a:ext uri="{FF2B5EF4-FFF2-40B4-BE49-F238E27FC236}">
+                <a16:creationId xmlns:a16="http://schemas.microsoft.com/office/drawing/2014/main" id="{1BFC61FF-8920-4847-8AC1-D4F6470DF4EF}"/>
+              </a:ext>
+            </a:extLst>
+          </p:cNvPr>
+          <p:cNvSpPr>
+            <a:spLocks noGrp="1"/>
+          </p:cNvSpPr>
+          <p:nvPr>
+            <p:ph idx="1"/>
+          </p:nvPr>
+        </p:nvSpPr>
+        <p:spPr/>
+        <p:txBody>
+          <a:bodyPr/>
+          <a:lstStyle/>
+          <a:p>
+            <a:endParaRPr lang="zh-TW" altLang="en-US"/>
+          </a:p>
+        </p:txBody>
+      </p:sp>
+      <p:sp>
+        <p:nvSpPr>
+          <p:cNvPr id="4" name="投影片編號版面配置區 3">
+            <a:extLst>
+              <a:ext uri="{FF2B5EF4-FFF2-40B4-BE49-F238E27FC236}">
+                <a16:creationId xmlns:a16="http://schemas.microsoft.com/office/drawing/2014/main" id="{3C85DEDD-1186-4E6E-99B9-C28445A20A3B}"/>
+              </a:ext>
+            </a:extLst>
+          </p:cNvPr>
+          <p:cNvSpPr>
+            <a:spLocks noGrp="1"/>
+          </p:cNvSpPr>
+          <p:nvPr>
+            <p:ph type="sldNum" sz="quarter" idx="12"/>
+          </p:nvPr>
+        </p:nvSpPr>
+        <p:spPr/>
+        <p:txBody>
+          <a:bodyPr/>
+          <a:lstStyle/>
+          <a:p>
+            <a:fld id="{5357535F-E6DD-4F6C-B8A3-03278B2FADD3}" type="slidenum">
+              <a:rPr lang="zh-TW" altLang="en-US" smtClean="0"/>
+              <a:pPr/>
+              <a:t>19</a:t>
+            </a:fld>
+            <a:endParaRPr lang="zh-TW" altLang="en-US" dirty="0"/>
+          </a:p>
+        </p:txBody>
+      </p:sp>
+      <p:pic>
+        <p:nvPicPr>
+          <p:cNvPr id="6" name="圖片 5">
+            <a:extLst>
+              <a:ext uri="{FF2B5EF4-FFF2-40B4-BE49-F238E27FC236}">
+                <a16:creationId xmlns:a16="http://schemas.microsoft.com/office/drawing/2014/main" id="{4815613E-9946-4F04-8AC2-B0788732C1BF}"/>
+              </a:ext>
+            </a:extLst>
+          </p:cNvPr>
+          <p:cNvPicPr>
+            <a:picLocks noChangeAspect="1"/>
+          </p:cNvPicPr>
+          <p:nvPr/>
+        </p:nvPicPr>
+        <p:blipFill>
+          <a:blip r:embed="rId2"/>
+          <a:stretch>
+            <a:fillRect/>
+          </a:stretch>
+        </p:blipFill>
+        <p:spPr>
+          <a:xfrm>
+            <a:off x="3511417" y="1880285"/>
+            <a:ext cx="5169166" cy="4242018"/>
+          </a:xfrm>
+          <a:prstGeom prst="rect">
+            <a:avLst/>
+          </a:prstGeom>
+        </p:spPr>
+      </p:pic>
+    </p:spTree>
+    <p:extLst>
+      <p:ext uri="{BB962C8B-B14F-4D97-AF65-F5344CB8AC3E}">
+        <p14:creationId xmlns:p14="http://schemas.microsoft.com/office/powerpoint/2010/main" val="86398287"/>
       </p:ext>
     </p:extLst>
   </p:cSld>
@@ -5169,6 +5393,460 @@
     <p:extLst>
       <p:ext uri="{BB962C8B-B14F-4D97-AF65-F5344CB8AC3E}">
         <p14:creationId xmlns:p14="http://schemas.microsoft.com/office/powerpoint/2010/main" val="2318518205"/>
+      </p:ext>
+    </p:extLst>
+  </p:cSld>
+  <p:clrMapOvr>
+    <a:masterClrMapping/>
+  </p:clrMapOvr>
+</p:sld>
+</file>
+
+<file path=ppt/slides/slide20.xml><?xml version="1.0" encoding="utf-8"?>
+<p:sld xmlns:a="http://schemas.openxmlformats.org/drawingml/2006/main" xmlns:r="http://schemas.openxmlformats.org/officeDocument/2006/relationships" xmlns:p="http://schemas.openxmlformats.org/presentationml/2006/main">
+  <p:cSld>
+    <p:spTree>
+      <p:nvGrpSpPr>
+        <p:cNvPr id="1" name=""/>
+        <p:cNvGrpSpPr/>
+        <p:nvPr/>
+      </p:nvGrpSpPr>
+      <p:grpSpPr>
+        <a:xfrm>
+          <a:off x="0" y="0"/>
+          <a:ext cx="0" cy="0"/>
+          <a:chOff x="0" y="0"/>
+          <a:chExt cx="0" cy="0"/>
+        </a:xfrm>
+      </p:grpSpPr>
+      <p:sp>
+        <p:nvSpPr>
+          <p:cNvPr id="2" name="標題 1">
+            <a:extLst>
+              <a:ext uri="{FF2B5EF4-FFF2-40B4-BE49-F238E27FC236}">
+                <a16:creationId xmlns:a16="http://schemas.microsoft.com/office/drawing/2014/main" id="{5FDE1420-6441-491F-8969-F61107C2A3FC}"/>
+              </a:ext>
+            </a:extLst>
+          </p:cNvPr>
+          <p:cNvSpPr>
+            <a:spLocks noGrp="1"/>
+          </p:cNvSpPr>
+          <p:nvPr>
+            <p:ph type="title"/>
+          </p:nvPr>
+        </p:nvSpPr>
+        <p:spPr/>
+        <p:txBody>
+          <a:bodyPr/>
+          <a:lstStyle/>
+          <a:p>
+            <a:r>
+              <a:rPr lang="en-US" altLang="zh-TW" dirty="0"/>
+              <a:t>Conclusions</a:t>
+            </a:r>
+            <a:endParaRPr lang="zh-TW" altLang="en-US" dirty="0"/>
+          </a:p>
+        </p:txBody>
+      </p:sp>
+      <p:sp>
+        <p:nvSpPr>
+          <p:cNvPr id="3" name="內容版面配置區 2">
+            <a:extLst>
+              <a:ext uri="{FF2B5EF4-FFF2-40B4-BE49-F238E27FC236}">
+                <a16:creationId xmlns:a16="http://schemas.microsoft.com/office/drawing/2014/main" id="{1E46DF3B-BE99-4B8A-ABF0-F22F25C11505}"/>
+              </a:ext>
+            </a:extLst>
+          </p:cNvPr>
+          <p:cNvSpPr>
+            <a:spLocks noGrp="1"/>
+          </p:cNvSpPr>
+          <p:nvPr>
+            <p:ph idx="1"/>
+          </p:nvPr>
+        </p:nvSpPr>
+        <p:spPr/>
+        <p:txBody>
+          <a:bodyPr/>
+          <a:lstStyle/>
+          <a:p>
+            <a:r>
+              <a:rPr lang="en-US" altLang="zh-TW" dirty="0"/>
+              <a:t>Bit mapping, precoding, metric calculation, subset decoding: all based on </a:t>
+            </a:r>
+            <a:r>
+              <a:rPr lang="en-US" altLang="zh-TW" b="1" dirty="0">
+                <a:solidFill>
+                  <a:srgbClr val="FF0000"/>
+                </a:solidFill>
+              </a:rPr>
+              <a:t>simple logic </a:t>
+            </a:r>
+            <a:r>
+              <a:rPr lang="en-US" altLang="zh-TW" dirty="0"/>
+              <a:t>and </a:t>
+            </a:r>
+            <a:r>
+              <a:rPr lang="en-US" altLang="zh-TW" b="1" dirty="0">
+                <a:solidFill>
+                  <a:srgbClr val="FF0000"/>
+                </a:solidFill>
+              </a:rPr>
+              <a:t>power-of-two based</a:t>
+            </a:r>
+            <a:r>
+              <a:rPr lang="en-US" altLang="zh-TW" dirty="0"/>
+              <a:t> arithmetic</a:t>
+            </a:r>
+          </a:p>
+          <a:p>
+            <a:endParaRPr lang="en-US" altLang="zh-TW" dirty="0"/>
+          </a:p>
+          <a:p>
+            <a:r>
+              <a:rPr lang="en-US" altLang="zh-TW" dirty="0"/>
+              <a:t>Stronger LDPC(1024,797) code is better matched to </a:t>
+            </a:r>
+            <a:r>
+              <a:rPr lang="en-US" altLang="zh-TW" b="1" dirty="0">
+                <a:solidFill>
+                  <a:srgbClr val="FF0000"/>
+                </a:solidFill>
+              </a:rPr>
+              <a:t>uncoded-bit-only</a:t>
+            </a:r>
+            <a:r>
+              <a:rPr lang="en-US" altLang="zh-TW" dirty="0"/>
+              <a:t> error performance</a:t>
+            </a:r>
+          </a:p>
+          <a:p>
+            <a:pPr lvl="1"/>
+            <a:r>
+              <a:rPr lang="en-US" altLang="zh-TW" dirty="0"/>
+              <a:t>Simple low-overhead framing and easy clock generation</a:t>
+            </a:r>
+            <a:endParaRPr lang="zh-TW" altLang="en-US" dirty="0"/>
+          </a:p>
+        </p:txBody>
+      </p:sp>
+      <p:sp>
+        <p:nvSpPr>
+          <p:cNvPr id="4" name="投影片編號版面配置區 3">
+            <a:extLst>
+              <a:ext uri="{FF2B5EF4-FFF2-40B4-BE49-F238E27FC236}">
+                <a16:creationId xmlns:a16="http://schemas.microsoft.com/office/drawing/2014/main" id="{C36702DB-3CF6-43BC-8B64-7DAF1AADB32D}"/>
+              </a:ext>
+            </a:extLst>
+          </p:cNvPr>
+          <p:cNvSpPr>
+            <a:spLocks noGrp="1"/>
+          </p:cNvSpPr>
+          <p:nvPr>
+            <p:ph type="sldNum" sz="quarter" idx="12"/>
+          </p:nvPr>
+        </p:nvSpPr>
+        <p:spPr/>
+        <p:txBody>
+          <a:bodyPr/>
+          <a:lstStyle/>
+          <a:p>
+            <a:fld id="{5357535F-E6DD-4F6C-B8A3-03278B2FADD3}" type="slidenum">
+              <a:rPr lang="zh-TW" altLang="en-US" smtClean="0"/>
+              <a:pPr/>
+              <a:t>20</a:t>
+            </a:fld>
+            <a:endParaRPr lang="zh-TW" altLang="en-US" dirty="0"/>
+          </a:p>
+        </p:txBody>
+      </p:sp>
+    </p:spTree>
+    <p:extLst>
+      <p:ext uri="{BB962C8B-B14F-4D97-AF65-F5344CB8AC3E}">
+        <p14:creationId xmlns:p14="http://schemas.microsoft.com/office/powerpoint/2010/main" val="965178752"/>
+      </p:ext>
+    </p:extLst>
+  </p:cSld>
+  <p:clrMapOvr>
+    <a:masterClrMapping/>
+  </p:clrMapOvr>
+</p:sld>
+</file>
+
+<file path=ppt/slides/slide21.xml><?xml version="1.0" encoding="utf-8"?>
+<p:sld xmlns:a="http://schemas.openxmlformats.org/drawingml/2006/main" xmlns:r="http://schemas.openxmlformats.org/officeDocument/2006/relationships" xmlns:p="http://schemas.openxmlformats.org/presentationml/2006/main">
+  <p:cSld>
+    <p:spTree>
+      <p:nvGrpSpPr>
+        <p:cNvPr id="1" name=""/>
+        <p:cNvGrpSpPr/>
+        <p:nvPr/>
+      </p:nvGrpSpPr>
+      <p:grpSpPr>
+        <a:xfrm>
+          <a:off x="0" y="0"/>
+          <a:ext cx="0" cy="0"/>
+          <a:chOff x="0" y="0"/>
+          <a:chExt cx="0" cy="0"/>
+        </a:xfrm>
+      </p:grpSpPr>
+      <p:sp>
+        <p:nvSpPr>
+          <p:cNvPr id="2" name="標題 1">
+            <a:extLst>
+              <a:ext uri="{FF2B5EF4-FFF2-40B4-BE49-F238E27FC236}">
+                <a16:creationId xmlns:a16="http://schemas.microsoft.com/office/drawing/2014/main" id="{30C4EE85-DDBB-4833-B366-5DBA3C8D23F1}"/>
+              </a:ext>
+            </a:extLst>
+          </p:cNvPr>
+          <p:cNvSpPr>
+            <a:spLocks noGrp="1"/>
+          </p:cNvSpPr>
+          <p:nvPr>
+            <p:ph type="title"/>
+          </p:nvPr>
+        </p:nvSpPr>
+        <p:spPr/>
+        <p:txBody>
+          <a:bodyPr/>
+          <a:lstStyle/>
+          <a:p>
+            <a:r>
+              <a:rPr lang="en-US" altLang="zh-TW" dirty="0"/>
+              <a:t>Citations</a:t>
+            </a:r>
+            <a:endParaRPr lang="zh-TW" altLang="en-US" dirty="0"/>
+          </a:p>
+        </p:txBody>
+      </p:sp>
+      <p:sp>
+        <p:nvSpPr>
+          <p:cNvPr id="3" name="內容版面配置區 2">
+            <a:extLst>
+              <a:ext uri="{FF2B5EF4-FFF2-40B4-BE49-F238E27FC236}">
+                <a16:creationId xmlns:a16="http://schemas.microsoft.com/office/drawing/2014/main" id="{CCB02FA2-03DC-41BB-8178-82FC274CE214}"/>
+              </a:ext>
+            </a:extLst>
+          </p:cNvPr>
+          <p:cNvSpPr>
+            <a:spLocks noGrp="1"/>
+          </p:cNvSpPr>
+          <p:nvPr>
+            <p:ph idx="1"/>
+          </p:nvPr>
+        </p:nvSpPr>
+        <p:spPr/>
+        <p:txBody>
+          <a:bodyPr/>
+          <a:lstStyle/>
+          <a:p>
+            <a:r>
+              <a:rPr lang="en-US" altLang="zh-TW" sz="2400" dirty="0"/>
+              <a:t>10GBASE-T Coding and Modulation: 128-DSQ + LDPC:</a:t>
+            </a:r>
+            <a:r>
+              <a:rPr lang="zh-TW" altLang="en-US" sz="2400" dirty="0"/>
+              <a:t> </a:t>
+            </a:r>
+            <a:r>
+              <a:rPr lang="en-US" altLang="zh-TW" sz="2400" b="0" i="0" dirty="0">
+                <a:effectLst/>
+                <a:cs typeface="Times New Roman" panose="02020603050405020304" pitchFamily="18" charset="0"/>
+                <a:hlinkClick r:id="rId2"/>
+              </a:rPr>
+              <a:t>https://www.ieee802.org/3/an/public/sep04/ungerboeck_2_0904.pdf</a:t>
+            </a:r>
+            <a:endParaRPr lang="en-US" altLang="zh-TW" sz="2400" b="0" i="0" dirty="0">
+              <a:effectLst/>
+              <a:cs typeface="Times New Roman" panose="02020603050405020304" pitchFamily="18" charset="0"/>
+            </a:endParaRPr>
+          </a:p>
+          <a:p>
+            <a:pPr marL="0" indent="0">
+              <a:buNone/>
+            </a:pPr>
+            <a:endParaRPr lang="en-US" altLang="zh-TW" sz="2400" b="0" i="0" dirty="0">
+              <a:effectLst/>
+              <a:cs typeface="Times New Roman" panose="02020603050405020304" pitchFamily="18" charset="0"/>
+            </a:endParaRPr>
+          </a:p>
+          <a:p>
+            <a:r>
+              <a:rPr lang="en-US" altLang="zh-TW" sz="2400" b="0" i="0" dirty="0">
+                <a:effectLst/>
+                <a:cs typeface="Times New Roman" panose="02020603050405020304" pitchFamily="18" charset="0"/>
+              </a:rPr>
+              <a:t>LDPC (Low Density Parity Check) coded 128 DSQ (Double Square QAM) constellation modulation and associated labeling: </a:t>
+            </a:r>
+            <a:r>
+              <a:rPr lang="en-US" altLang="zh-TW" sz="2400" dirty="0">
+                <a:cs typeface="Times New Roman" panose="02020603050405020304" pitchFamily="18" charset="0"/>
+                <a:hlinkClick r:id="rId3"/>
+              </a:rPr>
+              <a:t>https://patents.google.com/patent/US20060045197</a:t>
+            </a:r>
+            <a:endParaRPr lang="en-US" altLang="zh-TW" sz="2400" dirty="0">
+              <a:cs typeface="Times New Roman" panose="02020603050405020304" pitchFamily="18" charset="0"/>
+            </a:endParaRPr>
+          </a:p>
+          <a:p>
+            <a:endParaRPr lang="zh-TW" altLang="en-US" dirty="0">
+              <a:cs typeface="Times New Roman" panose="02020603050405020304" pitchFamily="18" charset="0"/>
+            </a:endParaRPr>
+          </a:p>
+        </p:txBody>
+      </p:sp>
+      <p:sp>
+        <p:nvSpPr>
+          <p:cNvPr id="4" name="投影片編號版面配置區 3">
+            <a:extLst>
+              <a:ext uri="{FF2B5EF4-FFF2-40B4-BE49-F238E27FC236}">
+                <a16:creationId xmlns:a16="http://schemas.microsoft.com/office/drawing/2014/main" id="{99D399CF-C9F2-4DC8-8F59-76D1DBF4809D}"/>
+              </a:ext>
+            </a:extLst>
+          </p:cNvPr>
+          <p:cNvSpPr>
+            <a:spLocks noGrp="1"/>
+          </p:cNvSpPr>
+          <p:nvPr>
+            <p:ph type="sldNum" sz="quarter" idx="12"/>
+          </p:nvPr>
+        </p:nvSpPr>
+        <p:spPr/>
+        <p:txBody>
+          <a:bodyPr/>
+          <a:lstStyle/>
+          <a:p>
+            <a:fld id="{5357535F-E6DD-4F6C-B8A3-03278B2FADD3}" type="slidenum">
+              <a:rPr lang="zh-TW" altLang="en-US" smtClean="0"/>
+              <a:pPr/>
+              <a:t>21</a:t>
+            </a:fld>
+            <a:endParaRPr lang="zh-TW" altLang="en-US" dirty="0"/>
+          </a:p>
+        </p:txBody>
+      </p:sp>
+    </p:spTree>
+    <p:extLst>
+      <p:ext uri="{BB962C8B-B14F-4D97-AF65-F5344CB8AC3E}">
+        <p14:creationId xmlns:p14="http://schemas.microsoft.com/office/powerpoint/2010/main" val="3565123752"/>
+      </p:ext>
+    </p:extLst>
+  </p:cSld>
+  <p:clrMapOvr>
+    <a:masterClrMapping/>
+  </p:clrMapOvr>
+</p:sld>
+</file>
+
+<file path=ppt/slides/slide22.xml><?xml version="1.0" encoding="utf-8"?>
+<p:sld xmlns:a="http://schemas.openxmlformats.org/drawingml/2006/main" xmlns:r="http://schemas.openxmlformats.org/officeDocument/2006/relationships" xmlns:p="http://schemas.openxmlformats.org/presentationml/2006/main">
+  <p:cSld>
+    <p:spTree>
+      <p:nvGrpSpPr>
+        <p:cNvPr id="1" name=""/>
+        <p:cNvGrpSpPr/>
+        <p:nvPr/>
+      </p:nvGrpSpPr>
+      <p:grpSpPr>
+        <a:xfrm>
+          <a:off x="0" y="0"/>
+          <a:ext cx="0" cy="0"/>
+          <a:chOff x="0" y="0"/>
+          <a:chExt cx="0" cy="0"/>
+        </a:xfrm>
+      </p:grpSpPr>
+      <p:sp>
+        <p:nvSpPr>
+          <p:cNvPr id="2" name="標題 1">
+            <a:extLst>
+              <a:ext uri="{FF2B5EF4-FFF2-40B4-BE49-F238E27FC236}">
+                <a16:creationId xmlns:a16="http://schemas.microsoft.com/office/drawing/2014/main" id="{50C33A9D-91A0-4DD0-9C33-6341C8F9DC61}"/>
+              </a:ext>
+            </a:extLst>
+          </p:cNvPr>
+          <p:cNvSpPr>
+            <a:spLocks noGrp="1"/>
+          </p:cNvSpPr>
+          <p:nvPr>
+            <p:ph type="title"/>
+          </p:nvPr>
+        </p:nvSpPr>
+        <p:spPr/>
+        <p:txBody>
+          <a:bodyPr/>
+          <a:lstStyle/>
+          <a:p>
+            <a:r>
+              <a:rPr lang="en-US" altLang="zh-TW" dirty="0" err="1"/>
+              <a:t>Matlab</a:t>
+            </a:r>
+            <a:r>
+              <a:rPr lang="en-US" altLang="zh-TW"/>
+              <a:t> codes</a:t>
+            </a:r>
+            <a:endParaRPr lang="zh-TW" altLang="en-US"/>
+          </a:p>
+        </p:txBody>
+      </p:sp>
+      <p:sp>
+        <p:nvSpPr>
+          <p:cNvPr id="3" name="內容版面配置區 2">
+            <a:extLst>
+              <a:ext uri="{FF2B5EF4-FFF2-40B4-BE49-F238E27FC236}">
+                <a16:creationId xmlns:a16="http://schemas.microsoft.com/office/drawing/2014/main" id="{FE11BECD-11D5-4821-84C9-E8FEC23A6CE5}"/>
+              </a:ext>
+            </a:extLst>
+          </p:cNvPr>
+          <p:cNvSpPr>
+            <a:spLocks noGrp="1"/>
+          </p:cNvSpPr>
+          <p:nvPr>
+            <p:ph idx="1"/>
+          </p:nvPr>
+        </p:nvSpPr>
+        <p:spPr/>
+        <p:txBody>
+          <a:bodyPr/>
+          <a:lstStyle/>
+          <a:p>
+            <a:endParaRPr lang="zh-TW" altLang="en-US"/>
+          </a:p>
+        </p:txBody>
+      </p:sp>
+      <p:sp>
+        <p:nvSpPr>
+          <p:cNvPr id="4" name="投影片編號版面配置區 3">
+            <a:extLst>
+              <a:ext uri="{FF2B5EF4-FFF2-40B4-BE49-F238E27FC236}">
+                <a16:creationId xmlns:a16="http://schemas.microsoft.com/office/drawing/2014/main" id="{EDBBE246-EC3D-4439-8B77-711538B89A61}"/>
+              </a:ext>
+            </a:extLst>
+          </p:cNvPr>
+          <p:cNvSpPr>
+            <a:spLocks noGrp="1"/>
+          </p:cNvSpPr>
+          <p:nvPr>
+            <p:ph type="sldNum" sz="quarter" idx="12"/>
+          </p:nvPr>
+        </p:nvSpPr>
+        <p:spPr/>
+        <p:txBody>
+          <a:bodyPr/>
+          <a:lstStyle/>
+          <a:p>
+            <a:fld id="{5357535F-E6DD-4F6C-B8A3-03278B2FADD3}" type="slidenum">
+              <a:rPr lang="zh-TW" altLang="en-US" smtClean="0"/>
+              <a:pPr/>
+              <a:t>22</a:t>
+            </a:fld>
+            <a:endParaRPr lang="zh-TW" altLang="en-US" dirty="0"/>
+          </a:p>
+        </p:txBody>
+      </p:sp>
+    </p:spTree>
+    <p:extLst>
+      <p:ext uri="{BB962C8B-B14F-4D97-AF65-F5344CB8AC3E}">
+        <p14:creationId xmlns:p14="http://schemas.microsoft.com/office/powerpoint/2010/main" val="1398126525"/>
       </p:ext>
     </p:extLst>
   </p:cSld>
@@ -5398,8 +6076,8 @@
           </a:p>
         </p:txBody>
       </p:sp>
-      <mc:AlternateContent xmlns:mc="http://schemas.openxmlformats.org/markup-compatibility/2006">
-        <mc:Choice xmlns:a14="http://schemas.microsoft.com/office/drawing/2010/main" Requires="a14">
+      <mc:AlternateContent xmlns:mc="http://schemas.openxmlformats.org/markup-compatibility/2006" xmlns:a14="http://schemas.microsoft.com/office/drawing/2010/main">
+        <mc:Choice Requires="a14">
           <p:sp>
             <p:nvSpPr>
               <p:cNvPr id="12" name="流程圖: 接點 11">
@@ -5479,7 +6157,7 @@
             </p:txBody>
           </p:sp>
         </mc:Choice>
-        <mc:Fallback>
+        <mc:Fallback xmlns="">
           <p:sp>
             <p:nvSpPr>
               <p:cNvPr id="12" name="流程圖: 接點 11">
@@ -5615,8 +6293,8 @@
           </a:fontRef>
         </p:style>
       </p:cxnSp>
-      <mc:AlternateContent xmlns:mc="http://schemas.openxmlformats.org/markup-compatibility/2006">
-        <mc:Choice xmlns:a14="http://schemas.microsoft.com/office/drawing/2010/main" Requires="a14">
+      <mc:AlternateContent xmlns:mc="http://schemas.openxmlformats.org/markup-compatibility/2006" xmlns:a14="http://schemas.microsoft.com/office/drawing/2010/main">
+        <mc:Choice Requires="a14">
           <p:sp>
             <p:nvSpPr>
               <p:cNvPr id="19" name="文字方塊 18">
@@ -5645,6 +6323,7 @@
               </a:bodyPr>
               <a:lstStyle/>
               <a:p>
+                <a:pPr/>
                 <a14:m>
                   <m:oMathPara xmlns:m="http://schemas.openxmlformats.org/officeDocument/2006/math">
                     <m:oMathParaPr>
@@ -5712,7 +6391,7 @@
             </p:txBody>
           </p:sp>
         </mc:Choice>
-        <mc:Fallback>
+        <mc:Fallback xmlns="">
           <p:sp>
             <p:nvSpPr>
               <p:cNvPr id="19" name="文字方塊 18">
@@ -6417,8 +7096,8 @@
           </a:p>
         </p:txBody>
       </p:sp>
-      <mc:AlternateContent xmlns:mc="http://schemas.openxmlformats.org/markup-compatibility/2006">
-        <mc:Choice xmlns:a14="http://schemas.microsoft.com/office/drawing/2010/main" Requires="a14">
+      <mc:AlternateContent xmlns:mc="http://schemas.openxmlformats.org/markup-compatibility/2006" xmlns:a14="http://schemas.microsoft.com/office/drawing/2010/main">
+        <mc:Choice Requires="a14">
           <p:sp>
             <p:nvSpPr>
               <p:cNvPr id="57" name="文字方塊 56">
@@ -6447,6 +7126,7 @@
               </a:bodyPr>
               <a:lstStyle/>
               <a:p>
+                <a:pPr/>
                 <a14:m>
                   <m:oMathPara xmlns:m="http://schemas.openxmlformats.org/officeDocument/2006/math">
                     <m:oMathParaPr>
@@ -6492,7 +7172,7 @@
             </p:txBody>
           </p:sp>
         </mc:Choice>
-        <mc:Fallback>
+        <mc:Fallback xmlns="">
           <p:sp>
             <p:nvSpPr>
               <p:cNvPr id="57" name="文字方塊 56">
@@ -6537,8 +7217,8 @@
           </p:sp>
         </mc:Fallback>
       </mc:AlternateContent>
-      <mc:AlternateContent xmlns:mc="http://schemas.openxmlformats.org/markup-compatibility/2006">
-        <mc:Choice xmlns:a14="http://schemas.microsoft.com/office/drawing/2010/main" Requires="a14">
+      <mc:AlternateContent xmlns:mc="http://schemas.openxmlformats.org/markup-compatibility/2006" xmlns:a14="http://schemas.microsoft.com/office/drawing/2010/main">
+        <mc:Choice Requires="a14">
           <p:sp>
             <p:nvSpPr>
               <p:cNvPr id="58" name="文字方塊 57">
@@ -6567,6 +7247,7 @@
               </a:bodyPr>
               <a:lstStyle/>
               <a:p>
+                <a:pPr/>
                 <a14:m>
                   <m:oMathPara xmlns:m="http://schemas.openxmlformats.org/officeDocument/2006/math">
                     <m:oMathParaPr>
@@ -6674,7 +7355,7 @@
             </p:txBody>
           </p:sp>
         </mc:Choice>
-        <mc:Fallback>
+        <mc:Fallback xmlns="">
           <p:sp>
             <p:nvSpPr>
               <p:cNvPr id="58" name="文字方塊 57">
@@ -6860,8 +7541,8 @@
           </a:fontRef>
         </p:style>
       </p:cxnSp>
-      <mc:AlternateContent xmlns:mc="http://schemas.openxmlformats.org/markup-compatibility/2006">
-        <mc:Choice xmlns:a14="http://schemas.microsoft.com/office/drawing/2010/main" Requires="a14">
+      <mc:AlternateContent xmlns:mc="http://schemas.openxmlformats.org/markup-compatibility/2006" xmlns:a14="http://schemas.microsoft.com/office/drawing/2010/main">
+        <mc:Choice Requires="a14">
           <p:sp>
             <p:nvSpPr>
               <p:cNvPr id="62" name="文字方塊 61">
@@ -6890,6 +7571,7 @@
               </a:bodyPr>
               <a:lstStyle/>
               <a:p>
+                <a:pPr/>
                 <a14:m>
                   <m:oMathPara xmlns:m="http://schemas.openxmlformats.org/officeDocument/2006/math">
                     <m:oMathParaPr>
@@ -6935,7 +7617,7 @@
             </p:txBody>
           </p:sp>
         </mc:Choice>
-        <mc:Fallback>
+        <mc:Fallback xmlns="">
           <p:sp>
             <p:nvSpPr>
               <p:cNvPr id="62" name="文字方塊 61">
@@ -6980,8 +7662,8 @@
           </p:sp>
         </mc:Fallback>
       </mc:AlternateContent>
-      <mc:AlternateContent xmlns:mc="http://schemas.openxmlformats.org/markup-compatibility/2006">
-        <mc:Choice xmlns:a14="http://schemas.microsoft.com/office/drawing/2010/main" Requires="a14">
+      <mc:AlternateContent xmlns:mc="http://schemas.openxmlformats.org/markup-compatibility/2006" xmlns:a14="http://schemas.microsoft.com/office/drawing/2010/main">
+        <mc:Choice Requires="a14">
           <p:sp>
             <p:nvSpPr>
               <p:cNvPr id="63" name="文字方塊 62">
@@ -7010,6 +7692,7 @@
               </a:bodyPr>
               <a:lstStyle/>
               <a:p>
+                <a:pPr/>
                 <a14:m>
                   <m:oMathPara xmlns:m="http://schemas.openxmlformats.org/officeDocument/2006/math">
                     <m:oMathParaPr>
@@ -7182,7 +7865,7 @@
             </p:txBody>
           </p:sp>
         </mc:Choice>
-        <mc:Fallback>
+        <mc:Fallback xmlns="">
           <p:sp>
             <p:nvSpPr>
               <p:cNvPr id="63" name="文字方塊 62">
@@ -7317,8 +8000,8 @@
           </a:fontRef>
         </p:style>
       </p:cxnSp>
-      <mc:AlternateContent xmlns:mc="http://schemas.openxmlformats.org/markup-compatibility/2006">
-        <mc:Choice xmlns:a14="http://schemas.microsoft.com/office/drawing/2010/main" Requires="a14">
+      <mc:AlternateContent xmlns:mc="http://schemas.openxmlformats.org/markup-compatibility/2006" xmlns:a14="http://schemas.microsoft.com/office/drawing/2010/main">
+        <mc:Choice Requires="a14">
           <p:sp>
             <p:nvSpPr>
               <p:cNvPr id="68" name="文字方塊 67">
@@ -7515,7 +8198,7 @@
             </p:txBody>
           </p:sp>
         </mc:Choice>
-        <mc:Fallback>
+        <mc:Fallback xmlns="">
           <p:sp>
             <p:nvSpPr>
               <p:cNvPr id="68" name="文字方塊 67">
@@ -7560,8 +8243,8 @@
           </p:sp>
         </mc:Fallback>
       </mc:AlternateContent>
-      <mc:AlternateContent xmlns:mc="http://schemas.openxmlformats.org/markup-compatibility/2006">
-        <mc:Choice xmlns:a14="http://schemas.microsoft.com/office/drawing/2010/main" Requires="a14">
+      <mc:AlternateContent xmlns:mc="http://schemas.openxmlformats.org/markup-compatibility/2006" xmlns:a14="http://schemas.microsoft.com/office/drawing/2010/main">
+        <mc:Choice Requires="a14">
           <p:sp>
             <p:nvSpPr>
               <p:cNvPr id="69" name="文字方塊 68">
@@ -7590,6 +8273,7 @@
               </a:bodyPr>
               <a:lstStyle/>
               <a:p>
+                <a:pPr/>
                 <a14:m>
                   <m:oMathPara xmlns:m="http://schemas.openxmlformats.org/officeDocument/2006/math">
                     <m:oMathParaPr>
@@ -7754,7 +8438,7 @@
             </p:txBody>
           </p:sp>
         </mc:Choice>
-        <mc:Fallback>
+        <mc:Fallback xmlns="">
           <p:sp>
             <p:nvSpPr>
               <p:cNvPr id="69" name="文字方塊 68">
@@ -7799,8 +8483,8 @@
           </p:sp>
         </mc:Fallback>
       </mc:AlternateContent>
-      <mc:AlternateContent xmlns:mc="http://schemas.openxmlformats.org/markup-compatibility/2006">
-        <mc:Choice xmlns:a14="http://schemas.microsoft.com/office/drawing/2010/main" Requires="a14">
+      <mc:AlternateContent xmlns:mc="http://schemas.openxmlformats.org/markup-compatibility/2006" xmlns:a14="http://schemas.microsoft.com/office/drawing/2010/main">
+        <mc:Choice Requires="a14">
           <p:sp>
             <p:nvSpPr>
               <p:cNvPr id="70" name="文字方塊 69">
@@ -7829,6 +8513,7 @@
               </a:bodyPr>
               <a:lstStyle/>
               <a:p>
+                <a:pPr/>
                 <a14:m>
                   <m:oMathPara xmlns:m="http://schemas.openxmlformats.org/officeDocument/2006/math">
                     <m:oMathParaPr>
@@ -7842,7 +8527,7 @@
                         <a:rPr lang="en-US" altLang="zh-TW" b="0" i="0" smtClean="0">
                           <a:latin typeface="Cambria Math" panose="02040503050406030204" pitchFamily="18" charset="0"/>
                         </a:rPr>
-                        <m:t>-</m:t>
+                        <m:t>−</m:t>
                       </m:r>
                       <m:r>
                         <m:rPr>
@@ -8045,7 +8730,7 @@
             </p:txBody>
           </p:sp>
         </mc:Choice>
-        <mc:Fallback>
+        <mc:Fallback xmlns="">
           <p:sp>
             <p:nvSpPr>
               <p:cNvPr id="70" name="文字方塊 69">
@@ -8188,8 +8873,8 @@
           </a:fontRef>
         </p:style>
       </p:cxnSp>
-      <mc:AlternateContent xmlns:mc="http://schemas.openxmlformats.org/markup-compatibility/2006">
-        <mc:Choice xmlns:a14="http://schemas.microsoft.com/office/drawing/2010/main" Requires="a14">
+      <mc:AlternateContent xmlns:mc="http://schemas.openxmlformats.org/markup-compatibility/2006" xmlns:a14="http://schemas.microsoft.com/office/drawing/2010/main">
+        <mc:Choice Requires="a14">
           <p:sp>
             <p:nvSpPr>
               <p:cNvPr id="75" name="文字方塊 74">
@@ -8218,6 +8903,7 @@
               </a:bodyPr>
               <a:lstStyle/>
               <a:p>
+                <a:pPr/>
                 <a14:m>
                   <m:oMathPara xmlns:m="http://schemas.openxmlformats.org/officeDocument/2006/math">
                     <m:oMathParaPr>
@@ -8265,7 +8951,7 @@
             </p:txBody>
           </p:sp>
         </mc:Choice>
-        <mc:Fallback>
+        <mc:Fallback xmlns="">
           <p:sp>
             <p:nvSpPr>
               <p:cNvPr id="75" name="文字方塊 74">
@@ -8310,8 +8996,8 @@
           </p:sp>
         </mc:Fallback>
       </mc:AlternateContent>
-      <mc:AlternateContent xmlns:mc="http://schemas.openxmlformats.org/markup-compatibility/2006">
-        <mc:Choice xmlns:a14="http://schemas.microsoft.com/office/drawing/2010/main" Requires="a14">
+      <mc:AlternateContent xmlns:mc="http://schemas.openxmlformats.org/markup-compatibility/2006" xmlns:a14="http://schemas.microsoft.com/office/drawing/2010/main">
+        <mc:Choice Requires="a14">
           <p:sp>
             <p:nvSpPr>
               <p:cNvPr id="76" name="文字方塊 75">
@@ -8345,6 +9031,7 @@
               </a:bodyPr>
               <a:lstStyle/>
               <a:p>
+                <a:pPr/>
                 <a14:m>
                   <m:oMathPara xmlns:m="http://schemas.openxmlformats.org/officeDocument/2006/math">
                     <m:oMathParaPr>
@@ -8448,7 +9135,7 @@
             </p:txBody>
           </p:sp>
         </mc:Choice>
-        <mc:Fallback>
+        <mc:Fallback xmlns="">
           <p:sp>
             <p:nvSpPr>
               <p:cNvPr id="76" name="文字方塊 75">
@@ -8639,8 +9326,8 @@
           </a:prstGeom>
         </p:spPr>
       </p:pic>
-      <mc:AlternateContent xmlns:mc="http://schemas.openxmlformats.org/markup-compatibility/2006">
-        <mc:Choice xmlns:a14="http://schemas.microsoft.com/office/drawing/2010/main" Requires="a14">
+      <mc:AlternateContent xmlns:mc="http://schemas.openxmlformats.org/markup-compatibility/2006" xmlns:a14="http://schemas.microsoft.com/office/drawing/2010/main">
+        <mc:Choice Requires="a14">
           <p:sp>
             <p:nvSpPr>
               <p:cNvPr id="6" name="文字方塊 5">
@@ -8674,6 +9361,7 @@
               </a:bodyPr>
               <a:lstStyle/>
               <a:p>
+                <a:pPr/>
                 <a14:m>
                   <m:oMathPara xmlns:m="http://schemas.openxmlformats.org/officeDocument/2006/math">
                     <m:oMathParaPr>
@@ -8824,7 +9512,7 @@
             </p:txBody>
           </p:sp>
         </mc:Choice>
-        <mc:Fallback>
+        <mc:Fallback xmlns="">
           <p:sp>
             <p:nvSpPr>
               <p:cNvPr id="6" name="文字方塊 5">
@@ -8869,8 +9557,8 @@
           </p:sp>
         </mc:Fallback>
       </mc:AlternateContent>
-      <mc:AlternateContent xmlns:mc="http://schemas.openxmlformats.org/markup-compatibility/2006">
-        <mc:Choice xmlns:a14="http://schemas.microsoft.com/office/drawing/2010/main" Requires="a14">
+      <mc:AlternateContent xmlns:mc="http://schemas.openxmlformats.org/markup-compatibility/2006" xmlns:a14="http://schemas.microsoft.com/office/drawing/2010/main">
+        <mc:Choice Requires="a14">
           <p:sp>
             <p:nvSpPr>
               <p:cNvPr id="7" name="文字方塊 6">
@@ -8904,6 +9592,7 @@
               </a:bodyPr>
               <a:lstStyle/>
               <a:p>
+                <a:pPr/>
                 <a14:m>
                   <m:oMathPara xmlns:m="http://schemas.openxmlformats.org/officeDocument/2006/math">
                     <m:oMathParaPr>
@@ -9054,7 +9743,7 @@
             </p:txBody>
           </p:sp>
         </mc:Choice>
-        <mc:Fallback>
+        <mc:Fallback xmlns="">
           <p:sp>
             <p:nvSpPr>
               <p:cNvPr id="7" name="文字方塊 6">
@@ -9099,8 +9788,8 @@
           </p:sp>
         </mc:Fallback>
       </mc:AlternateContent>
-      <mc:AlternateContent xmlns:mc="http://schemas.openxmlformats.org/markup-compatibility/2006">
-        <mc:Choice xmlns:a14="http://schemas.microsoft.com/office/drawing/2010/main" Requires="a14">
+      <mc:AlternateContent xmlns:mc="http://schemas.openxmlformats.org/markup-compatibility/2006" xmlns:a14="http://schemas.microsoft.com/office/drawing/2010/main">
+        <mc:Choice Requires="a14">
           <p:sp>
             <p:nvSpPr>
               <p:cNvPr id="8" name="文字方塊 7">
@@ -9129,6 +9818,7 @@
               </a:bodyPr>
               <a:lstStyle/>
               <a:p>
+                <a:pPr/>
                 <a14:m>
                   <m:oMathPara xmlns:m="http://schemas.openxmlformats.org/officeDocument/2006/math">
                     <m:oMathParaPr>
@@ -9301,7 +9991,7 @@
             </p:txBody>
           </p:sp>
         </mc:Choice>
-        <mc:Fallback>
+        <mc:Fallback xmlns="">
           <p:sp>
             <p:nvSpPr>
               <p:cNvPr id="8" name="文字方塊 7">
@@ -9346,8 +10036,8 @@
           </p:sp>
         </mc:Fallback>
       </mc:AlternateContent>
-      <mc:AlternateContent xmlns:mc="http://schemas.openxmlformats.org/markup-compatibility/2006">
-        <mc:Choice xmlns:a14="http://schemas.microsoft.com/office/drawing/2010/main" Requires="a14">
+      <mc:AlternateContent xmlns:mc="http://schemas.openxmlformats.org/markup-compatibility/2006" xmlns:a14="http://schemas.microsoft.com/office/drawing/2010/main">
+        <mc:Choice Requires="a14">
           <p:sp>
             <p:nvSpPr>
               <p:cNvPr id="9" name="文字方塊 8">
@@ -9376,6 +10066,7 @@
               </a:bodyPr>
               <a:lstStyle/>
               <a:p>
+                <a:pPr/>
                 <a14:m>
                   <m:oMathPara xmlns:m="http://schemas.openxmlformats.org/officeDocument/2006/math">
                     <m:oMathParaPr>
@@ -9500,7 +10191,7 @@
             </p:txBody>
           </p:sp>
         </mc:Choice>
-        <mc:Fallback>
+        <mc:Fallback xmlns="">
           <p:sp>
             <p:nvSpPr>
               <p:cNvPr id="9" name="文字方塊 8">
